--- a/presentation.pptx
+++ b/presentation.pptx
@@ -87,7 +87,7 @@
         <p:txBody>
           <a:bodyPr/>
           <a:p>
-            <a:fld id="{BF7D191B-D398-46C0-8844-D8CE35EFF9A7}" type="slidenum">
+            <a:fld id="{3B0B7038-D557-4CCB-82A0-7CC63AC1D681}" type="slidenum">
               <a:t>&lt;#&gt;</a:t>
             </a:fld>
           </a:p>
@@ -275,7 +275,7 @@
         <p:txBody>
           <a:bodyPr/>
           <a:p>
-            <a:fld id="{92E700A6-F078-4BB6-A318-4395DBDC5E6F}" type="slidenum">
+            <a:fld id="{D28E943E-113A-4FA3-83FE-11B1CBF049B9}" type="slidenum">
               <a:t>&lt;#&gt;</a:t>
             </a:fld>
           </a:p>
@@ -531,7 +531,7 @@
         <p:txBody>
           <a:bodyPr/>
           <a:p>
-            <a:fld id="{CF7AFBE7-4A79-4D42-822C-4526EFA97515}" type="slidenum">
+            <a:fld id="{4F5A8B5C-D807-4064-AA5E-3DB0B2F8790B}" type="slidenum">
               <a:t>&lt;#&gt;</a:t>
             </a:fld>
           </a:p>
@@ -855,7 +855,7 @@
         <p:txBody>
           <a:bodyPr/>
           <a:p>
-            <a:fld id="{B5C9F5FA-DF07-42A8-BBCA-09A8491C476B}" type="slidenum">
+            <a:fld id="{3E4E1079-A4A9-435F-AEBD-67EFD1D17F87}" type="slidenum">
               <a:t>&lt;#&gt;</a:t>
             </a:fld>
           </a:p>
@@ -938,7 +938,7 @@
         <p:txBody>
           <a:bodyPr/>
           <a:p>
-            <a:fld id="{B121E2AE-B10A-4E55-BCBC-76A6111D0FB7}" type="slidenum">
+            <a:fld id="{005D35EA-BEF4-4B8D-B516-52DC4A654AB9}" type="slidenum">
               <a:t>&lt;#&gt;</a:t>
             </a:fld>
           </a:p>
@@ -1095,7 +1095,7 @@
         <p:txBody>
           <a:bodyPr/>
           <a:p>
-            <a:fld id="{F0A96111-FC8E-4A59-8A3A-4D83A0FFA638}" type="slidenum">
+            <a:fld id="{6D6831FE-151C-4090-BAA2-DA8B3CF50658}" type="slidenum">
               <a:t>&lt;#&gt;</a:t>
             </a:fld>
           </a:p>
@@ -1249,7 +1249,7 @@
         <p:txBody>
           <a:bodyPr/>
           <a:p>
-            <a:fld id="{B5E875F5-1B4D-4D21-987D-17C2F9E007C5}" type="slidenum">
+            <a:fld id="{1DA59995-753E-491B-B140-289B7FE4FBDC}" type="slidenum">
               <a:t>&lt;#&gt;</a:t>
             </a:fld>
           </a:p>
@@ -1437,7 +1437,7 @@
         <p:txBody>
           <a:bodyPr/>
           <a:p>
-            <a:fld id="{0563BD9A-ECD5-412C-B9D9-C2BB16A7F2A8}" type="slidenum">
+            <a:fld id="{2BA77ECA-C5C4-4D90-9CE2-D7BFC4E04175}" type="slidenum">
               <a:t>&lt;#&gt;</a:t>
             </a:fld>
           </a:p>
@@ -1557,7 +1557,7 @@
         <p:txBody>
           <a:bodyPr/>
           <a:p>
-            <a:fld id="{E3A490BC-34E8-4502-B963-1CF491EE590F}" type="slidenum">
+            <a:fld id="{E7A43D6D-A1AB-4FF0-B1AD-00FF3C751CA9}" type="slidenum">
               <a:t>&lt;#&gt;</a:t>
             </a:fld>
           </a:p>
@@ -1677,7 +1677,7 @@
         <p:txBody>
           <a:bodyPr/>
           <a:p>
-            <a:fld id="{BB4DAFA4-5978-4642-94D3-6CAB77C8AD30}" type="slidenum">
+            <a:fld id="{4B328457-BD9A-4A49-B3E8-5D1B422C2730}" type="slidenum">
               <a:t>&lt;#&gt;</a:t>
             </a:fld>
           </a:p>
@@ -1899,7 +1899,7 @@
         <p:txBody>
           <a:bodyPr/>
           <a:p>
-            <a:fld id="{2E7CF3F9-AA65-4065-9CB6-9709DDBEB3CE}" type="slidenum">
+            <a:fld id="{18706981-030D-428F-84AB-098A09A76E0C}" type="slidenum">
               <a:t>&lt;#&gt;</a:t>
             </a:fld>
           </a:p>
@@ -2056,7 +2056,7 @@
         <p:txBody>
           <a:bodyPr/>
           <a:p>
-            <a:fld id="{03595EFE-0616-47CC-A120-ACC4D04B2B06}" type="slidenum">
+            <a:fld id="{4253B78F-40CF-4ABB-A8A0-EBA347A9DC96}" type="slidenum">
               <a:t>&lt;#&gt;</a:t>
             </a:fld>
           </a:p>
@@ -2278,7 +2278,7 @@
         <p:txBody>
           <a:bodyPr/>
           <a:p>
-            <a:fld id="{09F07CC4-79C3-4A6B-9EAB-AB0D51CF0BC1}" type="slidenum">
+            <a:fld id="{00D418C3-A08E-4D5E-9C4A-343BFED53E14}" type="slidenum">
               <a:t>&lt;#&gt;</a:t>
             </a:fld>
           </a:p>
@@ -2500,7 +2500,7 @@
         <p:txBody>
           <a:bodyPr/>
           <a:p>
-            <a:fld id="{A98FB340-807F-4C50-837E-B0574A469471}" type="slidenum">
+            <a:fld id="{FBD93156-211E-4C0F-92F1-4AE563677951}" type="slidenum">
               <a:t>&lt;#&gt;</a:t>
             </a:fld>
           </a:p>
@@ -2688,7 +2688,7 @@
         <p:txBody>
           <a:bodyPr/>
           <a:p>
-            <a:fld id="{C663EDA8-31F5-4BF0-95F5-2BC769C09B89}" type="slidenum">
+            <a:fld id="{A038BC4B-0FDA-4287-A8B2-598BAC01BD82}" type="slidenum">
               <a:t>&lt;#&gt;</a:t>
             </a:fld>
           </a:p>
@@ -2944,7 +2944,7 @@
         <p:txBody>
           <a:bodyPr/>
           <a:p>
-            <a:fld id="{597FC6BA-EE3C-498C-B1F1-531199DB1D86}" type="slidenum">
+            <a:fld id="{7177D5AF-31B8-400F-B2BB-4F72EAE2899B}" type="slidenum">
               <a:t>&lt;#&gt;</a:t>
             </a:fld>
           </a:p>
@@ -3268,7 +3268,7 @@
         <p:txBody>
           <a:bodyPr/>
           <a:p>
-            <a:fld id="{A3452D63-5795-418D-A2D3-E6DE43E14F1A}" type="slidenum">
+            <a:fld id="{581D94B8-DD41-4B19-BCA8-1348B59F6F54}" type="slidenum">
               <a:t>&lt;#&gt;</a:t>
             </a:fld>
           </a:p>
@@ -3422,7 +3422,7 @@
         <p:txBody>
           <a:bodyPr/>
           <a:p>
-            <a:fld id="{2CA2C9D7-1C0F-459B-A179-95E30D2D5E85}" type="slidenum">
+            <a:fld id="{3B203484-6E41-4903-A244-178F8B632973}" type="slidenum">
               <a:t>&lt;#&gt;</a:t>
             </a:fld>
           </a:p>
@@ -3610,7 +3610,7 @@
         <p:txBody>
           <a:bodyPr/>
           <a:p>
-            <a:fld id="{A671D46F-35CE-4943-932C-40AAD805F6F8}" type="slidenum">
+            <a:fld id="{CBC249F8-EC73-491D-8770-763040BFEBD1}" type="slidenum">
               <a:t>&lt;#&gt;</a:t>
             </a:fld>
           </a:p>
@@ -3730,7 +3730,7 @@
         <p:txBody>
           <a:bodyPr/>
           <a:p>
-            <a:fld id="{62D5E585-9123-4A34-9FA3-A3826491047E}" type="slidenum">
+            <a:fld id="{EF1DCA5B-9D9D-4D6A-8F7F-39B7A04D412E}" type="slidenum">
               <a:t>&lt;#&gt;</a:t>
             </a:fld>
           </a:p>
@@ -3850,7 +3850,7 @@
         <p:txBody>
           <a:bodyPr/>
           <a:p>
-            <a:fld id="{E83407B8-4CF8-4C33-8C7B-F553B40F0B05}" type="slidenum">
+            <a:fld id="{3098AE76-D1E0-4792-8362-353E2AB28BCB}" type="slidenum">
               <a:t>&lt;#&gt;</a:t>
             </a:fld>
           </a:p>
@@ -4072,7 +4072,7 @@
         <p:txBody>
           <a:bodyPr/>
           <a:p>
-            <a:fld id="{3C98A75B-E195-494C-98FC-DFEC6742CD23}" type="slidenum">
+            <a:fld id="{E167D219-5D11-4C00-8B41-4B4C327C89D6}" type="slidenum">
               <a:t>&lt;#&gt;</a:t>
             </a:fld>
           </a:p>
@@ -4294,7 +4294,7 @@
         <p:txBody>
           <a:bodyPr/>
           <a:p>
-            <a:fld id="{E7CC678E-3304-4293-8CED-59B37FCB7540}" type="slidenum">
+            <a:fld id="{66DDC9F2-A23A-4965-95E7-B131896B33A5}" type="slidenum">
               <a:t>&lt;#&gt;</a:t>
             </a:fld>
           </a:p>
@@ -4516,7 +4516,7 @@
         <p:txBody>
           <a:bodyPr/>
           <a:p>
-            <a:fld id="{FB8828D1-9559-47D2-9ED8-6EE94D8639F8}" type="slidenum">
+            <a:fld id="{2A3CC2AB-173F-4E7A-B0C8-5DEAAFC4C248}" type="slidenum">
               <a:t>&lt;#&gt;</a:t>
             </a:fld>
           </a:p>
@@ -4585,7 +4585,7 @@
         <p:spPr>
           <a:xfrm>
             <a:off x="4038480" y="6356520"/>
-            <a:ext cx="4112280" cy="362520"/>
+            <a:ext cx="4111920" cy="362160"/>
           </a:xfrm>
           <a:prstGeom prst="rect">
             <a:avLst/>
@@ -4642,7 +4642,7 @@
         <p:spPr>
           <a:xfrm>
             <a:off x="8610480" y="6356520"/>
-            <a:ext cx="2740680" cy="362520"/>
+            <a:ext cx="2740320" cy="362160"/>
           </a:xfrm>
           <a:prstGeom prst="rect">
             <a:avLst/>
@@ -4684,7 +4684,7 @@
                 <a:tab algn="l" pos="0"/>
               </a:tabLst>
             </a:pPr>
-            <a:fld id="{6B9A501A-B858-4CE1-9CB1-C75C6F136285}" type="slidenum">
+            <a:fld id="{92663F84-10E9-4EFC-8A97-5C946AC2CF4E}" type="slidenum">
               <a:rPr b="0" lang="en-US" sz="1200" spc="-1" strike="noStrike">
                 <a:solidFill>
                   <a:srgbClr val="757575"/>
@@ -4713,7 +4713,7 @@
         <p:spPr>
           <a:xfrm>
             <a:off x="838080" y="6356520"/>
-            <a:ext cx="2740680" cy="362520"/>
+            <a:ext cx="2740320" cy="362160"/>
           </a:xfrm>
           <a:prstGeom prst="rect">
             <a:avLst/>
@@ -5030,7 +5030,7 @@
         <p:spPr>
           <a:xfrm>
             <a:off x="4038480" y="6356520"/>
-            <a:ext cx="4112280" cy="362520"/>
+            <a:ext cx="4111920" cy="362160"/>
           </a:xfrm>
           <a:prstGeom prst="rect">
             <a:avLst/>
@@ -5087,7 +5087,7 @@
         <p:spPr>
           <a:xfrm>
             <a:off x="8610480" y="6356520"/>
-            <a:ext cx="2740680" cy="362520"/>
+            <a:ext cx="2740320" cy="362160"/>
           </a:xfrm>
           <a:prstGeom prst="rect">
             <a:avLst/>
@@ -5129,7 +5129,7 @@
                 <a:tab algn="l" pos="0"/>
               </a:tabLst>
             </a:pPr>
-            <a:fld id="{99C760EB-5E9A-4C37-A450-17E420881F8D}" type="slidenum">
+            <a:fld id="{07F6870B-7C96-4FFA-8796-7C699FC73E58}" type="slidenum">
               <a:rPr b="0" lang="en-US" sz="1200" spc="-1" strike="noStrike">
                 <a:solidFill>
                   <a:srgbClr val="757575"/>
@@ -5158,7 +5158,7 @@
         <p:spPr>
           <a:xfrm>
             <a:off x="838080" y="6356520"/>
-            <a:ext cx="2740680" cy="362520"/>
+            <a:ext cx="2740320" cy="362160"/>
           </a:xfrm>
           <a:prstGeom prst="rect">
             <a:avLst/>
@@ -5476,7 +5476,7 @@
         <p:spPr>
           <a:xfrm>
             <a:off x="950040" y="855000"/>
-            <a:ext cx="10289520" cy="2385000"/>
+            <a:ext cx="10289160" cy="2384640"/>
           </a:xfrm>
           <a:prstGeom prst="rect">
             <a:avLst/>
@@ -5508,7 +5508,27 @@
                 <a:latin typeface="Play"/>
                 <a:ea typeface="Play"/>
               </a:rPr>
-              <a:t>Hot Topics Of Generative AI: LLMs and Diffusion Models  </a:t>
+              <a:t>Hot Topics Of Generative </a:t>
+            </a:r>
+            <a:r>
+              <a:rPr b="0" lang="en-US" sz="6000" spc="-1" strike="noStrike">
+                <a:solidFill>
+                  <a:srgbClr val="c25014"/>
+                </a:solidFill>
+                <a:latin typeface="Play"/>
+                <a:ea typeface="Play"/>
+              </a:rPr>
+              <a:t>AI: LLMs and Diffusion </a:t>
+            </a:r>
+            <a:r>
+              <a:rPr b="0" lang="en-US" sz="6000" spc="-1" strike="noStrike">
+                <a:solidFill>
+                  <a:srgbClr val="c25014"/>
+                </a:solidFill>
+                <a:latin typeface="Play"/>
+                <a:ea typeface="Play"/>
+              </a:rPr>
+              <a:t>Models  </a:t>
             </a:r>
             <a:br>
               <a:rPr sz="6000"/>
@@ -5521,7 +5541,27 @@
                 <a:latin typeface="Play"/>
                 <a:ea typeface="Play"/>
               </a:rPr>
-              <a:t>”Yang et al. - Directional diffusion models for graph representation learning“</a:t>
+              <a:t>”Yang et al. - Directional </a:t>
+            </a:r>
+            <a:r>
+              <a:rPr b="0" lang="en-US" sz="6000" spc="-1" strike="noStrike">
+                <a:solidFill>
+                  <a:srgbClr val="c25014"/>
+                </a:solidFill>
+                <a:latin typeface="Play"/>
+                <a:ea typeface="Play"/>
+              </a:rPr>
+              <a:t>diffusion models for graph </a:t>
+            </a:r>
+            <a:r>
+              <a:rPr b="0" lang="en-US" sz="6000" spc="-1" strike="noStrike">
+                <a:solidFill>
+                  <a:srgbClr val="c25014"/>
+                </a:solidFill>
+                <a:latin typeface="Play"/>
+                <a:ea typeface="Play"/>
+              </a:rPr>
+              <a:t>representation learning“</a:t>
             </a:r>
             <a:endParaRPr b="0" lang="de-DE" sz="6000" spc="-1" strike="noStrike">
               <a:latin typeface="Arial"/>
@@ -5542,7 +5582,7 @@
         <p:spPr>
           <a:xfrm>
             <a:off x="1533240" y="3354120"/>
-            <a:ext cx="9141480" cy="720000"/>
+            <a:ext cx="9141120" cy="719640"/>
           </a:xfrm>
           <a:prstGeom prst="rect">
             <a:avLst/>
@@ -5657,7 +5697,7 @@
         <p:spPr>
           <a:xfrm>
             <a:off x="0" y="5396760"/>
-            <a:ext cx="3045600" cy="1458720"/>
+            <a:ext cx="3045240" cy="1458360"/>
           </a:xfrm>
           <a:prstGeom prst="rtTriangle">
             <a:avLst/>
@@ -5688,7 +5728,7 @@
         <p:spPr>
           <a:xfrm>
             <a:off x="3290040" y="4140000"/>
-            <a:ext cx="5529960" cy="944280"/>
+            <a:ext cx="5529600" cy="944280"/>
           </a:xfrm>
           <a:prstGeom prst="rect">
             <a:avLst/>
@@ -5798,7 +5838,7 @@
       </p:grpSpPr>
       <p:sp>
         <p:nvSpPr>
-          <p:cNvPr id="146" name="PlaceHolder 1"/>
+          <p:cNvPr id="144" name="PlaceHolder 1"/>
           <p:cNvSpPr>
             <a:spLocks noGrp="1"/>
           </p:cNvSpPr>
@@ -5809,7 +5849,7 @@
         <p:spPr>
           <a:xfrm>
             <a:off x="650160" y="459000"/>
-            <a:ext cx="10513080" cy="1323000"/>
+            <a:ext cx="10512720" cy="1322640"/>
           </a:xfrm>
           <a:prstGeom prst="rect">
             <a:avLst/>
@@ -5851,14 +5891,14 @@
       </p:sp>
       <p:sp>
         <p:nvSpPr>
-          <p:cNvPr id="147" name="Google Shape;93;p 11"/>
+          <p:cNvPr id="145" name="Google Shape;93;p 11"/>
           <p:cNvSpPr/>
           <p:nvPr/>
         </p:nvSpPr>
         <p:spPr>
           <a:xfrm>
             <a:off x="0" y="5396760"/>
-            <a:ext cx="3045600" cy="1458720"/>
+            <a:ext cx="3045240" cy="1458360"/>
           </a:xfrm>
           <a:prstGeom prst="rtTriangle">
             <a:avLst/>
@@ -5882,14 +5922,14 @@
       </p:sp>
       <p:sp>
         <p:nvSpPr>
-          <p:cNvPr id="148" name="Google Shape;94;p 11"/>
+          <p:cNvPr id="146" name="Google Shape;94;p 11"/>
           <p:cNvSpPr/>
           <p:nvPr/>
         </p:nvSpPr>
         <p:spPr>
           <a:xfrm>
             <a:off x="837720" y="1968120"/>
-            <a:ext cx="10517400" cy="1918440"/>
+            <a:ext cx="10517040" cy="1918440"/>
           </a:xfrm>
           <a:prstGeom prst="rect">
             <a:avLst/>
@@ -6025,14 +6065,14 @@
       </p:sp>
       <p:sp>
         <p:nvSpPr>
-          <p:cNvPr id="149" name="Google Shape;97;p 11"/>
+          <p:cNvPr id="147" name="Google Shape;97;p 11"/>
           <p:cNvSpPr/>
           <p:nvPr/>
         </p:nvSpPr>
         <p:spPr>
           <a:xfrm>
             <a:off x="0" y="0"/>
-            <a:ext cx="7768080" cy="365760"/>
+            <a:ext cx="7767720" cy="365760"/>
           </a:xfrm>
           <a:prstGeom prst="rect">
             <a:avLst/>
@@ -6080,7 +6120,7 @@
       </p:sp>
       <p:pic>
         <p:nvPicPr>
-          <p:cNvPr id="150" name="" descr=""/>
+          <p:cNvPr id="148" name="" descr=""/>
           <p:cNvPicPr/>
           <p:nvPr/>
         </p:nvPicPr>
@@ -6091,7 +6131,7 @@
         <p:spPr>
           <a:xfrm>
             <a:off x="1266120" y="4010400"/>
-            <a:ext cx="3773160" cy="1028880"/>
+            <a:ext cx="3772800" cy="1028520"/>
           </a:xfrm>
           <a:prstGeom prst="rect">
             <a:avLst/>
@@ -6103,7 +6143,7 @@
       </p:pic>
       <p:pic>
         <p:nvPicPr>
-          <p:cNvPr id="151" name="" descr=""/>
+          <p:cNvPr id="149" name="" descr=""/>
           <p:cNvPicPr/>
           <p:nvPr/>
         </p:nvPicPr>
@@ -6114,7 +6154,7 @@
         <p:spPr>
           <a:xfrm>
             <a:off x="5400000" y="4039920"/>
-            <a:ext cx="5145840" cy="999360"/>
+            <a:ext cx="5145480" cy="999000"/>
           </a:xfrm>
           <a:prstGeom prst="rect">
             <a:avLst/>
@@ -6126,28 +6166,40 @@
       </p:pic>
       <p:sp>
         <p:nvSpPr>
-          <p:cNvPr id="152" name=""/>
-          <p:cNvSpPr txBox="1"/>
+          <p:cNvPr id="150" name=""/>
+          <p:cNvSpPr/>
           <p:nvPr/>
         </p:nvSpPr>
         <p:spPr>
           <a:xfrm>
             <a:off x="0" y="6511680"/>
-            <a:ext cx="878760" cy="346320"/>
-          </a:xfrm>
-          <a:prstGeom prst="rect">
-            <a:avLst/>
-          </a:prstGeom>
-          <a:noFill/>
-          <a:ln w="0">
-            <a:noFill/>
-          </a:ln>
-        </p:spPr>
+            <a:ext cx="878400" cy="345960"/>
+          </a:xfrm>
+          <a:prstGeom prst="rect">
+            <a:avLst/>
+          </a:prstGeom>
+          <a:noFill/>
+          <a:ln w="0">
+            <a:noFill/>
+          </a:ln>
+        </p:spPr>
+        <p:style>
+          <a:lnRef idx="0"/>
+          <a:fillRef idx="0"/>
+          <a:effectRef idx="0"/>
+          <a:fontRef idx="minor"/>
+        </p:style>
         <p:txBody>
           <a:bodyPr lIns="90000" rIns="90000" tIns="45000" bIns="45000" anchor="t">
             <a:noAutofit/>
           </a:bodyPr>
           <a:p>
+            <a:pPr>
+              <a:lnSpc>
+                <a:spcPct val="100000"/>
+              </a:lnSpc>
+              <a:buNone/>
+            </a:pPr>
             <a:r>
               <a:rPr b="0" lang="de-DE" sz="1800" spc="-1" strike="noStrike">
                 <a:latin typeface="Arial"/>
@@ -6200,7 +6252,7 @@
       </p:grpSpPr>
       <p:sp>
         <p:nvSpPr>
-          <p:cNvPr id="153" name="PlaceHolder 1"/>
+          <p:cNvPr id="151" name="PlaceHolder 1"/>
           <p:cNvSpPr>
             <a:spLocks noGrp="1"/>
           </p:cNvSpPr>
@@ -6211,7 +6263,7 @@
         <p:spPr>
           <a:xfrm>
             <a:off x="838440" y="0"/>
-            <a:ext cx="10513080" cy="6856200"/>
+            <a:ext cx="10512720" cy="6855840"/>
           </a:xfrm>
           <a:prstGeom prst="rect">
             <a:avLst/>
@@ -6253,14 +6305,14 @@
       </p:sp>
       <p:sp>
         <p:nvSpPr>
-          <p:cNvPr id="154" name="Google Shape;93;p 12"/>
+          <p:cNvPr id="152" name="Google Shape;93;p 12"/>
           <p:cNvSpPr/>
           <p:nvPr/>
         </p:nvSpPr>
         <p:spPr>
           <a:xfrm>
             <a:off x="0" y="5396760"/>
-            <a:ext cx="3045600" cy="1458720"/>
+            <a:ext cx="3045240" cy="1458360"/>
           </a:xfrm>
           <a:prstGeom prst="rtTriangle">
             <a:avLst/>
@@ -6284,14 +6336,14 @@
       </p:sp>
       <p:sp>
         <p:nvSpPr>
-          <p:cNvPr id="155" name="Google Shape;94;p 12"/>
+          <p:cNvPr id="153" name="Google Shape;94;p 12"/>
           <p:cNvSpPr/>
           <p:nvPr/>
         </p:nvSpPr>
         <p:spPr>
           <a:xfrm>
             <a:off x="837720" y="1968120"/>
-            <a:ext cx="10517400" cy="729720"/>
+            <a:ext cx="10517040" cy="729720"/>
           </a:xfrm>
           <a:prstGeom prst="rect">
             <a:avLst/>
@@ -6343,14 +6395,14 @@
       </p:sp>
       <p:sp>
         <p:nvSpPr>
-          <p:cNvPr id="156" name="Google Shape;97;p 12"/>
+          <p:cNvPr id="154" name="Google Shape;97;p 12"/>
           <p:cNvSpPr/>
           <p:nvPr/>
         </p:nvSpPr>
         <p:spPr>
           <a:xfrm>
             <a:off x="0" y="0"/>
-            <a:ext cx="7768080" cy="365760"/>
+            <a:ext cx="7767720" cy="365760"/>
           </a:xfrm>
           <a:prstGeom prst="rect">
             <a:avLst/>
@@ -6398,28 +6450,40 @@
       </p:sp>
       <p:sp>
         <p:nvSpPr>
-          <p:cNvPr id="157" name=""/>
-          <p:cNvSpPr txBox="1"/>
+          <p:cNvPr id="155" name=""/>
+          <p:cNvSpPr/>
           <p:nvPr/>
         </p:nvSpPr>
         <p:spPr>
           <a:xfrm>
             <a:off x="0" y="6511680"/>
-            <a:ext cx="878760" cy="346320"/>
-          </a:xfrm>
-          <a:prstGeom prst="rect">
-            <a:avLst/>
-          </a:prstGeom>
-          <a:noFill/>
-          <a:ln w="0">
-            <a:noFill/>
-          </a:ln>
-        </p:spPr>
+            <a:ext cx="878400" cy="345960"/>
+          </a:xfrm>
+          <a:prstGeom prst="rect">
+            <a:avLst/>
+          </a:prstGeom>
+          <a:noFill/>
+          <a:ln w="0">
+            <a:noFill/>
+          </a:ln>
+        </p:spPr>
+        <p:style>
+          <a:lnRef idx="0"/>
+          <a:fillRef idx="0"/>
+          <a:effectRef idx="0"/>
+          <a:fontRef idx="minor"/>
+        </p:style>
         <p:txBody>
           <a:bodyPr lIns="90000" rIns="90000" tIns="45000" bIns="45000" anchor="t">
             <a:noAutofit/>
           </a:bodyPr>
           <a:p>
+            <a:pPr>
+              <a:lnSpc>
+                <a:spcPct val="100000"/>
+              </a:lnSpc>
+              <a:buNone/>
+            </a:pPr>
             <a:r>
               <a:rPr b="0" lang="de-DE" sz="1800" spc="-1" strike="noStrike">
                 <a:latin typeface="Arial"/>
@@ -6470,9 +6534,32 @@
           <a:chExt cx="0" cy="0"/>
         </a:xfrm>
       </p:grpSpPr>
-      <p:sp>
-        <p:nvSpPr>
-          <p:cNvPr id="158" name="PlaceHolder 1"/>
+      <p:pic>
+        <p:nvPicPr>
+          <p:cNvPr id="156" name="" descr=""/>
+          <p:cNvPicPr/>
+          <p:nvPr/>
+        </p:nvPicPr>
+        <p:blipFill>
+          <a:blip r:embed="rId2"/>
+          <a:stretch/>
+        </p:blipFill>
+        <p:spPr>
+          <a:xfrm>
+            <a:off x="1620000" y="2676240"/>
+            <a:ext cx="9000000" cy="3383280"/>
+          </a:xfrm>
+          <a:prstGeom prst="rect">
+            <a:avLst/>
+          </a:prstGeom>
+          <a:ln w="0">
+            <a:noFill/>
+          </a:ln>
+        </p:spPr>
+      </p:pic>
+      <p:sp>
+        <p:nvSpPr>
+          <p:cNvPr id="157" name="PlaceHolder 1"/>
           <p:cNvSpPr>
             <a:spLocks noGrp="1"/>
           </p:cNvSpPr>
@@ -6483,7 +6570,7 @@
         <p:spPr>
           <a:xfrm>
             <a:off x="650160" y="459000"/>
-            <a:ext cx="10513080" cy="1323000"/>
+            <a:ext cx="10512720" cy="1322640"/>
           </a:xfrm>
           <a:prstGeom prst="rect">
             <a:avLst/>
@@ -6525,14 +6612,14 @@
       </p:sp>
       <p:sp>
         <p:nvSpPr>
-          <p:cNvPr id="159" name="Google Shape;93;p 13"/>
+          <p:cNvPr id="158" name="Google Shape;93;p 13"/>
           <p:cNvSpPr/>
           <p:nvPr/>
         </p:nvSpPr>
         <p:spPr>
           <a:xfrm>
             <a:off x="0" y="5396760"/>
-            <a:ext cx="3045600" cy="1458720"/>
+            <a:ext cx="3045240" cy="1458360"/>
           </a:xfrm>
           <a:prstGeom prst="rtTriangle">
             <a:avLst/>
@@ -6556,14 +6643,14 @@
       </p:sp>
       <p:sp>
         <p:nvSpPr>
-          <p:cNvPr id="160" name="Google Shape;94;p 13"/>
+          <p:cNvPr id="159" name="Google Shape;94;p 13"/>
           <p:cNvSpPr/>
           <p:nvPr/>
         </p:nvSpPr>
         <p:spPr>
           <a:xfrm>
             <a:off x="837720" y="1968120"/>
-            <a:ext cx="10517400" cy="1095480"/>
+            <a:ext cx="10517040" cy="1095480"/>
           </a:xfrm>
           <a:prstGeom prst="rect">
             <a:avLst/>
@@ -6645,14 +6732,14 @@
       </p:sp>
       <p:sp>
         <p:nvSpPr>
-          <p:cNvPr id="161" name="Google Shape;97;p 13"/>
+          <p:cNvPr id="160" name="Google Shape;97;p 13"/>
           <p:cNvSpPr/>
           <p:nvPr/>
         </p:nvSpPr>
         <p:spPr>
           <a:xfrm>
             <a:off x="0" y="0"/>
-            <a:ext cx="7768080" cy="365760"/>
+            <a:ext cx="7767720" cy="365760"/>
           </a:xfrm>
           <a:prstGeom prst="rect">
             <a:avLst/>
@@ -6698,53 +6785,42 @@
           </a:p>
         </p:txBody>
       </p:sp>
-      <p:pic>
-        <p:nvPicPr>
-          <p:cNvPr id="162" name="" descr=""/>
-          <p:cNvPicPr/>
+      <p:sp>
+        <p:nvSpPr>
+          <p:cNvPr id="161" name=""/>
+          <p:cNvSpPr/>
           <p:nvPr/>
-        </p:nvPicPr>
-        <p:blipFill>
-          <a:blip r:embed="rId2"/>
-          <a:stretch/>
-        </p:blipFill>
-        <p:spPr>
-          <a:xfrm>
-            <a:off x="1620000" y="2880000"/>
-            <a:ext cx="8458200" cy="3179880"/>
-          </a:xfrm>
-          <a:prstGeom prst="rect">
-            <a:avLst/>
-          </a:prstGeom>
-          <a:ln w="0">
-            <a:noFill/>
-          </a:ln>
-        </p:spPr>
-      </p:pic>
-      <p:sp>
-        <p:nvSpPr>
-          <p:cNvPr id="163" name=""/>
-          <p:cNvSpPr txBox="1"/>
-          <p:nvPr/>
         </p:nvSpPr>
         <p:spPr>
           <a:xfrm>
             <a:off x="0" y="6511680"/>
-            <a:ext cx="878760" cy="346320"/>
-          </a:xfrm>
-          <a:prstGeom prst="rect">
-            <a:avLst/>
-          </a:prstGeom>
-          <a:noFill/>
-          <a:ln w="0">
-            <a:noFill/>
-          </a:ln>
-        </p:spPr>
+            <a:ext cx="878400" cy="345960"/>
+          </a:xfrm>
+          <a:prstGeom prst="rect">
+            <a:avLst/>
+          </a:prstGeom>
+          <a:noFill/>
+          <a:ln w="0">
+            <a:noFill/>
+          </a:ln>
+        </p:spPr>
+        <p:style>
+          <a:lnRef idx="0"/>
+          <a:fillRef idx="0"/>
+          <a:effectRef idx="0"/>
+          <a:fontRef idx="minor"/>
+        </p:style>
         <p:txBody>
           <a:bodyPr lIns="90000" rIns="90000" tIns="45000" bIns="45000" anchor="t">
             <a:noAutofit/>
           </a:bodyPr>
           <a:p>
+            <a:pPr>
+              <a:lnSpc>
+                <a:spcPct val="100000"/>
+              </a:lnSpc>
+              <a:buNone/>
+            </a:pPr>
             <a:r>
               <a:rPr b="0" lang="de-DE" sz="1800" spc="-1" strike="noStrike">
                 <a:latin typeface="Arial"/>
@@ -6759,28 +6835,40 @@
       </p:sp>
       <p:sp>
         <p:nvSpPr>
-          <p:cNvPr id="164" name=""/>
-          <p:cNvSpPr txBox="1"/>
+          <p:cNvPr id="162" name=""/>
+          <p:cNvSpPr/>
           <p:nvPr/>
         </p:nvSpPr>
         <p:spPr>
           <a:xfrm>
             <a:off x="8640000" y="5940000"/>
-            <a:ext cx="1209600" cy="232200"/>
-          </a:xfrm>
-          <a:prstGeom prst="rect">
-            <a:avLst/>
-          </a:prstGeom>
-          <a:noFill/>
-          <a:ln w="0">
-            <a:noFill/>
-          </a:ln>
-        </p:spPr>
+            <a:ext cx="1209240" cy="231840"/>
+          </a:xfrm>
+          <a:prstGeom prst="rect">
+            <a:avLst/>
+          </a:prstGeom>
+          <a:noFill/>
+          <a:ln w="0">
+            <a:noFill/>
+          </a:ln>
+        </p:spPr>
+        <p:style>
+          <a:lnRef idx="0"/>
+          <a:fillRef idx="0"/>
+          <a:effectRef idx="0"/>
+          <a:fontRef idx="minor"/>
+        </p:style>
         <p:txBody>
           <a:bodyPr lIns="90000" rIns="90000" tIns="45000" bIns="45000" anchor="t">
             <a:noAutofit/>
           </a:bodyPr>
           <a:p>
+            <a:pPr>
+              <a:lnSpc>
+                <a:spcPct val="100000"/>
+              </a:lnSpc>
+              <a:buNone/>
+            </a:pPr>
             <a:r>
               <a:rPr b="0" lang="de-DE" sz="1000" spc="-1" strike="noStrike">
                 <a:solidFill>
@@ -6836,7 +6924,7 @@
       </p:grpSpPr>
       <p:sp>
         <p:nvSpPr>
-          <p:cNvPr id="165" name="PlaceHolder 1"/>
+          <p:cNvPr id="163" name="PlaceHolder 1"/>
           <p:cNvSpPr>
             <a:spLocks noGrp="1"/>
           </p:cNvSpPr>
@@ -6847,7 +6935,7 @@
         <p:spPr>
           <a:xfrm>
             <a:off x="650160" y="459000"/>
-            <a:ext cx="10513080" cy="1323000"/>
+            <a:ext cx="10512720" cy="1322640"/>
           </a:xfrm>
           <a:prstGeom prst="rect">
             <a:avLst/>
@@ -6889,14 +6977,14 @@
       </p:sp>
       <p:sp>
         <p:nvSpPr>
-          <p:cNvPr id="166" name="Google Shape;93;p 14"/>
+          <p:cNvPr id="164" name="Google Shape;93;p 14"/>
           <p:cNvSpPr/>
           <p:nvPr/>
         </p:nvSpPr>
         <p:spPr>
           <a:xfrm>
             <a:off x="0" y="5396760"/>
-            <a:ext cx="3045600" cy="1458720"/>
+            <a:ext cx="3045240" cy="1458360"/>
           </a:xfrm>
           <a:prstGeom prst="rtTriangle">
             <a:avLst/>
@@ -6920,14 +7008,14 @@
       </p:sp>
       <p:sp>
         <p:nvSpPr>
-          <p:cNvPr id="167" name="Google Shape;94;p 14"/>
+          <p:cNvPr id="165" name="Google Shape;94;p 14"/>
           <p:cNvSpPr/>
           <p:nvPr/>
         </p:nvSpPr>
         <p:spPr>
           <a:xfrm>
             <a:off x="837720" y="1968120"/>
-            <a:ext cx="10517400" cy="1827000"/>
+            <a:ext cx="10517040" cy="1827000"/>
           </a:xfrm>
           <a:prstGeom prst="rect">
             <a:avLst/>
@@ -7067,14 +7155,14 @@
       </p:sp>
       <p:sp>
         <p:nvSpPr>
-          <p:cNvPr id="168" name="Google Shape;97;p 14"/>
+          <p:cNvPr id="166" name="Google Shape;97;p 14"/>
           <p:cNvSpPr/>
           <p:nvPr/>
         </p:nvSpPr>
         <p:spPr>
           <a:xfrm>
             <a:off x="0" y="0"/>
-            <a:ext cx="7768080" cy="365760"/>
+            <a:ext cx="7767720" cy="365760"/>
           </a:xfrm>
           <a:prstGeom prst="rect">
             <a:avLst/>
@@ -7120,6 +7208,52 @@
           </a:p>
         </p:txBody>
       </p:sp>
+      <p:pic>
+        <p:nvPicPr>
+          <p:cNvPr id="167" name="" descr=""/>
+          <p:cNvPicPr/>
+          <p:nvPr/>
+        </p:nvPicPr>
+        <p:blipFill>
+          <a:blip r:embed="rId2"/>
+          <a:stretch/>
+        </p:blipFill>
+        <p:spPr>
+          <a:xfrm>
+            <a:off x="1260000" y="3600000"/>
+            <a:ext cx="4381920" cy="1201680"/>
+          </a:xfrm>
+          <a:prstGeom prst="rect">
+            <a:avLst/>
+          </a:prstGeom>
+          <a:ln w="0">
+            <a:noFill/>
+          </a:ln>
+        </p:spPr>
+      </p:pic>
+      <p:pic>
+        <p:nvPicPr>
+          <p:cNvPr id="168" name="" descr=""/>
+          <p:cNvPicPr/>
+          <p:nvPr/>
+        </p:nvPicPr>
+        <p:blipFill>
+          <a:blip r:embed="rId3"/>
+          <a:stretch/>
+        </p:blipFill>
+        <p:spPr>
+          <a:xfrm>
+            <a:off x="5928480" y="3600000"/>
+            <a:ext cx="2709360" cy="2031480"/>
+          </a:xfrm>
+          <a:prstGeom prst="rect">
+            <a:avLst/>
+          </a:prstGeom>
+          <a:ln w="0">
+            <a:noFill/>
+          </a:ln>
+        </p:spPr>
+      </p:pic>
       <p:pic>
         <p:nvPicPr>
           <p:cNvPr id="169" name="" descr=""/>
@@ -7127,59 +7261,13 @@
           <p:nvPr/>
         </p:nvPicPr>
         <p:blipFill>
-          <a:blip r:embed="rId2"/>
-          <a:stretch/>
-        </p:blipFill>
-        <p:spPr>
-          <a:xfrm>
-            <a:off x="1260000" y="3600000"/>
-            <a:ext cx="4382280" cy="1202040"/>
-          </a:xfrm>
-          <a:prstGeom prst="rect">
-            <a:avLst/>
-          </a:prstGeom>
-          <a:ln w="0">
-            <a:noFill/>
-          </a:ln>
-        </p:spPr>
-      </p:pic>
-      <p:pic>
-        <p:nvPicPr>
-          <p:cNvPr id="170" name="" descr=""/>
-          <p:cNvPicPr/>
-          <p:nvPr/>
-        </p:nvPicPr>
-        <p:blipFill>
-          <a:blip r:embed="rId3"/>
-          <a:stretch/>
-        </p:blipFill>
-        <p:spPr>
-          <a:xfrm>
-            <a:off x="5928480" y="3600000"/>
-            <a:ext cx="2709720" cy="2031840"/>
-          </a:xfrm>
-          <a:prstGeom prst="rect">
-            <a:avLst/>
-          </a:prstGeom>
-          <a:ln w="0">
-            <a:noFill/>
-          </a:ln>
-        </p:spPr>
-      </p:pic>
-      <p:pic>
-        <p:nvPicPr>
-          <p:cNvPr id="171" name="" descr=""/>
-          <p:cNvPicPr/>
-          <p:nvPr/>
-        </p:nvPicPr>
-        <p:blipFill>
           <a:blip r:embed="rId4"/>
           <a:stretch/>
         </p:blipFill>
         <p:spPr>
           <a:xfrm>
             <a:off x="8487360" y="3605400"/>
-            <a:ext cx="2758320" cy="2068200"/>
+            <a:ext cx="2757960" cy="2067840"/>
           </a:xfrm>
           <a:prstGeom prst="rect">
             <a:avLst/>
@@ -7191,28 +7279,40 @@
       </p:pic>
       <p:sp>
         <p:nvSpPr>
-          <p:cNvPr id="172" name=""/>
-          <p:cNvSpPr txBox="1"/>
+          <p:cNvPr id="170" name=""/>
+          <p:cNvSpPr/>
           <p:nvPr/>
         </p:nvSpPr>
         <p:spPr>
           <a:xfrm>
             <a:off x="0" y="6511680"/>
-            <a:ext cx="878760" cy="346320"/>
-          </a:xfrm>
-          <a:prstGeom prst="rect">
-            <a:avLst/>
-          </a:prstGeom>
-          <a:noFill/>
-          <a:ln w="0">
-            <a:noFill/>
-          </a:ln>
-        </p:spPr>
+            <a:ext cx="878400" cy="345960"/>
+          </a:xfrm>
+          <a:prstGeom prst="rect">
+            <a:avLst/>
+          </a:prstGeom>
+          <a:noFill/>
+          <a:ln w="0">
+            <a:noFill/>
+          </a:ln>
+        </p:spPr>
+        <p:style>
+          <a:lnRef idx="0"/>
+          <a:fillRef idx="0"/>
+          <a:effectRef idx="0"/>
+          <a:fontRef idx="minor"/>
+        </p:style>
         <p:txBody>
           <a:bodyPr lIns="90000" rIns="90000" tIns="45000" bIns="45000" anchor="t">
             <a:noAutofit/>
           </a:bodyPr>
           <a:p>
+            <a:pPr>
+              <a:lnSpc>
+                <a:spcPct val="100000"/>
+              </a:lnSpc>
+              <a:buNone/>
+            </a:pPr>
             <a:r>
               <a:rPr b="0" lang="de-DE" sz="1800" spc="-1" strike="noStrike">
                 <a:latin typeface="Arial"/>
@@ -7227,28 +7327,40 @@
       </p:sp>
       <p:sp>
         <p:nvSpPr>
-          <p:cNvPr id="173" name=""/>
-          <p:cNvSpPr txBox="1"/>
+          <p:cNvPr id="171" name=""/>
+          <p:cNvSpPr/>
           <p:nvPr/>
         </p:nvSpPr>
         <p:spPr>
           <a:xfrm>
             <a:off x="7953840" y="5631840"/>
-            <a:ext cx="1226160" cy="232200"/>
-          </a:xfrm>
-          <a:prstGeom prst="rect">
-            <a:avLst/>
-          </a:prstGeom>
-          <a:noFill/>
-          <a:ln w="0">
-            <a:noFill/>
-          </a:ln>
-        </p:spPr>
+            <a:ext cx="1225800" cy="231840"/>
+          </a:xfrm>
+          <a:prstGeom prst="rect">
+            <a:avLst/>
+          </a:prstGeom>
+          <a:noFill/>
+          <a:ln w="0">
+            <a:noFill/>
+          </a:ln>
+        </p:spPr>
+        <p:style>
+          <a:lnRef idx="0"/>
+          <a:fillRef idx="0"/>
+          <a:effectRef idx="0"/>
+          <a:fontRef idx="minor"/>
+        </p:style>
         <p:txBody>
           <a:bodyPr lIns="90000" rIns="90000" tIns="45000" bIns="45000" anchor="t">
             <a:noAutofit/>
           </a:bodyPr>
           <a:p>
+            <a:pPr>
+              <a:lnSpc>
+                <a:spcPct val="100000"/>
+              </a:lnSpc>
+              <a:buNone/>
+            </a:pPr>
             <a:r>
               <a:rPr b="0" lang="de-DE" sz="1000" spc="-1" strike="noStrike">
                 <a:solidFill>
@@ -7259,7 +7371,7 @@
               <a:t>Presentation Code</a:t>
             </a:r>
             <a:endParaRPr b="0" lang="de-DE" sz="1000" spc="-1" strike="noStrike">
-              <a:latin typeface="arial"/>
+              <a:latin typeface="Arial"/>
             </a:endParaRPr>
           </a:p>
         </p:txBody>
@@ -7304,7 +7416,7 @@
       </p:grpSpPr>
       <p:sp>
         <p:nvSpPr>
-          <p:cNvPr id="174" name="PlaceHolder 1"/>
+          <p:cNvPr id="172" name="PlaceHolder 1"/>
           <p:cNvSpPr>
             <a:spLocks noGrp="1"/>
           </p:cNvSpPr>
@@ -7315,7 +7427,7 @@
         <p:spPr>
           <a:xfrm>
             <a:off x="650160" y="459000"/>
-            <a:ext cx="10513080" cy="1323000"/>
+            <a:ext cx="10512720" cy="1322640"/>
           </a:xfrm>
           <a:prstGeom prst="rect">
             <a:avLst/>
@@ -7357,14 +7469,14 @@
       </p:sp>
       <p:sp>
         <p:nvSpPr>
-          <p:cNvPr id="175" name="Google Shape;93;p 15"/>
+          <p:cNvPr id="173" name="Google Shape;93;p 15"/>
           <p:cNvSpPr/>
           <p:nvPr/>
         </p:nvSpPr>
         <p:spPr>
           <a:xfrm>
             <a:off x="0" y="5396760"/>
-            <a:ext cx="3045600" cy="1458720"/>
+            <a:ext cx="3045240" cy="1458360"/>
           </a:xfrm>
           <a:prstGeom prst="rtTriangle">
             <a:avLst/>
@@ -7388,14 +7500,14 @@
       </p:sp>
       <p:sp>
         <p:nvSpPr>
-          <p:cNvPr id="176" name="Google Shape;94;p 15"/>
+          <p:cNvPr id="174" name="Google Shape;94;p 15"/>
           <p:cNvSpPr/>
           <p:nvPr/>
         </p:nvSpPr>
         <p:spPr>
           <a:xfrm>
             <a:off x="837720" y="1968120"/>
-            <a:ext cx="10517400" cy="1552680"/>
+            <a:ext cx="10517040" cy="1552680"/>
           </a:xfrm>
           <a:prstGeom prst="rect">
             <a:avLst/>
@@ -7433,7 +7545,7 @@
                 <a:latin typeface="Arial"/>
                 <a:ea typeface="Arial"/>
               </a:rPr>
-              <a:t> ►</a:t>
+              <a:t>►</a:t>
             </a:r>
             <a:r>
               <a:rPr b="0" lang="en-US" sz="2400" spc="-1" strike="noStrike">
@@ -7453,7 +7565,17 @@
                 <a:latin typeface="Arial"/>
                 <a:ea typeface="Arial"/>
               </a:rPr>
-              <a:t>The application of directional noise has a vital effect on the Signal-To-Noise-Ratio</a:t>
+              <a:t>The </a:t>
+            </a:r>
+            <a:r>
+              <a:rPr b="0" lang="en-US" sz="2400" spc="-1" strike="noStrike">
+                <a:solidFill>
+                  <a:srgbClr val="000000"/>
+                </a:solidFill>
+                <a:latin typeface="Arial"/>
+                <a:ea typeface="Arial"/>
+              </a:rPr>
+              <a:t>Signal-To-Noise-Ratio is fundamental for the learning process of Diffusion Models</a:t>
             </a:r>
             <a:endParaRPr b="0" lang="de-DE" sz="2400" spc="-1" strike="noStrike">
               <a:latin typeface="Arial"/>
@@ -7474,7 +7596,7 @@
             </a:endParaRPr>
           </a:p>
           <a:p>
-            <a:pPr marL="285840" indent="-171360">
+            <a:pPr>
               <a:lnSpc>
                 <a:spcPct val="100000"/>
               </a:lnSpc>
@@ -7511,7 +7633,7 @@
                 <a:latin typeface="Arial"/>
                 <a:ea typeface="Arial"/>
               </a:rPr>
-              <a:t>The SNR is fundamental for the learning process of Diffusion Models</a:t>
+              <a:t>The application of directional noise has a vital effect on the SNR</a:t>
             </a:r>
             <a:endParaRPr b="0" lang="de-DE" sz="2400" spc="-1" strike="noStrike">
               <a:latin typeface="Arial"/>
@@ -7521,14 +7643,14 @@
       </p:sp>
       <p:sp>
         <p:nvSpPr>
-          <p:cNvPr id="177" name="Google Shape;97;p 15"/>
+          <p:cNvPr id="175" name="Google Shape;97;p 15"/>
           <p:cNvSpPr/>
           <p:nvPr/>
         </p:nvSpPr>
         <p:spPr>
           <a:xfrm>
             <a:off x="0" y="0"/>
-            <a:ext cx="7768080" cy="365760"/>
+            <a:ext cx="7767720" cy="365760"/>
           </a:xfrm>
           <a:prstGeom prst="rect">
             <a:avLst/>
@@ -7576,7 +7698,7 @@
       </p:sp>
       <p:pic>
         <p:nvPicPr>
-          <p:cNvPr id="178" name="" descr=""/>
+          <p:cNvPr id="176" name="" descr=""/>
           <p:cNvPicPr/>
           <p:nvPr/>
         </p:nvPicPr>
@@ -7586,8 +7708,8 @@
         </p:blipFill>
         <p:spPr>
           <a:xfrm>
-            <a:off x="3780000" y="3600000"/>
-            <a:ext cx="3418200" cy="2879280"/>
+            <a:off x="3780000" y="3476160"/>
+            <a:ext cx="3780000" cy="3183840"/>
           </a:xfrm>
           <a:prstGeom prst="rect">
             <a:avLst/>
@@ -7599,28 +7721,40 @@
       </p:pic>
       <p:sp>
         <p:nvSpPr>
-          <p:cNvPr id="179" name=""/>
-          <p:cNvSpPr txBox="1"/>
+          <p:cNvPr id="177" name=""/>
+          <p:cNvSpPr/>
           <p:nvPr/>
         </p:nvSpPr>
         <p:spPr>
           <a:xfrm>
             <a:off x="0" y="6511680"/>
-            <a:ext cx="878760" cy="346320"/>
-          </a:xfrm>
-          <a:prstGeom prst="rect">
-            <a:avLst/>
-          </a:prstGeom>
-          <a:noFill/>
-          <a:ln w="0">
-            <a:noFill/>
-          </a:ln>
-        </p:spPr>
+            <a:ext cx="878400" cy="345960"/>
+          </a:xfrm>
+          <a:prstGeom prst="rect">
+            <a:avLst/>
+          </a:prstGeom>
+          <a:noFill/>
+          <a:ln w="0">
+            <a:noFill/>
+          </a:ln>
+        </p:spPr>
+        <p:style>
+          <a:lnRef idx="0"/>
+          <a:fillRef idx="0"/>
+          <a:effectRef idx="0"/>
+          <a:fontRef idx="minor"/>
+        </p:style>
         <p:txBody>
           <a:bodyPr lIns="90000" rIns="90000" tIns="45000" bIns="45000" anchor="t">
             <a:noAutofit/>
           </a:bodyPr>
           <a:p>
+            <a:pPr>
+              <a:lnSpc>
+                <a:spcPct val="100000"/>
+              </a:lnSpc>
+              <a:buNone/>
+            </a:pPr>
             <a:r>
               <a:rPr b="0" lang="de-DE" sz="1800" spc="-1" strike="noStrike">
                 <a:latin typeface="Arial"/>
@@ -7635,28 +7769,40 @@
       </p:sp>
       <p:sp>
         <p:nvSpPr>
-          <p:cNvPr id="180" name=""/>
-          <p:cNvSpPr txBox="1"/>
+          <p:cNvPr id="178" name=""/>
+          <p:cNvSpPr/>
           <p:nvPr/>
         </p:nvSpPr>
         <p:spPr>
           <a:xfrm>
-            <a:off x="6076080" y="6300000"/>
-            <a:ext cx="1123920" cy="232200"/>
-          </a:xfrm>
-          <a:prstGeom prst="rect">
-            <a:avLst/>
-          </a:prstGeom>
-          <a:noFill/>
-          <a:ln w="0">
-            <a:noFill/>
-          </a:ln>
-        </p:spPr>
+            <a:off x="6076080" y="6478920"/>
+            <a:ext cx="1123560" cy="231840"/>
+          </a:xfrm>
+          <a:prstGeom prst="rect">
+            <a:avLst/>
+          </a:prstGeom>
+          <a:noFill/>
+          <a:ln w="0">
+            <a:noFill/>
+          </a:ln>
+        </p:spPr>
+        <p:style>
+          <a:lnRef idx="0"/>
+          <a:fillRef idx="0"/>
+          <a:effectRef idx="0"/>
+          <a:fontRef idx="minor"/>
+        </p:style>
         <p:txBody>
           <a:bodyPr lIns="90000" rIns="90000" tIns="45000" bIns="45000" anchor="t">
             <a:noAutofit/>
           </a:bodyPr>
           <a:p>
+            <a:pPr>
+              <a:lnSpc>
+                <a:spcPct val="100000"/>
+              </a:lnSpc>
+              <a:buNone/>
+            </a:pPr>
             <a:r>
               <a:rPr b="0" lang="de-DE" sz="1000" spc="-1" strike="noStrike">
                 <a:solidFill>
@@ -7712,7 +7858,7 @@
       </p:grpSpPr>
       <p:sp>
         <p:nvSpPr>
-          <p:cNvPr id="181" name="PlaceHolder 1"/>
+          <p:cNvPr id="179" name="PlaceHolder 1"/>
           <p:cNvSpPr>
             <a:spLocks noGrp="1"/>
           </p:cNvSpPr>
@@ -7723,7 +7869,7 @@
         <p:spPr>
           <a:xfrm>
             <a:off x="650160" y="0"/>
-            <a:ext cx="10513080" cy="6856200"/>
+            <a:ext cx="10512720" cy="6855840"/>
           </a:xfrm>
           <a:prstGeom prst="rect">
             <a:avLst/>
@@ -7765,14 +7911,14 @@
       </p:sp>
       <p:sp>
         <p:nvSpPr>
-          <p:cNvPr id="182" name="Google Shape;93;p 16"/>
+          <p:cNvPr id="180" name="Google Shape;93;p 16"/>
           <p:cNvSpPr/>
           <p:nvPr/>
         </p:nvSpPr>
         <p:spPr>
           <a:xfrm>
             <a:off x="0" y="5396760"/>
-            <a:ext cx="3045600" cy="1458720"/>
+            <a:ext cx="3045240" cy="1458360"/>
           </a:xfrm>
           <a:prstGeom prst="rtTriangle">
             <a:avLst/>
@@ -7796,14 +7942,14 @@
       </p:sp>
       <p:sp>
         <p:nvSpPr>
-          <p:cNvPr id="183" name="Google Shape;94;p 16"/>
+          <p:cNvPr id="181" name="Google Shape;94;p 16"/>
           <p:cNvSpPr/>
           <p:nvPr/>
         </p:nvSpPr>
         <p:spPr>
           <a:xfrm>
             <a:off x="837720" y="1968120"/>
-            <a:ext cx="10517400" cy="729720"/>
+            <a:ext cx="10517040" cy="729720"/>
           </a:xfrm>
           <a:prstGeom prst="rect">
             <a:avLst/>
@@ -7855,14 +8001,14 @@
       </p:sp>
       <p:sp>
         <p:nvSpPr>
-          <p:cNvPr id="184" name="Google Shape;97;p 16"/>
+          <p:cNvPr id="182" name="Google Shape;97;p 16"/>
           <p:cNvSpPr/>
           <p:nvPr/>
         </p:nvSpPr>
         <p:spPr>
           <a:xfrm>
             <a:off x="0" y="0"/>
-            <a:ext cx="7768080" cy="365760"/>
+            <a:ext cx="7767720" cy="365760"/>
           </a:xfrm>
           <a:prstGeom prst="rect">
             <a:avLst/>
@@ -7910,28 +8056,40 @@
       </p:sp>
       <p:sp>
         <p:nvSpPr>
-          <p:cNvPr id="185" name=""/>
-          <p:cNvSpPr txBox="1"/>
+          <p:cNvPr id="183" name=""/>
+          <p:cNvSpPr/>
           <p:nvPr/>
         </p:nvSpPr>
         <p:spPr>
           <a:xfrm>
             <a:off x="0" y="6511680"/>
-            <a:ext cx="878760" cy="346320"/>
-          </a:xfrm>
-          <a:prstGeom prst="rect">
-            <a:avLst/>
-          </a:prstGeom>
-          <a:noFill/>
-          <a:ln w="0">
-            <a:noFill/>
-          </a:ln>
-        </p:spPr>
+            <a:ext cx="878400" cy="345960"/>
+          </a:xfrm>
+          <a:prstGeom prst="rect">
+            <a:avLst/>
+          </a:prstGeom>
+          <a:noFill/>
+          <a:ln w="0">
+            <a:noFill/>
+          </a:ln>
+        </p:spPr>
+        <p:style>
+          <a:lnRef idx="0"/>
+          <a:fillRef idx="0"/>
+          <a:effectRef idx="0"/>
+          <a:fontRef idx="minor"/>
+        </p:style>
         <p:txBody>
           <a:bodyPr lIns="90000" rIns="90000" tIns="45000" bIns="45000" anchor="t">
             <a:noAutofit/>
           </a:bodyPr>
           <a:p>
+            <a:pPr>
+              <a:lnSpc>
+                <a:spcPct val="100000"/>
+              </a:lnSpc>
+              <a:buNone/>
+            </a:pPr>
             <a:r>
               <a:rPr b="0" lang="de-DE" sz="1800" spc="-1" strike="noStrike">
                 <a:latin typeface="Arial"/>
@@ -7984,7 +8142,7 @@
       </p:grpSpPr>
       <p:sp>
         <p:nvSpPr>
-          <p:cNvPr id="186" name="PlaceHolder 1"/>
+          <p:cNvPr id="184" name="PlaceHolder 1"/>
           <p:cNvSpPr>
             <a:spLocks noGrp="1"/>
           </p:cNvSpPr>
@@ -7995,7 +8153,7 @@
         <p:spPr>
           <a:xfrm>
             <a:off x="650160" y="459000"/>
-            <a:ext cx="10513080" cy="1323000"/>
+            <a:ext cx="10512720" cy="1322640"/>
           </a:xfrm>
           <a:prstGeom prst="rect">
             <a:avLst/>
@@ -8037,14 +8195,14 @@
       </p:sp>
       <p:sp>
         <p:nvSpPr>
-          <p:cNvPr id="187" name="Google Shape;93;p 17"/>
+          <p:cNvPr id="185" name="Google Shape;93;p 17"/>
           <p:cNvSpPr/>
           <p:nvPr/>
         </p:nvSpPr>
         <p:spPr>
           <a:xfrm>
             <a:off x="0" y="5396760"/>
-            <a:ext cx="3045600" cy="1458720"/>
+            <a:ext cx="3045240" cy="1458360"/>
           </a:xfrm>
           <a:prstGeom prst="rtTriangle">
             <a:avLst/>
@@ -8068,14 +8226,14 @@
       </p:sp>
       <p:sp>
         <p:nvSpPr>
-          <p:cNvPr id="188" name="Google Shape;94;p 17"/>
+          <p:cNvPr id="186" name="Google Shape;94;p 17"/>
           <p:cNvSpPr/>
           <p:nvPr/>
         </p:nvSpPr>
         <p:spPr>
           <a:xfrm>
             <a:off x="837720" y="1968120"/>
-            <a:ext cx="10517400" cy="729720"/>
+            <a:ext cx="10517040" cy="729720"/>
           </a:xfrm>
           <a:prstGeom prst="rect">
             <a:avLst/>
@@ -8127,14 +8285,14 @@
       </p:sp>
       <p:sp>
         <p:nvSpPr>
-          <p:cNvPr id="189" name="Google Shape;97;p 17"/>
+          <p:cNvPr id="187" name="Google Shape;97;p 17"/>
           <p:cNvSpPr/>
           <p:nvPr/>
         </p:nvSpPr>
         <p:spPr>
           <a:xfrm>
             <a:off x="0" y="0"/>
-            <a:ext cx="7768080" cy="365760"/>
+            <a:ext cx="7767720" cy="365760"/>
           </a:xfrm>
           <a:prstGeom prst="rect">
             <a:avLst/>
@@ -8182,7 +8340,7 @@
       </p:sp>
       <p:pic>
         <p:nvPicPr>
-          <p:cNvPr id="190" name="" descr=""/>
+          <p:cNvPr id="188" name="" descr=""/>
           <p:cNvPicPr/>
           <p:nvPr/>
         </p:nvPicPr>
@@ -8193,7 +8351,7 @@
         <p:spPr>
           <a:xfrm>
             <a:off x="1625400" y="1514160"/>
-            <a:ext cx="9537840" cy="4424040"/>
+            <a:ext cx="9537480" cy="4423680"/>
           </a:xfrm>
           <a:prstGeom prst="rect">
             <a:avLst/>
@@ -8205,28 +8363,40 @@
       </p:pic>
       <p:sp>
         <p:nvSpPr>
-          <p:cNvPr id="191" name=""/>
-          <p:cNvSpPr txBox="1"/>
+          <p:cNvPr id="189" name=""/>
+          <p:cNvSpPr/>
           <p:nvPr/>
         </p:nvSpPr>
         <p:spPr>
           <a:xfrm>
             <a:off x="0" y="6511680"/>
-            <a:ext cx="878760" cy="346320"/>
-          </a:xfrm>
-          <a:prstGeom prst="rect">
-            <a:avLst/>
-          </a:prstGeom>
-          <a:noFill/>
-          <a:ln w="0">
-            <a:noFill/>
-          </a:ln>
-        </p:spPr>
+            <a:ext cx="878400" cy="345960"/>
+          </a:xfrm>
+          <a:prstGeom prst="rect">
+            <a:avLst/>
+          </a:prstGeom>
+          <a:noFill/>
+          <a:ln w="0">
+            <a:noFill/>
+          </a:ln>
+        </p:spPr>
+        <p:style>
+          <a:lnRef idx="0"/>
+          <a:fillRef idx="0"/>
+          <a:effectRef idx="0"/>
+          <a:fontRef idx="minor"/>
+        </p:style>
         <p:txBody>
           <a:bodyPr lIns="90000" rIns="90000" tIns="45000" bIns="45000" anchor="t">
             <a:noAutofit/>
           </a:bodyPr>
           <a:p>
+            <a:pPr>
+              <a:lnSpc>
+                <a:spcPct val="100000"/>
+              </a:lnSpc>
+              <a:buNone/>
+            </a:pPr>
             <a:r>
               <a:rPr b="0" lang="de-DE" sz="1800" spc="-1" strike="noStrike">
                 <a:latin typeface="Arial"/>
@@ -8241,28 +8411,40 @@
       </p:sp>
       <p:sp>
         <p:nvSpPr>
-          <p:cNvPr id="192" name=""/>
-          <p:cNvSpPr txBox="1"/>
+          <p:cNvPr id="190" name=""/>
+          <p:cNvSpPr/>
           <p:nvPr/>
         </p:nvSpPr>
         <p:spPr>
           <a:xfrm>
             <a:off x="9900000" y="5938200"/>
-            <a:ext cx="1123920" cy="232200"/>
-          </a:xfrm>
-          <a:prstGeom prst="rect">
-            <a:avLst/>
-          </a:prstGeom>
-          <a:noFill/>
-          <a:ln w="0">
-            <a:noFill/>
-          </a:ln>
-        </p:spPr>
+            <a:ext cx="1123560" cy="231840"/>
+          </a:xfrm>
+          <a:prstGeom prst="rect">
+            <a:avLst/>
+          </a:prstGeom>
+          <a:noFill/>
+          <a:ln w="0">
+            <a:noFill/>
+          </a:ln>
+        </p:spPr>
+        <p:style>
+          <a:lnRef idx="0"/>
+          <a:fillRef idx="0"/>
+          <a:effectRef idx="0"/>
+          <a:fontRef idx="minor"/>
+        </p:style>
         <p:txBody>
           <a:bodyPr lIns="90000" rIns="90000" tIns="45000" bIns="45000" anchor="t">
             <a:noAutofit/>
           </a:bodyPr>
           <a:p>
+            <a:pPr>
+              <a:lnSpc>
+                <a:spcPct val="100000"/>
+              </a:lnSpc>
+              <a:buNone/>
+            </a:pPr>
             <a:r>
               <a:rPr b="0" lang="de-DE" sz="1000" spc="-1" strike="noStrike">
                 <a:solidFill>
@@ -8318,7 +8500,7 @@
       </p:grpSpPr>
       <p:sp>
         <p:nvSpPr>
-          <p:cNvPr id="193" name="PlaceHolder 1"/>
+          <p:cNvPr id="191" name="PlaceHolder 1"/>
           <p:cNvSpPr>
             <a:spLocks noGrp="1"/>
           </p:cNvSpPr>
@@ -8329,7 +8511,7 @@
         <p:spPr>
           <a:xfrm>
             <a:off x="650160" y="459000"/>
-            <a:ext cx="10513080" cy="1323000"/>
+            <a:ext cx="10512720" cy="1322640"/>
           </a:xfrm>
           <a:prstGeom prst="rect">
             <a:avLst/>
@@ -8371,14 +8553,14 @@
       </p:sp>
       <p:sp>
         <p:nvSpPr>
-          <p:cNvPr id="194" name="Google Shape;93;p 18"/>
+          <p:cNvPr id="192" name="Google Shape;93;p 18"/>
           <p:cNvSpPr/>
           <p:nvPr/>
         </p:nvSpPr>
         <p:spPr>
           <a:xfrm>
             <a:off x="0" y="5396760"/>
-            <a:ext cx="3045600" cy="1458720"/>
+            <a:ext cx="3045240" cy="1458360"/>
           </a:xfrm>
           <a:prstGeom prst="rtTriangle">
             <a:avLst/>
@@ -8402,14 +8584,14 @@
       </p:sp>
       <p:sp>
         <p:nvSpPr>
-          <p:cNvPr id="195" name="Google Shape;94;p 18"/>
+          <p:cNvPr id="193" name="Google Shape;94;p 18"/>
           <p:cNvSpPr/>
           <p:nvPr/>
         </p:nvSpPr>
         <p:spPr>
           <a:xfrm>
             <a:off x="837720" y="1968120"/>
-            <a:ext cx="10517400" cy="1827000"/>
+            <a:ext cx="10517040" cy="2558520"/>
           </a:xfrm>
           <a:prstGeom prst="rect">
             <a:avLst/>
@@ -8467,7 +8649,7 @@
                 <a:latin typeface="Arial"/>
                 <a:ea typeface="Arial"/>
               </a:rPr>
-              <a:t>The two algorithms work similar to Ho’s algorithm</a:t>
+              <a:t>The two algorithms work</a:t>
             </a:r>
             <a:endParaRPr b="0" lang="de-DE" sz="2400" spc="-1" strike="noStrike">
               <a:latin typeface="Arial"/>
@@ -8483,6 +8665,16 @@
                 <a:tab algn="l" pos="0"/>
               </a:tabLst>
             </a:pPr>
+            <a:r>
+              <a:rPr b="0" lang="en-US" sz="2400" spc="-1" strike="noStrike">
+                <a:solidFill>
+                  <a:srgbClr val="000000"/>
+                </a:solidFill>
+                <a:latin typeface="Arial"/>
+                <a:ea typeface="Arial"/>
+              </a:rPr>
+              <a:t>similar to Ho’s algorithm</a:t>
+            </a:r>
             <a:endParaRPr b="0" lang="de-DE" sz="2400" spc="-1" strike="noStrike">
               <a:latin typeface="Arial"/>
             </a:endParaRPr>
@@ -8497,36 +8689,6 @@
                 <a:tab algn="l" pos="0"/>
               </a:tabLst>
             </a:pPr>
-            <a:r>
-              <a:rPr b="0" lang="en-US" sz="2400" spc="-1" strike="noStrike">
-                <a:solidFill>
-                  <a:srgbClr val="c25014"/>
-                </a:solidFill>
-                <a:latin typeface="Arial"/>
-                <a:ea typeface="Arial"/>
-              </a:rPr>
-              <a:t>►</a:t>
-            </a:r>
-            <a:r>
-              <a:rPr b="0" lang="en-US" sz="2400" spc="-1" strike="noStrike">
-                <a:solidFill>
-                  <a:srgbClr val="000000"/>
-                </a:solidFill>
-                <a:latin typeface="Arial"/>
-                <a:ea typeface="Arial"/>
-              </a:rPr>
-              <a:t> </a:t>
-            </a:r>
-            <a:r>
-              <a:rPr b="0" lang="en-US" sz="2400" spc="-1" strike="noStrike">
-                <a:solidFill>
-                  <a:srgbClr val="000000"/>
-                </a:solidFill>
-                <a:latin typeface="Arial"/>
-                <a:ea typeface="Arial"/>
-              </a:rPr>
-              <a:t>Instead of generating an image, a representation is generated</a:t>
-            </a:r>
             <a:endParaRPr b="0" lang="de-DE" sz="2400" spc="-1" strike="noStrike">
               <a:latin typeface="Arial"/>
             </a:endParaRPr>
@@ -8541,12 +8703,42 @@
                 <a:tab algn="l" pos="0"/>
               </a:tabLst>
             </a:pPr>
+            <a:r>
+              <a:rPr b="0" lang="en-US" sz="2400" spc="-1" strike="noStrike">
+                <a:solidFill>
+                  <a:srgbClr val="c25014"/>
+                </a:solidFill>
+                <a:latin typeface="Arial"/>
+                <a:ea typeface="Arial"/>
+              </a:rPr>
+              <a:t>►</a:t>
+            </a:r>
+            <a:r>
+              <a:rPr b="0" lang="en-US" sz="2400" spc="-1" strike="noStrike">
+                <a:solidFill>
+                  <a:srgbClr val="000000"/>
+                </a:solidFill>
+                <a:latin typeface="Arial"/>
+                <a:ea typeface="Arial"/>
+              </a:rPr>
+              <a:t> </a:t>
+            </a:r>
+            <a:r>
+              <a:rPr b="0" lang="en-US" sz="2400" spc="-1" strike="noStrike">
+                <a:solidFill>
+                  <a:srgbClr val="000000"/>
+                </a:solidFill>
+                <a:latin typeface="Arial"/>
+                <a:ea typeface="Arial"/>
+              </a:rPr>
+              <a:t>Instead of generating an image, </a:t>
+            </a:r>
             <a:endParaRPr b="0" lang="de-DE" sz="2400" spc="-1" strike="noStrike">
               <a:latin typeface="Arial"/>
             </a:endParaRPr>
           </a:p>
           <a:p>
-            <a:pPr marL="285840" indent="-171360">
+            <a:pPr>
               <a:lnSpc>
                 <a:spcPct val="100000"/>
               </a:lnSpc>
@@ -8555,6 +8747,44 @@
                 <a:tab algn="l" pos="0"/>
               </a:tabLst>
             </a:pPr>
+            <a:r>
+              <a:rPr b="0" lang="en-US" sz="2400" spc="-1" strike="noStrike">
+                <a:solidFill>
+                  <a:srgbClr val="000000"/>
+                </a:solidFill>
+                <a:latin typeface="Arial"/>
+                <a:ea typeface="Arial"/>
+              </a:rPr>
+              <a:t>a representation is generated</a:t>
+            </a:r>
+            <a:endParaRPr b="0" lang="de-DE" sz="2400" spc="-1" strike="noStrike">
+              <a:latin typeface="Arial"/>
+            </a:endParaRPr>
+          </a:p>
+          <a:p>
+            <a:pPr>
+              <a:lnSpc>
+                <a:spcPct val="100000"/>
+              </a:lnSpc>
+              <a:buNone/>
+              <a:tabLst>
+                <a:tab algn="l" pos="0"/>
+              </a:tabLst>
+            </a:pPr>
+            <a:endParaRPr b="0" lang="de-DE" sz="2400" spc="-1" strike="noStrike">
+              <a:latin typeface="Arial"/>
+            </a:endParaRPr>
+          </a:p>
+          <a:p>
+            <a:pPr marL="285840" indent="-171360">
+              <a:lnSpc>
+                <a:spcPct val="100000"/>
+              </a:lnSpc>
+              <a:buNone/>
+              <a:tabLst>
+                <a:tab algn="l" pos="0"/>
+              </a:tabLst>
+            </a:pPr>
             <a:endParaRPr b="0" lang="de-DE" sz="1800" spc="-1" strike="noStrike">
               <a:latin typeface="Arial"/>
             </a:endParaRPr>
@@ -8563,14 +8793,14 @@
       </p:sp>
       <p:sp>
         <p:nvSpPr>
-          <p:cNvPr id="196" name="Google Shape;97;p 18"/>
+          <p:cNvPr id="194" name="Google Shape;97;p 18"/>
           <p:cNvSpPr/>
           <p:nvPr/>
         </p:nvSpPr>
         <p:spPr>
           <a:xfrm>
             <a:off x="0" y="0"/>
-            <a:ext cx="7768080" cy="365760"/>
+            <a:ext cx="7767720" cy="365760"/>
           </a:xfrm>
           <a:prstGeom prst="rect">
             <a:avLst/>
@@ -8618,7 +8848,7 @@
       </p:sp>
       <p:pic>
         <p:nvPicPr>
-          <p:cNvPr id="197" name="" descr=""/>
+          <p:cNvPr id="195" name="" descr=""/>
           <p:cNvPicPr/>
           <p:nvPr/>
         </p:nvPicPr>
@@ -8628,8 +8858,8 @@
         </p:blipFill>
         <p:spPr>
           <a:xfrm>
-            <a:off x="1080000" y="3276360"/>
-            <a:ext cx="4498200" cy="2121840"/>
+            <a:off x="5580000" y="1260000"/>
+            <a:ext cx="5724360" cy="2700000"/>
           </a:xfrm>
           <a:prstGeom prst="rect">
             <a:avLst/>
@@ -8641,7 +8871,7 @@
       </p:pic>
       <p:pic>
         <p:nvPicPr>
-          <p:cNvPr id="198" name="" descr=""/>
+          <p:cNvPr id="196" name="" descr=""/>
           <p:cNvPicPr/>
           <p:nvPr/>
         </p:nvPicPr>
@@ -8651,8 +8881,8 @@
         </p:blipFill>
         <p:spPr>
           <a:xfrm>
-            <a:off x="5776920" y="3240000"/>
-            <a:ext cx="5472360" cy="2158200"/>
+            <a:off x="5612760" y="3960000"/>
+            <a:ext cx="5727240" cy="2258280"/>
           </a:xfrm>
           <a:prstGeom prst="rect">
             <a:avLst/>
@@ -8664,28 +8894,40 @@
       </p:pic>
       <p:sp>
         <p:nvSpPr>
-          <p:cNvPr id="199" name=""/>
-          <p:cNvSpPr txBox="1"/>
+          <p:cNvPr id="197" name=""/>
+          <p:cNvSpPr/>
           <p:nvPr/>
         </p:nvSpPr>
         <p:spPr>
           <a:xfrm>
             <a:off x="0" y="6511680"/>
-            <a:ext cx="878760" cy="346320"/>
-          </a:xfrm>
-          <a:prstGeom prst="rect">
-            <a:avLst/>
-          </a:prstGeom>
-          <a:noFill/>
-          <a:ln w="0">
-            <a:noFill/>
-          </a:ln>
-        </p:spPr>
+            <a:ext cx="878400" cy="345960"/>
+          </a:xfrm>
+          <a:prstGeom prst="rect">
+            <a:avLst/>
+          </a:prstGeom>
+          <a:noFill/>
+          <a:ln w="0">
+            <a:noFill/>
+          </a:ln>
+        </p:spPr>
+        <p:style>
+          <a:lnRef idx="0"/>
+          <a:fillRef idx="0"/>
+          <a:effectRef idx="0"/>
+          <a:fontRef idx="minor"/>
+        </p:style>
         <p:txBody>
           <a:bodyPr lIns="90000" rIns="90000" tIns="45000" bIns="45000" anchor="t">
             <a:noAutofit/>
           </a:bodyPr>
           <a:p>
+            <a:pPr>
+              <a:lnSpc>
+                <a:spcPct val="100000"/>
+              </a:lnSpc>
+              <a:buNone/>
+            </a:pPr>
             <a:r>
               <a:rPr b="0" lang="de-DE" sz="1800" spc="-1" strike="noStrike">
                 <a:latin typeface="Arial"/>
@@ -8700,28 +8942,40 @@
       </p:sp>
       <p:sp>
         <p:nvSpPr>
-          <p:cNvPr id="200" name=""/>
-          <p:cNvSpPr txBox="1"/>
+          <p:cNvPr id="198" name=""/>
+          <p:cNvSpPr/>
           <p:nvPr/>
         </p:nvSpPr>
         <p:spPr>
           <a:xfrm>
-            <a:off x="9979200" y="5398200"/>
-            <a:ext cx="1123920" cy="232200"/>
-          </a:xfrm>
-          <a:prstGeom prst="rect">
-            <a:avLst/>
-          </a:prstGeom>
-          <a:noFill/>
-          <a:ln w="0">
-            <a:noFill/>
-          </a:ln>
-        </p:spPr>
+            <a:off x="10216440" y="6120000"/>
+            <a:ext cx="1123560" cy="231840"/>
+          </a:xfrm>
+          <a:prstGeom prst="rect">
+            <a:avLst/>
+          </a:prstGeom>
+          <a:noFill/>
+          <a:ln w="0">
+            <a:noFill/>
+          </a:ln>
+        </p:spPr>
+        <p:style>
+          <a:lnRef idx="0"/>
+          <a:fillRef idx="0"/>
+          <a:effectRef idx="0"/>
+          <a:fontRef idx="minor"/>
+        </p:style>
         <p:txBody>
           <a:bodyPr lIns="90000" rIns="90000" tIns="45000" bIns="45000" anchor="t">
             <a:noAutofit/>
           </a:bodyPr>
           <a:p>
+            <a:pPr>
+              <a:lnSpc>
+                <a:spcPct val="100000"/>
+              </a:lnSpc>
+              <a:buNone/>
+            </a:pPr>
             <a:r>
               <a:rPr b="0" lang="de-DE" sz="1000" spc="-1" strike="noStrike">
                 <a:solidFill>
@@ -8777,7 +9031,7 @@
       </p:grpSpPr>
       <p:sp>
         <p:nvSpPr>
-          <p:cNvPr id="201" name="PlaceHolder 1"/>
+          <p:cNvPr id="199" name="PlaceHolder 1"/>
           <p:cNvSpPr>
             <a:spLocks noGrp="1"/>
           </p:cNvSpPr>
@@ -8788,7 +9042,7 @@
         <p:spPr>
           <a:xfrm>
             <a:off x="838440" y="0"/>
-            <a:ext cx="10513080" cy="6856200"/>
+            <a:ext cx="10512720" cy="6855840"/>
           </a:xfrm>
           <a:prstGeom prst="rect">
             <a:avLst/>
@@ -8830,14 +9084,14 @@
       </p:sp>
       <p:sp>
         <p:nvSpPr>
-          <p:cNvPr id="202" name="Google Shape;93;p 20"/>
+          <p:cNvPr id="200" name="Google Shape;93;p 20"/>
           <p:cNvSpPr/>
           <p:nvPr/>
         </p:nvSpPr>
         <p:spPr>
           <a:xfrm>
             <a:off x="0" y="5396760"/>
-            <a:ext cx="3045600" cy="1458720"/>
+            <a:ext cx="3045240" cy="1458360"/>
           </a:xfrm>
           <a:prstGeom prst="rtTriangle">
             <a:avLst/>
@@ -8861,14 +9115,14 @@
       </p:sp>
       <p:sp>
         <p:nvSpPr>
-          <p:cNvPr id="203" name="Google Shape;94;p 20"/>
+          <p:cNvPr id="201" name="Google Shape;94;p 20"/>
           <p:cNvSpPr/>
           <p:nvPr/>
         </p:nvSpPr>
         <p:spPr>
           <a:xfrm>
             <a:off x="837720" y="1968120"/>
-            <a:ext cx="10517400" cy="729720"/>
+            <a:ext cx="10517040" cy="729720"/>
           </a:xfrm>
           <a:prstGeom prst="rect">
             <a:avLst/>
@@ -8920,14 +9174,14 @@
       </p:sp>
       <p:sp>
         <p:nvSpPr>
-          <p:cNvPr id="204" name="Google Shape;97;p 20"/>
+          <p:cNvPr id="202" name="Google Shape;97;p 20"/>
           <p:cNvSpPr/>
           <p:nvPr/>
         </p:nvSpPr>
         <p:spPr>
           <a:xfrm>
             <a:off x="0" y="0"/>
-            <a:ext cx="7768080" cy="365760"/>
+            <a:ext cx="7767720" cy="365760"/>
           </a:xfrm>
           <a:prstGeom prst="rect">
             <a:avLst/>
@@ -8975,28 +9229,40 @@
       </p:sp>
       <p:sp>
         <p:nvSpPr>
-          <p:cNvPr id="205" name=""/>
-          <p:cNvSpPr txBox="1"/>
+          <p:cNvPr id="203" name=""/>
+          <p:cNvSpPr/>
           <p:nvPr/>
         </p:nvSpPr>
         <p:spPr>
           <a:xfrm>
             <a:off x="0" y="6511680"/>
-            <a:ext cx="878760" cy="346320"/>
-          </a:xfrm>
-          <a:prstGeom prst="rect">
-            <a:avLst/>
-          </a:prstGeom>
-          <a:noFill/>
-          <a:ln w="0">
-            <a:noFill/>
-          </a:ln>
-        </p:spPr>
+            <a:ext cx="878400" cy="345960"/>
+          </a:xfrm>
+          <a:prstGeom prst="rect">
+            <a:avLst/>
+          </a:prstGeom>
+          <a:noFill/>
+          <a:ln w="0">
+            <a:noFill/>
+          </a:ln>
+        </p:spPr>
+        <p:style>
+          <a:lnRef idx="0"/>
+          <a:fillRef idx="0"/>
+          <a:effectRef idx="0"/>
+          <a:fontRef idx="minor"/>
+        </p:style>
         <p:txBody>
           <a:bodyPr lIns="90000" rIns="90000" tIns="45000" bIns="45000" anchor="t">
             <a:noAutofit/>
           </a:bodyPr>
           <a:p>
+            <a:pPr>
+              <a:lnSpc>
+                <a:spcPct val="100000"/>
+              </a:lnSpc>
+              <a:buNone/>
+            </a:pPr>
             <a:r>
               <a:rPr b="0" lang="de-DE" sz="1800" spc="-1" strike="noStrike">
                 <a:latin typeface="Arial"/>
@@ -9049,7 +9315,7 @@
       </p:grpSpPr>
       <p:sp>
         <p:nvSpPr>
-          <p:cNvPr id="206" name="PlaceHolder 1"/>
+          <p:cNvPr id="204" name="PlaceHolder 1"/>
           <p:cNvSpPr>
             <a:spLocks noGrp="1"/>
           </p:cNvSpPr>
@@ -9060,7 +9326,7 @@
         <p:spPr>
           <a:xfrm>
             <a:off x="650160" y="459000"/>
-            <a:ext cx="10513080" cy="1323000"/>
+            <a:ext cx="10512720" cy="1322640"/>
           </a:xfrm>
           <a:prstGeom prst="rect">
             <a:avLst/>
@@ -9102,14 +9368,14 @@
       </p:sp>
       <p:sp>
         <p:nvSpPr>
-          <p:cNvPr id="207" name="Google Shape;93;p 21"/>
+          <p:cNvPr id="205" name="Google Shape;93;p 21"/>
           <p:cNvSpPr/>
           <p:nvPr/>
         </p:nvSpPr>
         <p:spPr>
           <a:xfrm>
             <a:off x="0" y="5396760"/>
-            <a:ext cx="3045600" cy="1458720"/>
+            <a:ext cx="3045240" cy="1458360"/>
           </a:xfrm>
           <a:prstGeom prst="rtTriangle">
             <a:avLst/>
@@ -9133,14 +9399,14 @@
       </p:sp>
       <p:sp>
         <p:nvSpPr>
-          <p:cNvPr id="208" name="Google Shape;94;p 21"/>
+          <p:cNvPr id="206" name="Google Shape;94;p 21"/>
           <p:cNvSpPr/>
           <p:nvPr/>
         </p:nvSpPr>
         <p:spPr>
           <a:xfrm>
             <a:off x="837720" y="1968120"/>
-            <a:ext cx="10517400" cy="3381480"/>
+            <a:ext cx="10517040" cy="3381480"/>
           </a:xfrm>
           <a:prstGeom prst="rect">
             <a:avLst/>
@@ -9382,14 +9648,14 @@
       </p:sp>
       <p:sp>
         <p:nvSpPr>
-          <p:cNvPr id="209" name="Google Shape;97;p 21"/>
+          <p:cNvPr id="207" name="Google Shape;97;p 21"/>
           <p:cNvSpPr/>
           <p:nvPr/>
         </p:nvSpPr>
         <p:spPr>
           <a:xfrm>
             <a:off x="0" y="0"/>
-            <a:ext cx="7768080" cy="365760"/>
+            <a:ext cx="7767720" cy="365760"/>
           </a:xfrm>
           <a:prstGeom prst="rect">
             <a:avLst/>
@@ -9437,28 +9703,40 @@
       </p:sp>
       <p:sp>
         <p:nvSpPr>
-          <p:cNvPr id="210" name=""/>
-          <p:cNvSpPr txBox="1"/>
+          <p:cNvPr id="208" name=""/>
+          <p:cNvSpPr/>
           <p:nvPr/>
         </p:nvSpPr>
         <p:spPr>
           <a:xfrm>
             <a:off x="0" y="6511680"/>
-            <a:ext cx="878760" cy="346320"/>
-          </a:xfrm>
-          <a:prstGeom prst="rect">
-            <a:avLst/>
-          </a:prstGeom>
-          <a:noFill/>
-          <a:ln w="0">
-            <a:noFill/>
-          </a:ln>
-        </p:spPr>
+            <a:ext cx="878400" cy="345960"/>
+          </a:xfrm>
+          <a:prstGeom prst="rect">
+            <a:avLst/>
+          </a:prstGeom>
+          <a:noFill/>
+          <a:ln w="0">
+            <a:noFill/>
+          </a:ln>
+        </p:spPr>
+        <p:style>
+          <a:lnRef idx="0"/>
+          <a:fillRef idx="0"/>
+          <a:effectRef idx="0"/>
+          <a:fontRef idx="minor"/>
+        </p:style>
         <p:txBody>
           <a:bodyPr lIns="90000" rIns="90000" tIns="45000" bIns="45000" anchor="t">
             <a:noAutofit/>
           </a:bodyPr>
           <a:p>
+            <a:pPr>
+              <a:lnSpc>
+                <a:spcPct val="100000"/>
+              </a:lnSpc>
+              <a:buNone/>
+            </a:pPr>
             <a:r>
               <a:rPr b="0" lang="de-DE" sz="1800" spc="-1" strike="noStrike">
                 <a:latin typeface="Arial"/>
@@ -9522,7 +9800,7 @@
         <p:spPr>
           <a:xfrm>
             <a:off x="650160" y="459000"/>
-            <a:ext cx="10513080" cy="1323000"/>
+            <a:ext cx="10512720" cy="1322640"/>
           </a:xfrm>
           <a:prstGeom prst="rect">
             <a:avLst/>
@@ -9571,7 +9849,7 @@
         <p:spPr>
           <a:xfrm>
             <a:off x="0" y="5396760"/>
-            <a:ext cx="3045600" cy="1458720"/>
+            <a:ext cx="3045240" cy="1458360"/>
           </a:xfrm>
           <a:prstGeom prst="rtTriangle">
             <a:avLst/>
@@ -9602,7 +9880,7 @@
         <p:spPr>
           <a:xfrm>
             <a:off x="837720" y="1968120"/>
-            <a:ext cx="10517400" cy="2284200"/>
+            <a:ext cx="10517040" cy="2284200"/>
           </a:xfrm>
           <a:prstGeom prst="rect">
             <a:avLst/>
@@ -9777,7 +10055,7 @@
         <p:spPr>
           <a:xfrm>
             <a:off x="0" y="0"/>
-            <a:ext cx="7768080" cy="365760"/>
+            <a:ext cx="7767720" cy="365760"/>
           </a:xfrm>
           <a:prstGeom prst="rect">
             <a:avLst/>
@@ -9826,27 +10104,39 @@
       <p:sp>
         <p:nvSpPr>
           <p:cNvPr id="90" name=""/>
-          <p:cNvSpPr txBox="1"/>
+          <p:cNvSpPr/>
           <p:nvPr/>
         </p:nvSpPr>
         <p:spPr>
           <a:xfrm>
             <a:off x="0" y="6511680"/>
-            <a:ext cx="752400" cy="346320"/>
-          </a:xfrm>
-          <a:prstGeom prst="rect">
-            <a:avLst/>
-          </a:prstGeom>
-          <a:noFill/>
-          <a:ln w="0">
-            <a:noFill/>
-          </a:ln>
-        </p:spPr>
+            <a:ext cx="752040" cy="345960"/>
+          </a:xfrm>
+          <a:prstGeom prst="rect">
+            <a:avLst/>
+          </a:prstGeom>
+          <a:noFill/>
+          <a:ln w="0">
+            <a:noFill/>
+          </a:ln>
+        </p:spPr>
+        <p:style>
+          <a:lnRef idx="0"/>
+          <a:fillRef idx="0"/>
+          <a:effectRef idx="0"/>
+          <a:fontRef idx="minor"/>
+        </p:style>
         <p:txBody>
           <a:bodyPr lIns="90000" rIns="90000" tIns="45000" bIns="45000" anchor="t">
             <a:noAutofit/>
           </a:bodyPr>
           <a:p>
+            <a:pPr>
+              <a:lnSpc>
+                <a:spcPct val="100000"/>
+              </a:lnSpc>
+              <a:buNone/>
+            </a:pPr>
             <a:r>
               <a:rPr b="0" lang="de-DE" sz="1800" spc="-1" strike="noStrike">
                 <a:latin typeface="Arial"/>
@@ -9899,7 +10189,7 @@
       </p:grpSpPr>
       <p:sp>
         <p:nvSpPr>
-          <p:cNvPr id="211" name="PlaceHolder 1"/>
+          <p:cNvPr id="209" name="PlaceHolder 1"/>
           <p:cNvSpPr>
             <a:spLocks noGrp="1"/>
           </p:cNvSpPr>
@@ -9910,7 +10200,7 @@
         <p:spPr>
           <a:xfrm>
             <a:off x="650160" y="459000"/>
-            <a:ext cx="10513080" cy="1323000"/>
+            <a:ext cx="10512720" cy="1322640"/>
           </a:xfrm>
           <a:prstGeom prst="rect">
             <a:avLst/>
@@ -9952,14 +10242,14 @@
       </p:sp>
       <p:sp>
         <p:nvSpPr>
-          <p:cNvPr id="212" name="Google Shape;93;p 22"/>
+          <p:cNvPr id="210" name="Google Shape;93;p 22"/>
           <p:cNvSpPr/>
           <p:nvPr/>
         </p:nvSpPr>
         <p:spPr>
           <a:xfrm>
             <a:off x="0" y="5396760"/>
-            <a:ext cx="3045600" cy="1458720"/>
+            <a:ext cx="3045240" cy="1458360"/>
           </a:xfrm>
           <a:prstGeom prst="rtTriangle">
             <a:avLst/>
@@ -9983,14 +10273,14 @@
       </p:sp>
       <p:sp>
         <p:nvSpPr>
-          <p:cNvPr id="213" name="Google Shape;94;p 22"/>
+          <p:cNvPr id="211" name="Google Shape;94;p 22"/>
           <p:cNvSpPr/>
           <p:nvPr/>
         </p:nvSpPr>
         <p:spPr>
           <a:xfrm>
             <a:off x="837720" y="1968120"/>
-            <a:ext cx="10517400" cy="729720"/>
+            <a:ext cx="10517040" cy="729720"/>
           </a:xfrm>
           <a:prstGeom prst="rect">
             <a:avLst/>
@@ -10042,14 +10332,14 @@
       </p:sp>
       <p:sp>
         <p:nvSpPr>
-          <p:cNvPr id="214" name="Google Shape;97;p 22"/>
+          <p:cNvPr id="212" name="Google Shape;97;p 22"/>
           <p:cNvSpPr/>
           <p:nvPr/>
         </p:nvSpPr>
         <p:spPr>
           <a:xfrm>
             <a:off x="0" y="0"/>
-            <a:ext cx="7768080" cy="365760"/>
+            <a:ext cx="7767720" cy="365760"/>
           </a:xfrm>
           <a:prstGeom prst="rect">
             <a:avLst/>
@@ -10097,28 +10387,40 @@
       </p:sp>
       <p:sp>
         <p:nvSpPr>
-          <p:cNvPr id="215" name=""/>
-          <p:cNvSpPr txBox="1"/>
+          <p:cNvPr id="213" name=""/>
+          <p:cNvSpPr/>
           <p:nvPr/>
         </p:nvSpPr>
         <p:spPr>
           <a:xfrm>
             <a:off x="0" y="6511680"/>
-            <a:ext cx="878760" cy="346320"/>
-          </a:xfrm>
-          <a:prstGeom prst="rect">
-            <a:avLst/>
-          </a:prstGeom>
-          <a:noFill/>
-          <a:ln w="0">
-            <a:noFill/>
-          </a:ln>
-        </p:spPr>
+            <a:ext cx="878400" cy="345960"/>
+          </a:xfrm>
+          <a:prstGeom prst="rect">
+            <a:avLst/>
+          </a:prstGeom>
+          <a:noFill/>
+          <a:ln w="0">
+            <a:noFill/>
+          </a:ln>
+        </p:spPr>
+        <p:style>
+          <a:lnRef idx="0"/>
+          <a:fillRef idx="0"/>
+          <a:effectRef idx="0"/>
+          <a:fontRef idx="minor"/>
+        </p:style>
         <p:txBody>
           <a:bodyPr lIns="90000" rIns="90000" tIns="45000" bIns="45000" anchor="t">
             <a:noAutofit/>
           </a:bodyPr>
           <a:p>
+            <a:pPr>
+              <a:lnSpc>
+                <a:spcPct val="100000"/>
+              </a:lnSpc>
+              <a:buNone/>
+            </a:pPr>
             <a:r>
               <a:rPr b="0" lang="de-DE" sz="1800" spc="-1" strike="noStrike">
                 <a:latin typeface="Arial"/>
@@ -10133,7 +10435,7 @@
       </p:sp>
       <p:pic>
         <p:nvPicPr>
-          <p:cNvPr id="216" name="" descr=""/>
+          <p:cNvPr id="214" name="" descr=""/>
           <p:cNvPicPr/>
           <p:nvPr/>
         </p:nvPicPr>
@@ -10144,7 +10446,7 @@
         <p:spPr>
           <a:xfrm>
             <a:off x="650160" y="1620000"/>
-            <a:ext cx="10749600" cy="3549960"/>
+            <a:ext cx="10749240" cy="3549600"/>
           </a:xfrm>
           <a:prstGeom prst="rect">
             <a:avLst/>
@@ -10156,28 +10458,40 @@
       </p:pic>
       <p:sp>
         <p:nvSpPr>
-          <p:cNvPr id="217" name=""/>
-          <p:cNvSpPr txBox="1"/>
+          <p:cNvPr id="215" name=""/>
+          <p:cNvSpPr/>
           <p:nvPr/>
         </p:nvSpPr>
         <p:spPr>
           <a:xfrm>
             <a:off x="10036080" y="5167800"/>
-            <a:ext cx="1123920" cy="232200"/>
-          </a:xfrm>
-          <a:prstGeom prst="rect">
-            <a:avLst/>
-          </a:prstGeom>
-          <a:noFill/>
-          <a:ln w="0">
-            <a:noFill/>
-          </a:ln>
-        </p:spPr>
+            <a:ext cx="1123560" cy="231840"/>
+          </a:xfrm>
+          <a:prstGeom prst="rect">
+            <a:avLst/>
+          </a:prstGeom>
+          <a:noFill/>
+          <a:ln w="0">
+            <a:noFill/>
+          </a:ln>
+        </p:spPr>
+        <p:style>
+          <a:lnRef idx="0"/>
+          <a:fillRef idx="0"/>
+          <a:effectRef idx="0"/>
+          <a:fontRef idx="minor"/>
+        </p:style>
         <p:txBody>
           <a:bodyPr lIns="90000" rIns="90000" tIns="45000" bIns="45000" anchor="t">
             <a:noAutofit/>
           </a:bodyPr>
           <a:p>
+            <a:pPr>
+              <a:lnSpc>
+                <a:spcPct val="100000"/>
+              </a:lnSpc>
+              <a:buNone/>
+            </a:pPr>
             <a:r>
               <a:rPr b="0" lang="de-DE" sz="1000" spc="-1" strike="noStrike">
                 <a:solidFill>
@@ -10233,7 +10547,7 @@
       </p:grpSpPr>
       <p:sp>
         <p:nvSpPr>
-          <p:cNvPr id="218" name="PlaceHolder 1"/>
+          <p:cNvPr id="216" name="PlaceHolder 1"/>
           <p:cNvSpPr>
             <a:spLocks noGrp="1"/>
           </p:cNvSpPr>
@@ -10244,7 +10558,7 @@
         <p:spPr>
           <a:xfrm>
             <a:off x="838440" y="0"/>
-            <a:ext cx="10513080" cy="6856200"/>
+            <a:ext cx="10512720" cy="6855840"/>
           </a:xfrm>
           <a:prstGeom prst="rect">
             <a:avLst/>
@@ -10286,14 +10600,14 @@
       </p:sp>
       <p:sp>
         <p:nvSpPr>
-          <p:cNvPr id="219" name="Google Shape;93;p 23"/>
+          <p:cNvPr id="217" name="Google Shape;93;p 23"/>
           <p:cNvSpPr/>
           <p:nvPr/>
         </p:nvSpPr>
         <p:spPr>
           <a:xfrm>
             <a:off x="0" y="5396760"/>
-            <a:ext cx="3045600" cy="1458720"/>
+            <a:ext cx="3045240" cy="1458360"/>
           </a:xfrm>
           <a:prstGeom prst="rtTriangle">
             <a:avLst/>
@@ -10317,14 +10631,14 @@
       </p:sp>
       <p:sp>
         <p:nvSpPr>
-          <p:cNvPr id="220" name="Google Shape;94;p 23"/>
+          <p:cNvPr id="218" name="Google Shape;94;p 23"/>
           <p:cNvSpPr/>
           <p:nvPr/>
         </p:nvSpPr>
         <p:spPr>
           <a:xfrm>
             <a:off x="837720" y="1968120"/>
-            <a:ext cx="10517400" cy="729720"/>
+            <a:ext cx="10517040" cy="729720"/>
           </a:xfrm>
           <a:prstGeom prst="rect">
             <a:avLst/>
@@ -10376,14 +10690,14 @@
       </p:sp>
       <p:sp>
         <p:nvSpPr>
-          <p:cNvPr id="221" name="Google Shape;96;p 23"/>
+          <p:cNvPr id="219" name="Google Shape;96;p 23"/>
           <p:cNvSpPr/>
           <p:nvPr/>
         </p:nvSpPr>
         <p:spPr>
           <a:xfrm>
             <a:off x="6963480" y="6581160"/>
-            <a:ext cx="5225760" cy="454680"/>
+            <a:ext cx="5225400" cy="454680"/>
           </a:xfrm>
           <a:prstGeom prst="rect">
             <a:avLst/>
@@ -10435,14 +10749,14 @@
       </p:sp>
       <p:sp>
         <p:nvSpPr>
-          <p:cNvPr id="222" name="Google Shape;97;p 23"/>
+          <p:cNvPr id="220" name="Google Shape;97;p 23"/>
           <p:cNvSpPr/>
           <p:nvPr/>
         </p:nvSpPr>
         <p:spPr>
           <a:xfrm>
             <a:off x="0" y="0"/>
-            <a:ext cx="7768080" cy="365760"/>
+            <a:ext cx="7767720" cy="365760"/>
           </a:xfrm>
           <a:prstGeom prst="rect">
             <a:avLst/>
@@ -10490,28 +10804,40 @@
       </p:sp>
       <p:sp>
         <p:nvSpPr>
-          <p:cNvPr id="223" name=""/>
-          <p:cNvSpPr txBox="1"/>
+          <p:cNvPr id="221" name=""/>
+          <p:cNvSpPr/>
           <p:nvPr/>
         </p:nvSpPr>
         <p:spPr>
           <a:xfrm>
             <a:off x="0" y="6511680"/>
-            <a:ext cx="878760" cy="346320"/>
-          </a:xfrm>
-          <a:prstGeom prst="rect">
-            <a:avLst/>
-          </a:prstGeom>
-          <a:noFill/>
-          <a:ln w="0">
-            <a:noFill/>
-          </a:ln>
-        </p:spPr>
+            <a:ext cx="878400" cy="345960"/>
+          </a:xfrm>
+          <a:prstGeom prst="rect">
+            <a:avLst/>
+          </a:prstGeom>
+          <a:noFill/>
+          <a:ln w="0">
+            <a:noFill/>
+          </a:ln>
+        </p:spPr>
+        <p:style>
+          <a:lnRef idx="0"/>
+          <a:fillRef idx="0"/>
+          <a:effectRef idx="0"/>
+          <a:fontRef idx="minor"/>
+        </p:style>
         <p:txBody>
           <a:bodyPr lIns="90000" rIns="90000" tIns="45000" bIns="45000" anchor="t">
             <a:noAutofit/>
           </a:bodyPr>
           <a:p>
+            <a:pPr>
+              <a:lnSpc>
+                <a:spcPct val="100000"/>
+              </a:lnSpc>
+              <a:buNone/>
+            </a:pPr>
             <a:r>
               <a:rPr b="0" lang="de-DE" sz="1800" spc="-1" strike="noStrike">
                 <a:latin typeface="Arial"/>
@@ -10564,7 +10890,7 @@
       </p:grpSpPr>
       <p:sp>
         <p:nvSpPr>
-          <p:cNvPr id="224" name="PlaceHolder 1"/>
+          <p:cNvPr id="222" name="PlaceHolder 1"/>
           <p:cNvSpPr>
             <a:spLocks noGrp="1"/>
           </p:cNvSpPr>
@@ -10575,7 +10901,7 @@
         <p:spPr>
           <a:xfrm>
             <a:off x="650160" y="459000"/>
-            <a:ext cx="10513080" cy="1323000"/>
+            <a:ext cx="10512720" cy="1322640"/>
           </a:xfrm>
           <a:prstGeom prst="rect">
             <a:avLst/>
@@ -10617,14 +10943,14 @@
       </p:sp>
       <p:sp>
         <p:nvSpPr>
-          <p:cNvPr id="225" name="Google Shape;93;p 24"/>
+          <p:cNvPr id="223" name="Google Shape;93;p 24"/>
           <p:cNvSpPr/>
           <p:nvPr/>
         </p:nvSpPr>
         <p:spPr>
           <a:xfrm>
             <a:off x="0" y="5396760"/>
-            <a:ext cx="3045600" cy="1458720"/>
+            <a:ext cx="3045240" cy="1458360"/>
           </a:xfrm>
           <a:prstGeom prst="rtTriangle">
             <a:avLst/>
@@ -10648,14 +10974,14 @@
       </p:sp>
       <p:sp>
         <p:nvSpPr>
-          <p:cNvPr id="226" name="Google Shape;94;p 24"/>
+          <p:cNvPr id="224" name="Google Shape;94;p 24"/>
           <p:cNvSpPr/>
           <p:nvPr/>
         </p:nvSpPr>
         <p:spPr>
           <a:xfrm>
             <a:off x="837720" y="1968120"/>
-            <a:ext cx="10517400" cy="3015720"/>
+            <a:ext cx="10517040" cy="3015720"/>
           </a:xfrm>
           <a:prstGeom prst="rect">
             <a:avLst/>
@@ -10839,14 +11165,14 @@
       </p:sp>
       <p:sp>
         <p:nvSpPr>
-          <p:cNvPr id="227" name="Google Shape;97;p 24"/>
+          <p:cNvPr id="225" name="Google Shape;97;p 24"/>
           <p:cNvSpPr/>
           <p:nvPr/>
         </p:nvSpPr>
         <p:spPr>
           <a:xfrm>
             <a:off x="0" y="0"/>
-            <a:ext cx="7768080" cy="365760"/>
+            <a:ext cx="7767720" cy="365760"/>
           </a:xfrm>
           <a:prstGeom prst="rect">
             <a:avLst/>
@@ -10894,28 +11220,40 @@
       </p:sp>
       <p:sp>
         <p:nvSpPr>
-          <p:cNvPr id="228" name=""/>
-          <p:cNvSpPr txBox="1"/>
+          <p:cNvPr id="226" name=""/>
+          <p:cNvSpPr/>
           <p:nvPr/>
         </p:nvSpPr>
         <p:spPr>
           <a:xfrm>
             <a:off x="0" y="6498000"/>
-            <a:ext cx="1056600" cy="360000"/>
-          </a:xfrm>
-          <a:prstGeom prst="rect">
-            <a:avLst/>
-          </a:prstGeom>
-          <a:noFill/>
-          <a:ln w="0">
-            <a:noFill/>
-          </a:ln>
-        </p:spPr>
+            <a:ext cx="1056240" cy="359640"/>
+          </a:xfrm>
+          <a:prstGeom prst="rect">
+            <a:avLst/>
+          </a:prstGeom>
+          <a:noFill/>
+          <a:ln w="0">
+            <a:noFill/>
+          </a:ln>
+        </p:spPr>
+        <p:style>
+          <a:lnRef idx="0"/>
+          <a:fillRef idx="0"/>
+          <a:effectRef idx="0"/>
+          <a:fontRef idx="minor"/>
+        </p:style>
         <p:txBody>
           <a:bodyPr lIns="90000" rIns="90000" tIns="45000" bIns="45000" anchor="t">
             <a:noAutofit/>
           </a:bodyPr>
           <a:p>
+            <a:pPr>
+              <a:lnSpc>
+                <a:spcPct val="100000"/>
+              </a:lnSpc>
+              <a:buNone/>
+            </a:pPr>
             <a:r>
               <a:rPr b="0" lang="de-DE" sz="1800" spc="-1" strike="noStrike">
                 <a:latin typeface="Arial"/>
@@ -10968,7 +11306,7 @@
       </p:grpSpPr>
       <p:sp>
         <p:nvSpPr>
-          <p:cNvPr id="229" name="PlaceHolder 1"/>
+          <p:cNvPr id="227" name="PlaceHolder 1"/>
           <p:cNvSpPr>
             <a:spLocks noGrp="1"/>
           </p:cNvSpPr>
@@ -10979,7 +11317,7 @@
         <p:spPr>
           <a:xfrm>
             <a:off x="650160" y="459000"/>
-            <a:ext cx="10513080" cy="1323000"/>
+            <a:ext cx="10512720" cy="1322640"/>
           </a:xfrm>
           <a:prstGeom prst="rect">
             <a:avLst/>
@@ -11021,14 +11359,14 @@
       </p:sp>
       <p:sp>
         <p:nvSpPr>
-          <p:cNvPr id="230" name="Google Shape;93;p 7"/>
+          <p:cNvPr id="228" name="Google Shape;93;p 7"/>
           <p:cNvSpPr/>
           <p:nvPr/>
         </p:nvSpPr>
         <p:spPr>
           <a:xfrm>
             <a:off x="0" y="5396760"/>
-            <a:ext cx="3045600" cy="1458720"/>
+            <a:ext cx="3045240" cy="1458360"/>
           </a:xfrm>
           <a:prstGeom prst="rtTriangle">
             <a:avLst/>
@@ -11052,14 +11390,14 @@
       </p:sp>
       <p:sp>
         <p:nvSpPr>
-          <p:cNvPr id="231" name="Google Shape;94;p 7"/>
+          <p:cNvPr id="229" name="Google Shape;94;p 7"/>
           <p:cNvSpPr/>
           <p:nvPr/>
         </p:nvSpPr>
         <p:spPr>
           <a:xfrm>
             <a:off x="837720" y="1968120"/>
-            <a:ext cx="10517400" cy="2649960"/>
+            <a:ext cx="10517040" cy="2649960"/>
           </a:xfrm>
           <a:prstGeom prst="rect">
             <a:avLst/>
@@ -11243,14 +11581,14 @@
       </p:sp>
       <p:sp>
         <p:nvSpPr>
-          <p:cNvPr id="232" name="Google Shape;96;p 7"/>
+          <p:cNvPr id="230" name="Google Shape;96;p 7"/>
           <p:cNvSpPr/>
           <p:nvPr/>
         </p:nvSpPr>
         <p:spPr>
           <a:xfrm>
             <a:off x="6963480" y="6581160"/>
-            <a:ext cx="5225760" cy="270360"/>
+            <a:ext cx="5225400" cy="270000"/>
           </a:xfrm>
           <a:prstGeom prst="rect">
             <a:avLst/>
@@ -11269,14 +11607,14 @@
       </p:sp>
       <p:sp>
         <p:nvSpPr>
-          <p:cNvPr id="233" name="Google Shape;97;p 7"/>
+          <p:cNvPr id="231" name="Google Shape;97;p 7"/>
           <p:cNvSpPr/>
           <p:nvPr/>
         </p:nvSpPr>
         <p:spPr>
           <a:xfrm>
             <a:off x="0" y="0"/>
-            <a:ext cx="7768080" cy="365760"/>
+            <a:ext cx="7767720" cy="365760"/>
           </a:xfrm>
           <a:prstGeom prst="rect">
             <a:avLst/>
@@ -11324,28 +11662,40 @@
       </p:sp>
       <p:sp>
         <p:nvSpPr>
-          <p:cNvPr id="234" name=""/>
-          <p:cNvSpPr txBox="1"/>
+          <p:cNvPr id="232" name=""/>
+          <p:cNvSpPr/>
           <p:nvPr/>
         </p:nvSpPr>
         <p:spPr>
           <a:xfrm>
             <a:off x="360" y="6498000"/>
-            <a:ext cx="1056600" cy="360000"/>
-          </a:xfrm>
-          <a:prstGeom prst="rect">
-            <a:avLst/>
-          </a:prstGeom>
-          <a:noFill/>
-          <a:ln w="0">
-            <a:noFill/>
-          </a:ln>
-        </p:spPr>
+            <a:ext cx="1056240" cy="359640"/>
+          </a:xfrm>
+          <a:prstGeom prst="rect">
+            <a:avLst/>
+          </a:prstGeom>
+          <a:noFill/>
+          <a:ln w="0">
+            <a:noFill/>
+          </a:ln>
+        </p:spPr>
+        <p:style>
+          <a:lnRef idx="0"/>
+          <a:fillRef idx="0"/>
+          <a:effectRef idx="0"/>
+          <a:fontRef idx="minor"/>
+        </p:style>
         <p:txBody>
           <a:bodyPr lIns="90000" rIns="90000" tIns="45000" bIns="45000" anchor="t">
             <a:noAutofit/>
           </a:bodyPr>
           <a:p>
+            <a:pPr>
+              <a:lnSpc>
+                <a:spcPct val="100000"/>
+              </a:lnSpc>
+              <a:buNone/>
+            </a:pPr>
             <a:r>
               <a:rPr b="0" lang="de-DE" sz="1800" spc="-1" strike="noStrike">
                 <a:latin typeface="Arial"/>
@@ -11398,7 +11748,7 @@
       </p:grpSpPr>
       <p:sp>
         <p:nvSpPr>
-          <p:cNvPr id="235" name="PlaceHolder 1"/>
+          <p:cNvPr id="233" name="PlaceHolder 1"/>
           <p:cNvSpPr>
             <a:spLocks noGrp="1"/>
           </p:cNvSpPr>
@@ -11409,7 +11759,7 @@
         <p:spPr>
           <a:xfrm>
             <a:off x="650160" y="459000"/>
-            <a:ext cx="10513080" cy="1323000"/>
+            <a:ext cx="10512720" cy="1322640"/>
           </a:xfrm>
           <a:prstGeom prst="rect">
             <a:avLst/>
@@ -11451,14 +11801,14 @@
       </p:sp>
       <p:sp>
         <p:nvSpPr>
-          <p:cNvPr id="236" name="Google Shape;93;p 8"/>
+          <p:cNvPr id="234" name="Google Shape;93;p 8"/>
           <p:cNvSpPr/>
           <p:nvPr/>
         </p:nvSpPr>
         <p:spPr>
           <a:xfrm>
             <a:off x="0" y="5396760"/>
-            <a:ext cx="3045600" cy="1458720"/>
+            <a:ext cx="3045240" cy="1458360"/>
           </a:xfrm>
           <a:prstGeom prst="rtTriangle">
             <a:avLst/>
@@ -11482,14 +11832,14 @@
       </p:sp>
       <p:sp>
         <p:nvSpPr>
-          <p:cNvPr id="237" name="Google Shape;94;p 8"/>
+          <p:cNvPr id="235" name="Google Shape;94;p 8"/>
           <p:cNvSpPr/>
           <p:nvPr/>
         </p:nvSpPr>
         <p:spPr>
           <a:xfrm>
             <a:off x="837720" y="1647000"/>
-            <a:ext cx="10517400" cy="3139560"/>
+            <a:ext cx="10517040" cy="3138840"/>
           </a:xfrm>
           <a:prstGeom prst="rect">
             <a:avLst/>
@@ -11883,14 +12233,14 @@
       </p:sp>
       <p:sp>
         <p:nvSpPr>
-          <p:cNvPr id="238" name="Google Shape;96;p 8"/>
+          <p:cNvPr id="236" name="Google Shape;96;p 8"/>
           <p:cNvSpPr/>
           <p:nvPr/>
         </p:nvSpPr>
         <p:spPr>
           <a:xfrm>
             <a:off x="6963480" y="6581160"/>
-            <a:ext cx="5225760" cy="270360"/>
+            <a:ext cx="5225400" cy="270000"/>
           </a:xfrm>
           <a:prstGeom prst="rect">
             <a:avLst/>
@@ -11909,14 +12259,14 @@
       </p:sp>
       <p:sp>
         <p:nvSpPr>
-          <p:cNvPr id="239" name="Google Shape;97;p 8"/>
+          <p:cNvPr id="237" name="Google Shape;97;p 8"/>
           <p:cNvSpPr/>
           <p:nvPr/>
         </p:nvSpPr>
         <p:spPr>
           <a:xfrm>
             <a:off x="0" y="0"/>
-            <a:ext cx="7768080" cy="365760"/>
+            <a:ext cx="7767720" cy="365760"/>
           </a:xfrm>
           <a:prstGeom prst="rect">
             <a:avLst/>
@@ -11964,28 +12314,40 @@
       </p:sp>
       <p:sp>
         <p:nvSpPr>
-          <p:cNvPr id="240" name=""/>
-          <p:cNvSpPr txBox="1"/>
+          <p:cNvPr id="238" name=""/>
+          <p:cNvSpPr/>
           <p:nvPr/>
         </p:nvSpPr>
         <p:spPr>
           <a:xfrm>
             <a:off x="360" y="6498000"/>
-            <a:ext cx="1056600" cy="360000"/>
-          </a:xfrm>
-          <a:prstGeom prst="rect">
-            <a:avLst/>
-          </a:prstGeom>
-          <a:noFill/>
-          <a:ln w="0">
-            <a:noFill/>
-          </a:ln>
-        </p:spPr>
+            <a:ext cx="1056240" cy="359640"/>
+          </a:xfrm>
+          <a:prstGeom prst="rect">
+            <a:avLst/>
+          </a:prstGeom>
+          <a:noFill/>
+          <a:ln w="0">
+            <a:noFill/>
+          </a:ln>
+        </p:spPr>
+        <p:style>
+          <a:lnRef idx="0"/>
+          <a:fillRef idx="0"/>
+          <a:effectRef idx="0"/>
+          <a:fontRef idx="minor"/>
+        </p:style>
         <p:txBody>
           <a:bodyPr lIns="90000" rIns="90000" tIns="45000" bIns="45000" anchor="t">
             <a:noAutofit/>
           </a:bodyPr>
           <a:p>
+            <a:pPr>
+              <a:lnSpc>
+                <a:spcPct val="100000"/>
+              </a:lnSpc>
+              <a:buNone/>
+            </a:pPr>
             <a:r>
               <a:rPr b="0" lang="de-DE" sz="1800" spc="-1" strike="noStrike">
                 <a:latin typeface="Arial"/>
@@ -12049,7 +12411,7 @@
         <p:spPr>
           <a:xfrm>
             <a:off x="1145880" y="0"/>
-            <a:ext cx="9898200" cy="6856200"/>
+            <a:ext cx="9897840" cy="6855840"/>
           </a:xfrm>
           <a:prstGeom prst="rect">
             <a:avLst/>
@@ -12081,7 +12443,7 @@
                 <a:latin typeface="Play"/>
                 <a:ea typeface="Play"/>
               </a:rPr>
-              <a:t>1 What is Graph </a:t>
+              <a:t>1 </a:t>
             </a:r>
             <a:r>
               <a:rPr b="0" lang="en-US" sz="4400" spc="-1" strike="noStrike">
@@ -12091,7 +12453,247 @@
                 <a:latin typeface="Play"/>
                 <a:ea typeface="Play"/>
               </a:rPr>
-              <a:t>Representation Learning?</a:t>
+              <a:t>W</a:t>
+            </a:r>
+            <a:r>
+              <a:rPr b="0" lang="en-US" sz="4400" spc="-1" strike="noStrike">
+                <a:solidFill>
+                  <a:srgbClr val="000000"/>
+                </a:solidFill>
+                <a:latin typeface="Play"/>
+                <a:ea typeface="Play"/>
+              </a:rPr>
+              <a:t>h</a:t>
+            </a:r>
+            <a:r>
+              <a:rPr b="0" lang="en-US" sz="4400" spc="-1" strike="noStrike">
+                <a:solidFill>
+                  <a:srgbClr val="000000"/>
+                </a:solidFill>
+                <a:latin typeface="Play"/>
+                <a:ea typeface="Play"/>
+              </a:rPr>
+              <a:t>at </a:t>
+            </a:r>
+            <a:r>
+              <a:rPr b="0" lang="en-US" sz="4400" spc="-1" strike="noStrike">
+                <a:solidFill>
+                  <a:srgbClr val="000000"/>
+                </a:solidFill>
+                <a:latin typeface="Play"/>
+                <a:ea typeface="Play"/>
+              </a:rPr>
+              <a:t>is </a:t>
+            </a:r>
+            <a:r>
+              <a:rPr b="0" lang="en-US" sz="4400" spc="-1" strike="noStrike">
+                <a:solidFill>
+                  <a:srgbClr val="000000"/>
+                </a:solidFill>
+                <a:latin typeface="Play"/>
+                <a:ea typeface="Play"/>
+              </a:rPr>
+              <a:t>G</a:t>
+            </a:r>
+            <a:r>
+              <a:rPr b="0" lang="en-US" sz="4400" spc="-1" strike="noStrike">
+                <a:solidFill>
+                  <a:srgbClr val="000000"/>
+                </a:solidFill>
+                <a:latin typeface="Play"/>
+                <a:ea typeface="Play"/>
+              </a:rPr>
+              <a:t>ra</a:t>
+            </a:r>
+            <a:r>
+              <a:rPr b="0" lang="en-US" sz="4400" spc="-1" strike="noStrike">
+                <a:solidFill>
+                  <a:srgbClr val="000000"/>
+                </a:solidFill>
+                <a:latin typeface="Play"/>
+                <a:ea typeface="Play"/>
+              </a:rPr>
+              <a:t>p</a:t>
+            </a:r>
+            <a:r>
+              <a:rPr b="0" lang="en-US" sz="4400" spc="-1" strike="noStrike">
+                <a:solidFill>
+                  <a:srgbClr val="000000"/>
+                </a:solidFill>
+                <a:latin typeface="Play"/>
+                <a:ea typeface="Play"/>
+              </a:rPr>
+              <a:t>h </a:t>
+            </a:r>
+            <a:r>
+              <a:rPr b="0" lang="en-US" sz="4400" spc="-1" strike="noStrike">
+                <a:solidFill>
+                  <a:srgbClr val="000000"/>
+                </a:solidFill>
+                <a:latin typeface="Play"/>
+                <a:ea typeface="Play"/>
+              </a:rPr>
+              <a:t>R</a:t>
+            </a:r>
+            <a:r>
+              <a:rPr b="0" lang="en-US" sz="4400" spc="-1" strike="noStrike">
+                <a:solidFill>
+                  <a:srgbClr val="000000"/>
+                </a:solidFill>
+                <a:latin typeface="Play"/>
+                <a:ea typeface="Play"/>
+              </a:rPr>
+              <a:t>e</a:t>
+            </a:r>
+            <a:r>
+              <a:rPr b="0" lang="en-US" sz="4400" spc="-1" strike="noStrike">
+                <a:solidFill>
+                  <a:srgbClr val="000000"/>
+                </a:solidFill>
+                <a:latin typeface="Play"/>
+                <a:ea typeface="Play"/>
+              </a:rPr>
+              <a:t>pr</a:t>
+            </a:r>
+            <a:r>
+              <a:rPr b="0" lang="en-US" sz="4400" spc="-1" strike="noStrike">
+                <a:solidFill>
+                  <a:srgbClr val="000000"/>
+                </a:solidFill>
+                <a:latin typeface="Play"/>
+                <a:ea typeface="Play"/>
+              </a:rPr>
+              <a:t>e</a:t>
+            </a:r>
+            <a:r>
+              <a:rPr b="0" lang="en-US" sz="4400" spc="-1" strike="noStrike">
+                <a:solidFill>
+                  <a:srgbClr val="000000"/>
+                </a:solidFill>
+                <a:latin typeface="Play"/>
+                <a:ea typeface="Play"/>
+              </a:rPr>
+              <a:t>s</a:t>
+            </a:r>
+            <a:r>
+              <a:rPr b="0" lang="en-US" sz="4400" spc="-1" strike="noStrike">
+                <a:solidFill>
+                  <a:srgbClr val="000000"/>
+                </a:solidFill>
+                <a:latin typeface="Play"/>
+                <a:ea typeface="Play"/>
+              </a:rPr>
+              <a:t>e</a:t>
+            </a:r>
+            <a:r>
+              <a:rPr b="0" lang="en-US" sz="4400" spc="-1" strike="noStrike">
+                <a:solidFill>
+                  <a:srgbClr val="000000"/>
+                </a:solidFill>
+                <a:latin typeface="Play"/>
+                <a:ea typeface="Play"/>
+              </a:rPr>
+              <a:t>nt</a:t>
+            </a:r>
+            <a:r>
+              <a:rPr b="0" lang="en-US" sz="4400" spc="-1" strike="noStrike">
+                <a:solidFill>
+                  <a:srgbClr val="000000"/>
+                </a:solidFill>
+                <a:latin typeface="Play"/>
+                <a:ea typeface="Play"/>
+              </a:rPr>
+              <a:t>at</a:t>
+            </a:r>
+            <a:r>
+              <a:rPr b="0" lang="en-US" sz="4400" spc="-1" strike="noStrike">
+                <a:solidFill>
+                  <a:srgbClr val="000000"/>
+                </a:solidFill>
+                <a:latin typeface="Play"/>
+                <a:ea typeface="Play"/>
+              </a:rPr>
+              <a:t>io</a:t>
+            </a:r>
+            <a:r>
+              <a:rPr b="0" lang="en-US" sz="4400" spc="-1" strike="noStrike">
+                <a:solidFill>
+                  <a:srgbClr val="000000"/>
+                </a:solidFill>
+                <a:latin typeface="Play"/>
+                <a:ea typeface="Play"/>
+              </a:rPr>
+              <a:t>n </a:t>
+            </a:r>
+            <a:r>
+              <a:rPr b="0" lang="en-US" sz="4400" spc="-1" strike="noStrike">
+                <a:solidFill>
+                  <a:srgbClr val="000000"/>
+                </a:solidFill>
+                <a:latin typeface="Play"/>
+                <a:ea typeface="Play"/>
+              </a:rPr>
+              <a:t>L</a:t>
+            </a:r>
+            <a:r>
+              <a:rPr b="0" lang="en-US" sz="4400" spc="-1" strike="noStrike">
+                <a:solidFill>
+                  <a:srgbClr val="000000"/>
+                </a:solidFill>
+                <a:latin typeface="Play"/>
+                <a:ea typeface="Play"/>
+              </a:rPr>
+              <a:t>e</a:t>
+            </a:r>
+            <a:r>
+              <a:rPr b="0" lang="en-US" sz="4400" spc="-1" strike="noStrike">
+                <a:solidFill>
+                  <a:srgbClr val="000000"/>
+                </a:solidFill>
+                <a:latin typeface="Play"/>
+                <a:ea typeface="Play"/>
+              </a:rPr>
+              <a:t>ar</a:t>
+            </a:r>
+            <a:r>
+              <a:rPr b="0" lang="en-US" sz="4400" spc="-1" strike="noStrike">
+                <a:solidFill>
+                  <a:srgbClr val="000000"/>
+                </a:solidFill>
+                <a:latin typeface="Play"/>
+                <a:ea typeface="Play"/>
+              </a:rPr>
+              <a:t>ni</a:t>
+            </a:r>
+            <a:r>
+              <a:rPr b="0" lang="en-US" sz="4400" spc="-1" strike="noStrike">
+                <a:solidFill>
+                  <a:srgbClr val="000000"/>
+                </a:solidFill>
+                <a:latin typeface="Play"/>
+                <a:ea typeface="Play"/>
+              </a:rPr>
+              <a:t>n</a:t>
+            </a:r>
+            <a:r>
+              <a:rPr b="0" lang="en-US" sz="4400" spc="-1" strike="noStrike">
+                <a:solidFill>
+                  <a:srgbClr val="000000"/>
+                </a:solidFill>
+                <a:latin typeface="Play"/>
+                <a:ea typeface="Play"/>
+              </a:rPr>
+              <a:t>g</a:t>
+            </a:r>
+            <a:r>
+              <a:rPr b="0" lang="en-US" sz="4400" spc="-1" strike="noStrike">
+                <a:solidFill>
+                  <a:srgbClr val="000000"/>
+                </a:solidFill>
+                <a:latin typeface="Play"/>
+                <a:ea typeface="Play"/>
+              </a:rPr>
+              <a:t>?</a:t>
             </a:r>
             <a:endParaRPr b="0" lang="de-DE" sz="4400" spc="-1" strike="noStrike">
               <a:latin typeface="Arial"/>
@@ -12108,7 +12710,7 @@
         <p:spPr>
           <a:xfrm>
             <a:off x="0" y="5396760"/>
-            <a:ext cx="3045600" cy="1458720"/>
+            <a:ext cx="3045240" cy="1458360"/>
           </a:xfrm>
           <a:prstGeom prst="rtTriangle">
             <a:avLst/>
@@ -12139,7 +12741,7 @@
         <p:spPr>
           <a:xfrm>
             <a:off x="837720" y="1968120"/>
-            <a:ext cx="10517400" cy="729720"/>
+            <a:ext cx="10517040" cy="729720"/>
           </a:xfrm>
           <a:prstGeom prst="rect">
             <a:avLst/>
@@ -12198,7 +12800,7 @@
         <p:spPr>
           <a:xfrm>
             <a:off x="0" y="0"/>
-            <a:ext cx="7768080" cy="365760"/>
+            <a:ext cx="7767720" cy="365760"/>
           </a:xfrm>
           <a:prstGeom prst="rect">
             <a:avLst/>
@@ -12247,27 +12849,39 @@
       <p:sp>
         <p:nvSpPr>
           <p:cNvPr id="95" name=""/>
-          <p:cNvSpPr txBox="1"/>
+          <p:cNvSpPr/>
           <p:nvPr/>
         </p:nvSpPr>
         <p:spPr>
           <a:xfrm>
             <a:off x="0" y="6511680"/>
-            <a:ext cx="752400" cy="346320"/>
-          </a:xfrm>
-          <a:prstGeom prst="rect">
-            <a:avLst/>
-          </a:prstGeom>
-          <a:noFill/>
-          <a:ln w="0">
-            <a:noFill/>
-          </a:ln>
-        </p:spPr>
+            <a:ext cx="752040" cy="345960"/>
+          </a:xfrm>
+          <a:prstGeom prst="rect">
+            <a:avLst/>
+          </a:prstGeom>
+          <a:noFill/>
+          <a:ln w="0">
+            <a:noFill/>
+          </a:ln>
+        </p:spPr>
+        <p:style>
+          <a:lnRef idx="0"/>
+          <a:fillRef idx="0"/>
+          <a:effectRef idx="0"/>
+          <a:fontRef idx="minor"/>
+        </p:style>
         <p:txBody>
           <a:bodyPr lIns="90000" rIns="90000" tIns="45000" bIns="45000" anchor="t">
             <a:noAutofit/>
           </a:bodyPr>
           <a:p>
+            <a:pPr>
+              <a:lnSpc>
+                <a:spcPct val="100000"/>
+              </a:lnSpc>
+              <a:buNone/>
+            </a:pPr>
             <a:r>
               <a:rPr b="0" lang="de-DE" sz="1800" spc="-1" strike="noStrike">
                 <a:latin typeface="Arial"/>
@@ -12331,7 +12945,7 @@
         <p:spPr>
           <a:xfrm>
             <a:off x="650160" y="459000"/>
-            <a:ext cx="10513080" cy="1323000"/>
+            <a:ext cx="10512720" cy="1322640"/>
           </a:xfrm>
           <a:prstGeom prst="rect">
             <a:avLst/>
@@ -12363,47 +12977,7 @@
                 <a:latin typeface="Play"/>
                 <a:ea typeface="Play"/>
               </a:rPr>
-              <a:t>Wha</a:t>
-            </a:r>
-            <a:r>
-              <a:rPr b="0" lang="en-US" sz="4400" spc="-1" strike="noStrike">
-                <a:solidFill>
-                  <a:srgbClr val="000000"/>
-                </a:solidFill>
-                <a:latin typeface="Play"/>
-                <a:ea typeface="Play"/>
-              </a:rPr>
-              <a:t>t is </a:t>
-            </a:r>
-            <a:r>
-              <a:rPr b="0" lang="en-US" sz="4400" spc="-1" strike="noStrike">
-                <a:solidFill>
-                  <a:srgbClr val="000000"/>
-                </a:solidFill>
-                <a:latin typeface="Play"/>
-                <a:ea typeface="Play"/>
-              </a:rPr>
-              <a:t>a </a:t>
-            </a:r>
-            <a:r>
-              <a:rPr b="0" lang="en-US" sz="4400" spc="-1" strike="noStrike">
-                <a:solidFill>
-                  <a:srgbClr val="000000"/>
-                </a:solidFill>
-                <a:latin typeface="Play"/>
-                <a:ea typeface="Play"/>
-              </a:rPr>
-              <a:t>grap</a:t>
-            </a:r>
-            <a:r>
-              <a:rPr b="0" lang="en-US" sz="4400" spc="-1" strike="noStrike">
-                <a:solidFill>
-                  <a:srgbClr val="000000"/>
-                </a:solidFill>
-                <a:latin typeface="Play"/>
-                <a:ea typeface="Play"/>
-              </a:rPr>
-              <a:t>h?</a:t>
+              <a:t>What is a graph?</a:t>
             </a:r>
             <a:endParaRPr b="0" lang="de-DE" sz="4400" spc="-1" strike="noStrike">
               <a:latin typeface="Arial"/>
@@ -12420,7 +12994,7 @@
         <p:spPr>
           <a:xfrm>
             <a:off x="0" y="5396760"/>
-            <a:ext cx="3045600" cy="1458720"/>
+            <a:ext cx="3045240" cy="1458360"/>
           </a:xfrm>
           <a:prstGeom prst="rtTriangle">
             <a:avLst/>
@@ -12451,7 +13025,7 @@
         <p:spPr>
           <a:xfrm>
             <a:off x="837720" y="1968120"/>
-            <a:ext cx="10517400" cy="2192760"/>
+            <a:ext cx="10517040" cy="2192760"/>
           </a:xfrm>
           <a:prstGeom prst="rect">
             <a:avLst/>
@@ -12622,7 +13196,7 @@
         <p:spPr>
           <a:xfrm>
             <a:off x="0" y="0"/>
-            <a:ext cx="7768080" cy="365760"/>
+            <a:ext cx="7767720" cy="365760"/>
           </a:xfrm>
           <a:prstGeom prst="rect">
             <a:avLst/>
@@ -12671,27 +13245,39 @@
       <p:sp>
         <p:nvSpPr>
           <p:cNvPr id="100" name=""/>
-          <p:cNvSpPr txBox="1"/>
+          <p:cNvSpPr/>
           <p:nvPr/>
         </p:nvSpPr>
         <p:spPr>
           <a:xfrm>
             <a:off x="0" y="6511680"/>
-            <a:ext cx="752400" cy="346320"/>
-          </a:xfrm>
-          <a:prstGeom prst="rect">
-            <a:avLst/>
-          </a:prstGeom>
-          <a:noFill/>
-          <a:ln w="0">
-            <a:noFill/>
-          </a:ln>
-        </p:spPr>
+            <a:ext cx="752040" cy="345960"/>
+          </a:xfrm>
+          <a:prstGeom prst="rect">
+            <a:avLst/>
+          </a:prstGeom>
+          <a:noFill/>
+          <a:ln w="0">
+            <a:noFill/>
+          </a:ln>
+        </p:spPr>
+        <p:style>
+          <a:lnRef idx="0"/>
+          <a:fillRef idx="0"/>
+          <a:effectRef idx="0"/>
+          <a:fontRef idx="minor"/>
+        </p:style>
         <p:txBody>
           <a:bodyPr lIns="90000" rIns="90000" tIns="45000" bIns="45000" anchor="t">
             <a:noAutofit/>
           </a:bodyPr>
           <a:p>
+            <a:pPr>
+              <a:lnSpc>
+                <a:spcPct val="100000"/>
+              </a:lnSpc>
+              <a:buNone/>
+            </a:pPr>
             <a:r>
               <a:rPr b="0" lang="de-DE" sz="1800" spc="-1" strike="noStrike">
                 <a:latin typeface="Arial"/>
@@ -12716,8 +13302,8 @@
         </p:blipFill>
         <p:spPr>
           <a:xfrm>
-            <a:off x="1686600" y="3780000"/>
-            <a:ext cx="3173400" cy="2100960"/>
+            <a:off x="4566960" y="3659400"/>
+            <a:ext cx="3173040" cy="2100600"/>
           </a:xfrm>
           <a:prstGeom prst="rect">
             <a:avLst/>
@@ -12730,27 +13316,39 @@
       <p:sp>
         <p:nvSpPr>
           <p:cNvPr id="102" name=""/>
-          <p:cNvSpPr txBox="1"/>
+          <p:cNvSpPr/>
           <p:nvPr/>
         </p:nvSpPr>
         <p:spPr>
           <a:xfrm>
-            <a:off x="2160000" y="5880960"/>
-            <a:ext cx="3260880" cy="232200"/>
-          </a:xfrm>
-          <a:prstGeom prst="rect">
-            <a:avLst/>
-          </a:prstGeom>
-          <a:noFill/>
-          <a:ln w="0">
-            <a:noFill/>
-          </a:ln>
-        </p:spPr>
+            <a:off x="4839480" y="5760000"/>
+            <a:ext cx="3260520" cy="231840"/>
+          </a:xfrm>
+          <a:prstGeom prst="rect">
+            <a:avLst/>
+          </a:prstGeom>
+          <a:noFill/>
+          <a:ln w="0">
+            <a:noFill/>
+          </a:ln>
+        </p:spPr>
+        <p:style>
+          <a:lnRef idx="0"/>
+          <a:fillRef idx="0"/>
+          <a:effectRef idx="0"/>
+          <a:fontRef idx="minor"/>
+        </p:style>
         <p:txBody>
           <a:bodyPr lIns="90000" rIns="90000" tIns="45000" bIns="45000" anchor="t">
             <a:noAutofit/>
           </a:bodyPr>
           <a:p>
+            <a:pPr>
+              <a:lnSpc>
+                <a:spcPct val="100000"/>
+              </a:lnSpc>
+              <a:buNone/>
+            </a:pPr>
             <a:r>
               <a:rPr b="0" lang="de-DE" sz="1000" spc="-1" strike="noStrike">
                 <a:solidFill>
@@ -12759,68 +13357,6 @@
                 <a:latin typeface="arial"/>
               </a:rPr>
               <a:t>User:AzaToth, Public domain, via Wikimedia Commons</a:t>
-            </a:r>
-            <a:endParaRPr b="0" lang="de-DE" sz="1000" spc="-1" strike="noStrike">
-              <a:latin typeface="Arial"/>
-            </a:endParaRPr>
-          </a:p>
-        </p:txBody>
-      </p:sp>
-      <p:pic>
-        <p:nvPicPr>
-          <p:cNvPr id="103" name="" descr=""/>
-          <p:cNvPicPr/>
-          <p:nvPr/>
-        </p:nvPicPr>
-        <p:blipFill>
-          <a:blip r:embed="rId3"/>
-          <a:stretch/>
-        </p:blipFill>
-        <p:spPr>
-          <a:xfrm>
-            <a:off x="7920000" y="3240000"/>
-            <a:ext cx="2880000" cy="2642040"/>
-          </a:xfrm>
-          <a:prstGeom prst="rect">
-            <a:avLst/>
-          </a:prstGeom>
-          <a:ln w="0">
-            <a:noFill/>
-          </a:ln>
-        </p:spPr>
-      </p:pic>
-      <p:sp>
-        <p:nvSpPr>
-          <p:cNvPr id="104" name=""/>
-          <p:cNvSpPr txBox="1"/>
-          <p:nvPr/>
-        </p:nvSpPr>
-        <p:spPr>
-          <a:xfrm>
-            <a:off x="7560000" y="5887800"/>
-            <a:ext cx="3596040" cy="232200"/>
-          </a:xfrm>
-          <a:prstGeom prst="rect">
-            <a:avLst/>
-          </a:prstGeom>
-          <a:noFill/>
-          <a:ln w="0">
-            <a:noFill/>
-          </a:ln>
-        </p:spPr>
-        <p:txBody>
-          <a:bodyPr lIns="90000" rIns="90000" tIns="45000" bIns="45000" anchor="t">
-            <a:noAutofit/>
-          </a:bodyPr>
-          <a:p>
-            <a:r>
-              <a:rPr b="0" lang="de-DE" sz="1000" spc="-1" strike="noStrike">
-                <a:solidFill>
-                  <a:srgbClr val="000000"/>
-                </a:solidFill>
-                <a:latin typeface="Arial"/>
-              </a:rPr>
-              <a:t>Computermacgyver, CC BY-SA 3.0, via Wikimedia Commons</a:t>
             </a:r>
             <a:endParaRPr b="0" lang="de-DE" sz="1000" spc="-1" strike="noStrike">
               <a:latin typeface="Arial"/>
@@ -12868,7 +13404,7 @@
       </p:grpSpPr>
       <p:sp>
         <p:nvSpPr>
-          <p:cNvPr id="105" name="PlaceHolder 1"/>
+          <p:cNvPr id="103" name="PlaceHolder 1"/>
           <p:cNvSpPr>
             <a:spLocks noGrp="1"/>
           </p:cNvSpPr>
@@ -12879,7 +13415,7 @@
         <p:spPr>
           <a:xfrm>
             <a:off x="650160" y="459000"/>
-            <a:ext cx="10513080" cy="1323000"/>
+            <a:ext cx="10512720" cy="1322640"/>
           </a:xfrm>
           <a:prstGeom prst="rect">
             <a:avLst/>
@@ -12921,14 +13457,14 @@
       </p:sp>
       <p:sp>
         <p:nvSpPr>
-          <p:cNvPr id="106" name="Google Shape;93;p 9"/>
+          <p:cNvPr id="104" name="Google Shape;93;p 9"/>
           <p:cNvSpPr/>
           <p:nvPr/>
         </p:nvSpPr>
         <p:spPr>
           <a:xfrm>
             <a:off x="0" y="5396760"/>
-            <a:ext cx="3045600" cy="1458720"/>
+            <a:ext cx="3045240" cy="1458360"/>
           </a:xfrm>
           <a:prstGeom prst="rtTriangle">
             <a:avLst/>
@@ -12952,14 +13488,14 @@
       </p:sp>
       <p:sp>
         <p:nvSpPr>
-          <p:cNvPr id="107" name="Google Shape;94;p 9"/>
+          <p:cNvPr id="105" name="Google Shape;94;p 9"/>
           <p:cNvSpPr/>
           <p:nvPr/>
         </p:nvSpPr>
         <p:spPr>
           <a:xfrm>
             <a:off x="837720" y="1968120"/>
-            <a:ext cx="10517400" cy="3015720"/>
+            <a:ext cx="10517040" cy="3015720"/>
           </a:xfrm>
           <a:prstGeom prst="rect">
             <a:avLst/>
@@ -13153,14 +13689,14 @@
       </p:sp>
       <p:sp>
         <p:nvSpPr>
-          <p:cNvPr id="108" name="Google Shape;97;p 9"/>
+          <p:cNvPr id="106" name="Google Shape;97;p 9"/>
           <p:cNvSpPr/>
           <p:nvPr/>
         </p:nvSpPr>
         <p:spPr>
           <a:xfrm>
             <a:off x="0" y="0"/>
-            <a:ext cx="7768080" cy="365760"/>
+            <a:ext cx="7767720" cy="365760"/>
           </a:xfrm>
           <a:prstGeom prst="rect">
             <a:avLst/>
@@ -13208,7 +13744,7 @@
       </p:sp>
       <p:pic>
         <p:nvPicPr>
-          <p:cNvPr id="109" name="" descr=""/>
+          <p:cNvPr id="107" name="" descr=""/>
           <p:cNvPicPr/>
           <p:nvPr/>
         </p:nvPicPr>
@@ -13219,7 +13755,7 @@
         <p:spPr>
           <a:xfrm>
             <a:off x="3780000" y="5027040"/>
-            <a:ext cx="2699280" cy="1535760"/>
+            <a:ext cx="2698920" cy="1535400"/>
           </a:xfrm>
           <a:prstGeom prst="rect">
             <a:avLst/>
@@ -13231,7 +13767,7 @@
       </p:pic>
       <p:pic>
         <p:nvPicPr>
-          <p:cNvPr id="110" name="" descr=""/>
+          <p:cNvPr id="108" name="" descr=""/>
           <p:cNvPicPr/>
           <p:nvPr/>
         </p:nvPicPr>
@@ -13242,7 +13778,7 @@
         <p:spPr>
           <a:xfrm>
             <a:off x="7380000" y="4993200"/>
-            <a:ext cx="2879280" cy="1638360"/>
+            <a:ext cx="2878920" cy="1638000"/>
           </a:xfrm>
           <a:prstGeom prst="rect">
             <a:avLst/>
@@ -13254,28 +13790,40 @@
       </p:pic>
       <p:sp>
         <p:nvSpPr>
-          <p:cNvPr id="111" name=""/>
-          <p:cNvSpPr txBox="1"/>
+          <p:cNvPr id="109" name=""/>
+          <p:cNvSpPr/>
           <p:nvPr/>
         </p:nvSpPr>
         <p:spPr>
           <a:xfrm>
             <a:off x="0" y="6511680"/>
-            <a:ext cx="752400" cy="346320"/>
-          </a:xfrm>
-          <a:prstGeom prst="rect">
-            <a:avLst/>
-          </a:prstGeom>
-          <a:noFill/>
-          <a:ln w="0">
-            <a:noFill/>
-          </a:ln>
-        </p:spPr>
+            <a:ext cx="752040" cy="345960"/>
+          </a:xfrm>
+          <a:prstGeom prst="rect">
+            <a:avLst/>
+          </a:prstGeom>
+          <a:noFill/>
+          <a:ln w="0">
+            <a:noFill/>
+          </a:ln>
+        </p:spPr>
+        <p:style>
+          <a:lnRef idx="0"/>
+          <a:fillRef idx="0"/>
+          <a:effectRef idx="0"/>
+          <a:fontRef idx="minor"/>
+        </p:style>
         <p:txBody>
           <a:bodyPr lIns="90000" rIns="90000" tIns="45000" bIns="45000" anchor="t">
             <a:noAutofit/>
           </a:bodyPr>
           <a:p>
+            <a:pPr>
+              <a:lnSpc>
+                <a:spcPct val="100000"/>
+              </a:lnSpc>
+              <a:buNone/>
+            </a:pPr>
             <a:r>
               <a:rPr b="0" lang="de-DE" sz="1800" spc="-1" strike="noStrike">
                 <a:latin typeface="Arial"/>
@@ -13290,28 +13838,40 @@
       </p:sp>
       <p:sp>
         <p:nvSpPr>
-          <p:cNvPr id="112" name=""/>
-          <p:cNvSpPr txBox="1"/>
+          <p:cNvPr id="110" name=""/>
+          <p:cNvSpPr/>
           <p:nvPr/>
         </p:nvSpPr>
         <p:spPr>
           <a:xfrm>
             <a:off x="6513840" y="6480000"/>
-            <a:ext cx="1226160" cy="232200"/>
-          </a:xfrm>
-          <a:prstGeom prst="rect">
-            <a:avLst/>
-          </a:prstGeom>
-          <a:noFill/>
-          <a:ln w="0">
-            <a:noFill/>
-          </a:ln>
-        </p:spPr>
+            <a:ext cx="1225800" cy="231840"/>
+          </a:xfrm>
+          <a:prstGeom prst="rect">
+            <a:avLst/>
+          </a:prstGeom>
+          <a:noFill/>
+          <a:ln w="0">
+            <a:noFill/>
+          </a:ln>
+        </p:spPr>
+        <p:style>
+          <a:lnRef idx="0"/>
+          <a:fillRef idx="0"/>
+          <a:effectRef idx="0"/>
+          <a:fontRef idx="minor"/>
+        </p:style>
         <p:txBody>
           <a:bodyPr lIns="90000" rIns="90000" tIns="45000" bIns="45000" anchor="t">
             <a:noAutofit/>
           </a:bodyPr>
           <a:p>
+            <a:pPr>
+              <a:lnSpc>
+                <a:spcPct val="100000"/>
+              </a:lnSpc>
+              <a:buNone/>
+            </a:pPr>
             <a:r>
               <a:rPr b="0" lang="de-DE" sz="1000" spc="-1" strike="noStrike">
                 <a:solidFill>
@@ -13322,7 +13882,7 @@
               <a:t>Presentation Code</a:t>
             </a:r>
             <a:endParaRPr b="0" lang="de-DE" sz="1000" spc="-1" strike="noStrike">
-              <a:latin typeface="arial"/>
+              <a:latin typeface="Arial"/>
             </a:endParaRPr>
           </a:p>
         </p:txBody>
@@ -13367,7 +13927,7 @@
       </p:grpSpPr>
       <p:sp>
         <p:nvSpPr>
-          <p:cNvPr id="113" name="PlaceHolder 1"/>
+          <p:cNvPr id="111" name="PlaceHolder 1"/>
           <p:cNvSpPr>
             <a:spLocks noGrp="1"/>
           </p:cNvSpPr>
@@ -13378,7 +13938,7 @@
         <p:spPr>
           <a:xfrm>
             <a:off x="650160" y="459000"/>
-            <a:ext cx="10513080" cy="1323000"/>
+            <a:ext cx="10512720" cy="1322640"/>
           </a:xfrm>
           <a:prstGeom prst="rect">
             <a:avLst/>
@@ -13420,14 +13980,14 @@
       </p:sp>
       <p:sp>
         <p:nvSpPr>
-          <p:cNvPr id="114" name="Google Shape;93;p 3"/>
+          <p:cNvPr id="112" name="Google Shape;93;p 3"/>
           <p:cNvSpPr/>
           <p:nvPr/>
         </p:nvSpPr>
         <p:spPr>
           <a:xfrm>
             <a:off x="0" y="5396760"/>
-            <a:ext cx="3045600" cy="1458720"/>
+            <a:ext cx="3045240" cy="1458360"/>
           </a:xfrm>
           <a:prstGeom prst="rtTriangle">
             <a:avLst/>
@@ -13451,14 +14011,14 @@
       </p:sp>
       <p:sp>
         <p:nvSpPr>
-          <p:cNvPr id="115" name="Google Shape;94;p 3"/>
+          <p:cNvPr id="113" name="Google Shape;94;p 3"/>
           <p:cNvSpPr/>
           <p:nvPr/>
         </p:nvSpPr>
         <p:spPr>
           <a:xfrm>
             <a:off x="837720" y="1968120"/>
-            <a:ext cx="10517400" cy="3655800"/>
+            <a:ext cx="10517040" cy="3655800"/>
           </a:xfrm>
           <a:prstGeom prst="rect">
             <a:avLst/>
@@ -13694,14 +14254,14 @@
       </p:sp>
       <p:sp>
         <p:nvSpPr>
-          <p:cNvPr id="116" name="Google Shape;97;p 3"/>
+          <p:cNvPr id="114" name="Google Shape;97;p 3"/>
           <p:cNvSpPr/>
           <p:nvPr/>
         </p:nvSpPr>
         <p:spPr>
           <a:xfrm>
             <a:off x="0" y="0"/>
-            <a:ext cx="7768080" cy="365760"/>
+            <a:ext cx="7767720" cy="365760"/>
           </a:xfrm>
           <a:prstGeom prst="rect">
             <a:avLst/>
@@ -13749,7 +14309,7 @@
       </p:sp>
       <p:pic>
         <p:nvPicPr>
-          <p:cNvPr id="117" name="" descr=""/>
+          <p:cNvPr id="115" name="" descr=""/>
           <p:cNvPicPr/>
           <p:nvPr/>
         </p:nvPicPr>
@@ -13760,7 +14320,7 @@
         <p:spPr>
           <a:xfrm>
             <a:off x="1620360" y="4680000"/>
-            <a:ext cx="5217840" cy="1405800"/>
+            <a:ext cx="5217480" cy="1405440"/>
           </a:xfrm>
           <a:prstGeom prst="rect">
             <a:avLst/>
@@ -13772,7 +14332,7 @@
       </p:pic>
       <p:pic>
         <p:nvPicPr>
-          <p:cNvPr id="118" name="" descr=""/>
+          <p:cNvPr id="116" name="" descr=""/>
           <p:cNvPicPr/>
           <p:nvPr/>
         </p:nvPicPr>
@@ -13783,7 +14343,7 @@
         <p:spPr>
           <a:xfrm>
             <a:off x="7740000" y="4680000"/>
-            <a:ext cx="4138200" cy="1210320"/>
+            <a:ext cx="4137840" cy="1209960"/>
           </a:xfrm>
           <a:prstGeom prst="rect">
             <a:avLst/>
@@ -13795,28 +14355,40 @@
       </p:pic>
       <p:sp>
         <p:nvSpPr>
-          <p:cNvPr id="119" name=""/>
-          <p:cNvSpPr txBox="1"/>
+          <p:cNvPr id="117" name=""/>
+          <p:cNvSpPr/>
           <p:nvPr/>
         </p:nvSpPr>
         <p:spPr>
           <a:xfrm>
             <a:off x="0" y="6511680"/>
-            <a:ext cx="752400" cy="346320"/>
-          </a:xfrm>
-          <a:prstGeom prst="rect">
-            <a:avLst/>
-          </a:prstGeom>
-          <a:noFill/>
-          <a:ln w="0">
-            <a:noFill/>
-          </a:ln>
-        </p:spPr>
+            <a:ext cx="752040" cy="345960"/>
+          </a:xfrm>
+          <a:prstGeom prst="rect">
+            <a:avLst/>
+          </a:prstGeom>
+          <a:noFill/>
+          <a:ln w="0">
+            <a:noFill/>
+          </a:ln>
+        </p:spPr>
+        <p:style>
+          <a:lnRef idx="0"/>
+          <a:fillRef idx="0"/>
+          <a:effectRef idx="0"/>
+          <a:fontRef idx="minor"/>
+        </p:style>
         <p:txBody>
           <a:bodyPr lIns="90000" rIns="90000" tIns="45000" bIns="45000" anchor="t">
             <a:noAutofit/>
           </a:bodyPr>
           <a:p>
+            <a:pPr>
+              <a:lnSpc>
+                <a:spcPct val="100000"/>
+              </a:lnSpc>
+              <a:buNone/>
+            </a:pPr>
             <a:r>
               <a:rPr b="0" lang="de-DE" sz="1800" spc="-1" strike="noStrike">
                 <a:latin typeface="Arial"/>
@@ -13831,28 +14403,40 @@
       </p:sp>
       <p:sp>
         <p:nvSpPr>
-          <p:cNvPr id="120" name=""/>
-          <p:cNvSpPr txBox="1"/>
+          <p:cNvPr id="118" name=""/>
+          <p:cNvSpPr/>
           <p:nvPr/>
         </p:nvSpPr>
         <p:spPr>
           <a:xfrm>
             <a:off x="3643920" y="6035760"/>
-            <a:ext cx="1226160" cy="232200"/>
-          </a:xfrm>
-          <a:prstGeom prst="rect">
-            <a:avLst/>
-          </a:prstGeom>
-          <a:noFill/>
-          <a:ln w="0">
-            <a:noFill/>
-          </a:ln>
-        </p:spPr>
+            <a:ext cx="1225800" cy="231840"/>
+          </a:xfrm>
+          <a:prstGeom prst="rect">
+            <a:avLst/>
+          </a:prstGeom>
+          <a:noFill/>
+          <a:ln w="0">
+            <a:noFill/>
+          </a:ln>
+        </p:spPr>
+        <p:style>
+          <a:lnRef idx="0"/>
+          <a:fillRef idx="0"/>
+          <a:effectRef idx="0"/>
+          <a:fontRef idx="minor"/>
+        </p:style>
         <p:txBody>
           <a:bodyPr lIns="90000" rIns="90000" tIns="45000" bIns="45000" anchor="t">
             <a:noAutofit/>
           </a:bodyPr>
           <a:p>
+            <a:pPr>
+              <a:lnSpc>
+                <a:spcPct val="100000"/>
+              </a:lnSpc>
+              <a:buNone/>
+            </a:pPr>
             <a:r>
               <a:rPr b="0" lang="de-DE" sz="1000" spc="-1" strike="noStrike">
                 <a:solidFill>
@@ -13863,35 +14447,47 @@
               <a:t>Presentation Code</a:t>
             </a:r>
             <a:endParaRPr b="0" lang="de-DE" sz="1000" spc="-1" strike="noStrike">
-              <a:latin typeface="arial"/>
-            </a:endParaRPr>
-          </a:p>
-        </p:txBody>
-      </p:sp>
-      <p:sp>
-        <p:nvSpPr>
-          <p:cNvPr id="121" name=""/>
-          <p:cNvSpPr txBox="1"/>
+              <a:latin typeface="Arial"/>
+            </a:endParaRPr>
+          </a:p>
+        </p:txBody>
+      </p:sp>
+      <p:sp>
+        <p:nvSpPr>
+          <p:cNvPr id="119" name=""/>
+          <p:cNvSpPr/>
           <p:nvPr/>
         </p:nvSpPr>
         <p:spPr>
           <a:xfrm>
             <a:off x="9033840" y="5890320"/>
-            <a:ext cx="1226160" cy="232200"/>
-          </a:xfrm>
-          <a:prstGeom prst="rect">
-            <a:avLst/>
-          </a:prstGeom>
-          <a:noFill/>
-          <a:ln w="0">
-            <a:noFill/>
-          </a:ln>
-        </p:spPr>
+            <a:ext cx="1225800" cy="231840"/>
+          </a:xfrm>
+          <a:prstGeom prst="rect">
+            <a:avLst/>
+          </a:prstGeom>
+          <a:noFill/>
+          <a:ln w="0">
+            <a:noFill/>
+          </a:ln>
+        </p:spPr>
+        <p:style>
+          <a:lnRef idx="0"/>
+          <a:fillRef idx="0"/>
+          <a:effectRef idx="0"/>
+          <a:fontRef idx="minor"/>
+        </p:style>
         <p:txBody>
           <a:bodyPr lIns="90000" rIns="90000" tIns="45000" bIns="45000" anchor="t">
             <a:noAutofit/>
           </a:bodyPr>
           <a:p>
+            <a:pPr>
+              <a:lnSpc>
+                <a:spcPct val="100000"/>
+              </a:lnSpc>
+              <a:buNone/>
+            </a:pPr>
             <a:r>
               <a:rPr b="0" lang="de-DE" sz="1000" spc="-1" strike="noStrike">
                 <a:solidFill>
@@ -13902,7 +14498,7 @@
               <a:t>Presentation Code</a:t>
             </a:r>
             <a:endParaRPr b="0" lang="de-DE" sz="1000" spc="-1" strike="noStrike">
-              <a:latin typeface="arial"/>
+              <a:latin typeface="Arial"/>
             </a:endParaRPr>
           </a:p>
         </p:txBody>
@@ -13947,7 +14543,7 @@
       </p:grpSpPr>
       <p:sp>
         <p:nvSpPr>
-          <p:cNvPr id="122" name="PlaceHolder 1"/>
+          <p:cNvPr id="120" name="PlaceHolder 1"/>
           <p:cNvSpPr>
             <a:spLocks noGrp="1"/>
           </p:cNvSpPr>
@@ -13958,7 +14554,7 @@
         <p:spPr>
           <a:xfrm>
             <a:off x="650160" y="459000"/>
-            <a:ext cx="10513080" cy="1323000"/>
+            <a:ext cx="10512720" cy="1322640"/>
           </a:xfrm>
           <a:prstGeom prst="rect">
             <a:avLst/>
@@ -13990,7 +14586,17 @@
                 <a:latin typeface="Play"/>
                 <a:ea typeface="Play"/>
               </a:rPr>
-              <a:t>Graph Representation Learning - GNNs</a:t>
+              <a:t>Graph Representation Learning - </a:t>
+            </a:r>
+            <a:r>
+              <a:rPr b="0" lang="en-US" sz="4400" spc="-1" strike="noStrike">
+                <a:solidFill>
+                  <a:srgbClr val="000000"/>
+                </a:solidFill>
+                <a:latin typeface="Play"/>
+                <a:ea typeface="Play"/>
+              </a:rPr>
+              <a:t>GNNs</a:t>
             </a:r>
             <a:endParaRPr b="0" lang="de-DE" sz="4400" spc="-1" strike="noStrike">
               <a:latin typeface="Arial"/>
@@ -14000,14 +14606,14 @@
       </p:sp>
       <p:sp>
         <p:nvSpPr>
-          <p:cNvPr id="123" name="Google Shape;93;p 5"/>
+          <p:cNvPr id="121" name="Google Shape;93;p 5"/>
           <p:cNvSpPr/>
           <p:nvPr/>
         </p:nvSpPr>
         <p:spPr>
           <a:xfrm>
             <a:off x="0" y="5396760"/>
-            <a:ext cx="3045600" cy="1458720"/>
+            <a:ext cx="3045240" cy="1458360"/>
           </a:xfrm>
           <a:prstGeom prst="rtTriangle">
             <a:avLst/>
@@ -14031,14 +14637,14 @@
       </p:sp>
       <p:sp>
         <p:nvSpPr>
-          <p:cNvPr id="124" name="Google Shape;94;p 5"/>
+          <p:cNvPr id="122" name="Google Shape;94;p 5"/>
           <p:cNvSpPr/>
           <p:nvPr/>
         </p:nvSpPr>
         <p:spPr>
           <a:xfrm>
             <a:off x="837720" y="1968120"/>
-            <a:ext cx="10517400" cy="729720"/>
+            <a:ext cx="10517040" cy="729720"/>
           </a:xfrm>
           <a:prstGeom prst="rect">
             <a:avLst/>
@@ -14090,14 +14696,14 @@
       </p:sp>
       <p:sp>
         <p:nvSpPr>
-          <p:cNvPr id="125" name="Google Shape;97;p 5"/>
+          <p:cNvPr id="123" name="Google Shape;97;p 5"/>
           <p:cNvSpPr/>
           <p:nvPr/>
         </p:nvSpPr>
         <p:spPr>
           <a:xfrm>
             <a:off x="0" y="0"/>
-            <a:ext cx="7768080" cy="365760"/>
+            <a:ext cx="7767720" cy="365760"/>
           </a:xfrm>
           <a:prstGeom prst="rect">
             <a:avLst/>
@@ -14145,14 +14751,14 @@
       </p:sp>
       <p:sp>
         <p:nvSpPr>
-          <p:cNvPr id="126" name="Google Shape;94;p 4"/>
+          <p:cNvPr id="124" name="Google Shape;94;p 4"/>
           <p:cNvSpPr/>
           <p:nvPr/>
         </p:nvSpPr>
         <p:spPr>
           <a:xfrm>
             <a:off x="837720" y="1968120"/>
-            <a:ext cx="10517400" cy="2924280"/>
+            <a:ext cx="10517040" cy="3290040"/>
           </a:xfrm>
           <a:prstGeom prst="rect">
             <a:avLst/>
@@ -14326,7 +14932,7 @@
                 <a:latin typeface="Arial"/>
                 <a:ea typeface="Arial"/>
               </a:rPr>
-              <a:t>Instead of using neighboring pixels, the adjacency matrix is used</a:t>
+              <a:t>Instead of using neighboring pixels, the adjacency matrix, which contains the edges, is used</a:t>
             </a:r>
             <a:endParaRPr b="0" lang="de-DE" sz="2400" spc="-1" strike="noStrike">
               <a:latin typeface="Arial"/>
@@ -14388,28 +14994,40 @@
       </p:sp>
       <p:sp>
         <p:nvSpPr>
-          <p:cNvPr id="127" name=""/>
-          <p:cNvSpPr txBox="1"/>
+          <p:cNvPr id="125" name=""/>
+          <p:cNvSpPr/>
           <p:nvPr/>
         </p:nvSpPr>
         <p:spPr>
           <a:xfrm>
             <a:off x="0" y="6511680"/>
-            <a:ext cx="752400" cy="346320"/>
-          </a:xfrm>
-          <a:prstGeom prst="rect">
-            <a:avLst/>
-          </a:prstGeom>
-          <a:noFill/>
-          <a:ln w="0">
-            <a:noFill/>
-          </a:ln>
-        </p:spPr>
+            <a:ext cx="752040" cy="345960"/>
+          </a:xfrm>
+          <a:prstGeom prst="rect">
+            <a:avLst/>
+          </a:prstGeom>
+          <a:noFill/>
+          <a:ln w="0">
+            <a:noFill/>
+          </a:ln>
+        </p:spPr>
+        <p:style>
+          <a:lnRef idx="0"/>
+          <a:fillRef idx="0"/>
+          <a:effectRef idx="0"/>
+          <a:fontRef idx="minor"/>
+        </p:style>
         <p:txBody>
           <a:bodyPr lIns="90000" rIns="90000" tIns="45000" bIns="45000" anchor="t">
             <a:noAutofit/>
           </a:bodyPr>
           <a:p>
+            <a:pPr>
+              <a:lnSpc>
+                <a:spcPct val="100000"/>
+              </a:lnSpc>
+              <a:buNone/>
+            </a:pPr>
             <a:r>
               <a:rPr b="0" lang="de-DE" sz="1800" spc="-1" strike="noStrike">
                 <a:latin typeface="Arial"/>
@@ -14417,6 +15035,80 @@
               <a:t>7 / 24</a:t>
             </a:r>
             <a:endParaRPr b="0" lang="de-DE" sz="1800" spc="-1" strike="noStrike">
+              <a:latin typeface="Arial"/>
+            </a:endParaRPr>
+          </a:p>
+        </p:txBody>
+      </p:sp>
+      <p:pic>
+        <p:nvPicPr>
+          <p:cNvPr id="126" name="" descr=""/>
+          <p:cNvPicPr/>
+          <p:nvPr/>
+        </p:nvPicPr>
+        <p:blipFill>
+          <a:blip r:embed="rId2"/>
+          <a:stretch/>
+        </p:blipFill>
+        <p:spPr>
+          <a:xfrm>
+            <a:off x="2880000" y="4262400"/>
+            <a:ext cx="1972080" cy="2037600"/>
+          </a:xfrm>
+          <a:prstGeom prst="rect">
+            <a:avLst/>
+          </a:prstGeom>
+          <a:ln w="0">
+            <a:noFill/>
+          </a:ln>
+        </p:spPr>
+      </p:pic>
+      <p:sp>
+        <p:nvSpPr>
+          <p:cNvPr id="127" name=""/>
+          <p:cNvSpPr/>
+          <p:nvPr/>
+        </p:nvSpPr>
+        <p:spPr>
+          <a:xfrm>
+            <a:off x="2637720" y="6300000"/>
+            <a:ext cx="2582280" cy="231840"/>
+          </a:xfrm>
+          <a:prstGeom prst="rect">
+            <a:avLst/>
+          </a:prstGeom>
+          <a:noFill/>
+          <a:ln w="0">
+            <a:noFill/>
+          </a:ln>
+        </p:spPr>
+        <p:style>
+          <a:lnRef idx="0"/>
+          <a:fillRef idx="0"/>
+          <a:effectRef idx="0"/>
+          <a:fontRef idx="minor"/>
+        </p:style>
+        <p:txBody>
+          <a:bodyPr lIns="90000" rIns="90000" tIns="45000" bIns="45000" anchor="t">
+            <a:noAutofit/>
+          </a:bodyPr>
+          <a:p>
+            <a:pPr>
+              <a:lnSpc>
+                <a:spcPct val="100000"/>
+              </a:lnSpc>
+              <a:buNone/>
+            </a:pPr>
+            <a:r>
+              <a:rPr b="0" lang="de-DE" sz="1000" spc="-1" strike="noStrike">
+                <a:solidFill>
+                  <a:srgbClr val="000000"/>
+                </a:solidFill>
+                <a:latin typeface="arial"/>
+              </a:rPr>
+              <a:t>By NickDiCicco - Own work, CC BY-SA 4.0</a:t>
+            </a:r>
+            <a:endParaRPr b="0" lang="de-DE" sz="1000" spc="-1" strike="noStrike">
               <a:latin typeface="Arial"/>
             </a:endParaRPr>
           </a:p>
@@ -14429,75 +15121,13 @@
           <p:nvPr/>
         </p:nvPicPr>
         <p:blipFill>
-          <a:blip r:embed="rId2"/>
-          <a:stretch/>
-        </p:blipFill>
-        <p:spPr>
-          <a:xfrm>
-            <a:off x="2880000" y="4140000"/>
-            <a:ext cx="1972440" cy="2037960"/>
-          </a:xfrm>
-          <a:prstGeom prst="rect">
-            <a:avLst/>
-          </a:prstGeom>
-          <a:ln w="0">
-            <a:noFill/>
-          </a:ln>
-        </p:spPr>
-      </p:pic>
-      <p:sp>
-        <p:nvSpPr>
-          <p:cNvPr id="129" name=""/>
-          <p:cNvSpPr txBox="1"/>
-          <p:nvPr/>
-        </p:nvSpPr>
-        <p:spPr>
-          <a:xfrm>
-            <a:off x="2637360" y="6247800"/>
-            <a:ext cx="2582640" cy="232200"/>
-          </a:xfrm>
-          <a:prstGeom prst="rect">
-            <a:avLst/>
-          </a:prstGeom>
-          <a:noFill/>
-          <a:ln w="0">
-            <a:noFill/>
-          </a:ln>
-        </p:spPr>
-        <p:txBody>
-          <a:bodyPr lIns="90000" rIns="90000" tIns="45000" bIns="45000" anchor="t">
-            <a:noAutofit/>
-          </a:bodyPr>
-          <a:p>
-            <a:r>
-              <a:rPr b="0" lang="de-DE" sz="1000" spc="-1" strike="noStrike">
-                <a:solidFill>
-                  <a:srgbClr val="000000"/>
-                </a:solidFill>
-                <a:latin typeface="arial"/>
-              </a:rPr>
-              <a:t>By NickDiCicco - Own work, CC BY-SA 4.0</a:t>
-            </a:r>
-            <a:endParaRPr b="0" lang="de-DE" sz="1000" spc="-1" strike="noStrike">
-              <a:latin typeface="Arial"/>
-            </a:endParaRPr>
-          </a:p>
-        </p:txBody>
-      </p:sp>
-      <p:pic>
-        <p:nvPicPr>
-          <p:cNvPr id="130" name="" descr=""/>
-          <p:cNvPicPr/>
-          <p:nvPr/>
-        </p:nvPicPr>
-        <p:blipFill>
           <a:blip r:embed="rId3"/>
           <a:stretch/>
         </p:blipFill>
         <p:spPr>
           <a:xfrm>
-            <a:off x="5909400" y="4320000"/>
-            <a:ext cx="5070600" cy="1304280"/>
+            <a:off x="5909760" y="4860000"/>
+            <a:ext cx="5070240" cy="1303920"/>
           </a:xfrm>
           <a:prstGeom prst="rect">
             <a:avLst/>
@@ -14509,28 +15139,40 @@
       </p:pic>
       <p:sp>
         <p:nvSpPr>
-          <p:cNvPr id="131" name=""/>
-          <p:cNvSpPr txBox="1"/>
+          <p:cNvPr id="129" name=""/>
+          <p:cNvSpPr/>
           <p:nvPr/>
         </p:nvSpPr>
         <p:spPr>
           <a:xfrm>
-            <a:off x="7020000" y="5707800"/>
-            <a:ext cx="2582640" cy="232200"/>
-          </a:xfrm>
-          <a:prstGeom prst="rect">
-            <a:avLst/>
-          </a:prstGeom>
-          <a:noFill/>
-          <a:ln w="0">
-            <a:noFill/>
-          </a:ln>
-        </p:spPr>
+            <a:off x="7317720" y="6248160"/>
+            <a:ext cx="2582280" cy="231840"/>
+          </a:xfrm>
+          <a:prstGeom prst="rect">
+            <a:avLst/>
+          </a:prstGeom>
+          <a:noFill/>
+          <a:ln w="0">
+            <a:noFill/>
+          </a:ln>
+        </p:spPr>
+        <p:style>
+          <a:lnRef idx="0"/>
+          <a:fillRef idx="0"/>
+          <a:effectRef idx="0"/>
+          <a:fontRef idx="minor"/>
+        </p:style>
         <p:txBody>
           <a:bodyPr lIns="90000" rIns="90000" tIns="45000" bIns="45000" anchor="t">
             <a:noAutofit/>
           </a:bodyPr>
           <a:p>
+            <a:pPr>
+              <a:lnSpc>
+                <a:spcPct val="100000"/>
+              </a:lnSpc>
+              <a:buNone/>
+            </a:pPr>
             <a:r>
               <a:rPr b="0" lang="de-DE" sz="1000" spc="-1" strike="noStrike">
                 <a:solidFill>
@@ -14586,7 +15228,7 @@
       </p:grpSpPr>
       <p:sp>
         <p:nvSpPr>
-          <p:cNvPr id="132" name="PlaceHolder 1"/>
+          <p:cNvPr id="130" name="PlaceHolder 1"/>
           <p:cNvSpPr>
             <a:spLocks noGrp="1"/>
           </p:cNvSpPr>
@@ -14597,7 +15239,7 @@
         <p:spPr>
           <a:xfrm>
             <a:off x="838440" y="0"/>
-            <a:ext cx="10513080" cy="6856200"/>
+            <a:ext cx="10512720" cy="6855840"/>
           </a:xfrm>
           <a:prstGeom prst="rect">
             <a:avLst/>
@@ -14629,7 +15271,217 @@
                 <a:latin typeface="Play"/>
                 <a:ea typeface="Play"/>
               </a:rPr>
-              <a:t>2 The Successful Diffusion Model</a:t>
+              <a:t>2 </a:t>
+            </a:r>
+            <a:r>
+              <a:rPr b="0" lang="en-US" sz="4400" spc="-1" strike="noStrike">
+                <a:solidFill>
+                  <a:srgbClr val="000000"/>
+                </a:solidFill>
+                <a:latin typeface="Play"/>
+                <a:ea typeface="Play"/>
+              </a:rPr>
+              <a:t>T</a:t>
+            </a:r>
+            <a:r>
+              <a:rPr b="0" lang="en-US" sz="4400" spc="-1" strike="noStrike">
+                <a:solidFill>
+                  <a:srgbClr val="000000"/>
+                </a:solidFill>
+                <a:latin typeface="Play"/>
+                <a:ea typeface="Play"/>
+              </a:rPr>
+              <a:t>h</a:t>
+            </a:r>
+            <a:r>
+              <a:rPr b="0" lang="en-US" sz="4400" spc="-1" strike="noStrike">
+                <a:solidFill>
+                  <a:srgbClr val="000000"/>
+                </a:solidFill>
+                <a:latin typeface="Play"/>
+                <a:ea typeface="Play"/>
+              </a:rPr>
+              <a:t>e </a:t>
+            </a:r>
+            <a:r>
+              <a:rPr b="0" lang="en-US" sz="4400" spc="-1" strike="noStrike">
+                <a:solidFill>
+                  <a:srgbClr val="000000"/>
+                </a:solidFill>
+                <a:latin typeface="Play"/>
+                <a:ea typeface="Play"/>
+              </a:rPr>
+              <a:t>S</a:t>
+            </a:r>
+            <a:r>
+              <a:rPr b="0" lang="en-US" sz="4400" spc="-1" strike="noStrike">
+                <a:solidFill>
+                  <a:srgbClr val="000000"/>
+                </a:solidFill>
+                <a:latin typeface="Play"/>
+                <a:ea typeface="Play"/>
+              </a:rPr>
+              <a:t>u</a:t>
+            </a:r>
+            <a:r>
+              <a:rPr b="0" lang="en-US" sz="4400" spc="-1" strike="noStrike">
+                <a:solidFill>
+                  <a:srgbClr val="000000"/>
+                </a:solidFill>
+                <a:latin typeface="Play"/>
+                <a:ea typeface="Play"/>
+              </a:rPr>
+              <a:t>c</a:t>
+            </a:r>
+            <a:r>
+              <a:rPr b="0" lang="en-US" sz="4400" spc="-1" strike="noStrike">
+                <a:solidFill>
+                  <a:srgbClr val="000000"/>
+                </a:solidFill>
+                <a:latin typeface="Play"/>
+                <a:ea typeface="Play"/>
+              </a:rPr>
+              <a:t>c</a:t>
+            </a:r>
+            <a:r>
+              <a:rPr b="0" lang="en-US" sz="4400" spc="-1" strike="noStrike">
+                <a:solidFill>
+                  <a:srgbClr val="000000"/>
+                </a:solidFill>
+                <a:latin typeface="Play"/>
+                <a:ea typeface="Play"/>
+              </a:rPr>
+              <a:t>e</a:t>
+            </a:r>
+            <a:r>
+              <a:rPr b="0" lang="en-US" sz="4400" spc="-1" strike="noStrike">
+                <a:solidFill>
+                  <a:srgbClr val="000000"/>
+                </a:solidFill>
+                <a:latin typeface="Play"/>
+                <a:ea typeface="Play"/>
+              </a:rPr>
+              <a:t>s</a:t>
+            </a:r>
+            <a:r>
+              <a:rPr b="0" lang="en-US" sz="4400" spc="-1" strike="noStrike">
+                <a:solidFill>
+                  <a:srgbClr val="000000"/>
+                </a:solidFill>
+                <a:latin typeface="Play"/>
+                <a:ea typeface="Play"/>
+              </a:rPr>
+              <a:t>sf</a:t>
+            </a:r>
+            <a:r>
+              <a:rPr b="0" lang="en-US" sz="4400" spc="-1" strike="noStrike">
+                <a:solidFill>
+                  <a:srgbClr val="000000"/>
+                </a:solidFill>
+                <a:latin typeface="Play"/>
+                <a:ea typeface="Play"/>
+              </a:rPr>
+              <a:t>ul </a:t>
+            </a:r>
+            <a:r>
+              <a:rPr b="0" lang="en-US" sz="4400" spc="-1" strike="noStrike">
+                <a:solidFill>
+                  <a:srgbClr val="000000"/>
+                </a:solidFill>
+                <a:latin typeface="Play"/>
+                <a:ea typeface="Play"/>
+              </a:rPr>
+              <a:t>D</a:t>
+            </a:r>
+            <a:r>
+              <a:rPr b="0" lang="en-US" sz="4400" spc="-1" strike="noStrike">
+                <a:solidFill>
+                  <a:srgbClr val="000000"/>
+                </a:solidFill>
+                <a:latin typeface="Play"/>
+                <a:ea typeface="Play"/>
+              </a:rPr>
+              <a:t>iff</a:t>
+            </a:r>
+            <a:r>
+              <a:rPr b="0" lang="en-US" sz="4400" spc="-1" strike="noStrike">
+                <a:solidFill>
+                  <a:srgbClr val="000000"/>
+                </a:solidFill>
+                <a:latin typeface="Play"/>
+                <a:ea typeface="Play"/>
+              </a:rPr>
+              <a:t>u</a:t>
+            </a:r>
+            <a:r>
+              <a:rPr b="0" lang="en-US" sz="4400" spc="-1" strike="noStrike">
+                <a:solidFill>
+                  <a:srgbClr val="000000"/>
+                </a:solidFill>
+                <a:latin typeface="Play"/>
+                <a:ea typeface="Play"/>
+              </a:rPr>
+              <a:t>si</a:t>
+            </a:r>
+            <a:r>
+              <a:rPr b="0" lang="en-US" sz="4400" spc="-1" strike="noStrike">
+                <a:solidFill>
+                  <a:srgbClr val="000000"/>
+                </a:solidFill>
+                <a:latin typeface="Play"/>
+                <a:ea typeface="Play"/>
+              </a:rPr>
+              <a:t>o</a:t>
+            </a:r>
+            <a:r>
+              <a:rPr b="0" lang="en-US" sz="4400" spc="-1" strike="noStrike">
+                <a:solidFill>
+                  <a:srgbClr val="000000"/>
+                </a:solidFill>
+                <a:latin typeface="Play"/>
+                <a:ea typeface="Play"/>
+              </a:rPr>
+              <a:t>n </a:t>
+            </a:r>
+            <a:r>
+              <a:rPr b="0" lang="en-US" sz="4400" spc="-1" strike="noStrike">
+                <a:solidFill>
+                  <a:srgbClr val="000000"/>
+                </a:solidFill>
+                <a:latin typeface="Play"/>
+                <a:ea typeface="Play"/>
+              </a:rPr>
+              <a:t>M</a:t>
+            </a:r>
+            <a:r>
+              <a:rPr b="0" lang="en-US" sz="4400" spc="-1" strike="noStrike">
+                <a:solidFill>
+                  <a:srgbClr val="000000"/>
+                </a:solidFill>
+                <a:latin typeface="Play"/>
+                <a:ea typeface="Play"/>
+              </a:rPr>
+              <a:t>o</a:t>
+            </a:r>
+            <a:r>
+              <a:rPr b="0" lang="en-US" sz="4400" spc="-1" strike="noStrike">
+                <a:solidFill>
+                  <a:srgbClr val="000000"/>
+                </a:solidFill>
+                <a:latin typeface="Play"/>
+                <a:ea typeface="Play"/>
+              </a:rPr>
+              <a:t>d</a:t>
+            </a:r>
+            <a:r>
+              <a:rPr b="0" lang="en-US" sz="4400" spc="-1" strike="noStrike">
+                <a:solidFill>
+                  <a:srgbClr val="000000"/>
+                </a:solidFill>
+                <a:latin typeface="Play"/>
+                <a:ea typeface="Play"/>
+              </a:rPr>
+              <a:t>el</a:t>
             </a:r>
             <a:endParaRPr b="0" lang="de-DE" sz="4400" spc="-1" strike="noStrike">
               <a:latin typeface="Arial"/>
@@ -14639,14 +15491,14 @@
       </p:sp>
       <p:sp>
         <p:nvSpPr>
-          <p:cNvPr id="133" name="Google Shape;93;p 4"/>
+          <p:cNvPr id="131" name="Google Shape;93;p 4"/>
           <p:cNvSpPr/>
           <p:nvPr/>
         </p:nvSpPr>
         <p:spPr>
           <a:xfrm>
             <a:off x="0" y="5396760"/>
-            <a:ext cx="3045600" cy="1458720"/>
+            <a:ext cx="3045240" cy="1458360"/>
           </a:xfrm>
           <a:prstGeom prst="rtTriangle">
             <a:avLst/>
@@ -14670,14 +15522,14 @@
       </p:sp>
       <p:sp>
         <p:nvSpPr>
-          <p:cNvPr id="134" name="Google Shape;94;p 25"/>
+          <p:cNvPr id="132" name="Google Shape;94;p 25"/>
           <p:cNvSpPr/>
           <p:nvPr/>
         </p:nvSpPr>
         <p:spPr>
           <a:xfrm>
             <a:off x="837720" y="1968120"/>
-            <a:ext cx="10517400" cy="729720"/>
+            <a:ext cx="10517040" cy="729720"/>
           </a:xfrm>
           <a:prstGeom prst="rect">
             <a:avLst/>
@@ -14729,14 +15581,14 @@
       </p:sp>
       <p:sp>
         <p:nvSpPr>
-          <p:cNvPr id="135" name="Google Shape;97;p 4"/>
+          <p:cNvPr id="133" name="Google Shape;97;p 4"/>
           <p:cNvSpPr/>
           <p:nvPr/>
         </p:nvSpPr>
         <p:spPr>
           <a:xfrm>
             <a:off x="0" y="0"/>
-            <a:ext cx="7768080" cy="365760"/>
+            <a:ext cx="7767720" cy="365760"/>
           </a:xfrm>
           <a:prstGeom prst="rect">
             <a:avLst/>
@@ -14784,28 +15636,40 @@
       </p:sp>
       <p:sp>
         <p:nvSpPr>
-          <p:cNvPr id="136" name=""/>
-          <p:cNvSpPr txBox="1"/>
+          <p:cNvPr id="134" name=""/>
+          <p:cNvSpPr/>
           <p:nvPr/>
         </p:nvSpPr>
         <p:spPr>
           <a:xfrm>
             <a:off x="0" y="6511680"/>
-            <a:ext cx="752400" cy="346320"/>
-          </a:xfrm>
-          <a:prstGeom prst="rect">
-            <a:avLst/>
-          </a:prstGeom>
-          <a:noFill/>
-          <a:ln w="0">
-            <a:noFill/>
-          </a:ln>
-        </p:spPr>
+            <a:ext cx="752040" cy="345960"/>
+          </a:xfrm>
+          <a:prstGeom prst="rect">
+            <a:avLst/>
+          </a:prstGeom>
+          <a:noFill/>
+          <a:ln w="0">
+            <a:noFill/>
+          </a:ln>
+        </p:spPr>
+        <p:style>
+          <a:lnRef idx="0"/>
+          <a:fillRef idx="0"/>
+          <a:effectRef idx="0"/>
+          <a:fontRef idx="minor"/>
+        </p:style>
         <p:txBody>
           <a:bodyPr lIns="90000" rIns="90000" tIns="45000" bIns="45000" anchor="t">
             <a:noAutofit/>
           </a:bodyPr>
           <a:p>
+            <a:pPr>
+              <a:lnSpc>
+                <a:spcPct val="100000"/>
+              </a:lnSpc>
+              <a:buNone/>
+            </a:pPr>
             <a:r>
               <a:rPr b="0" lang="de-DE" sz="1800" spc="-1" strike="noStrike">
                 <a:latin typeface="Arial"/>
@@ -14858,7 +15722,7 @@
       </p:grpSpPr>
       <p:sp>
         <p:nvSpPr>
-          <p:cNvPr id="137" name="PlaceHolder 1"/>
+          <p:cNvPr id="135" name="PlaceHolder 1"/>
           <p:cNvSpPr>
             <a:spLocks noGrp="1"/>
           </p:cNvSpPr>
@@ -14869,7 +15733,7 @@
         <p:spPr>
           <a:xfrm>
             <a:off x="650160" y="459000"/>
-            <a:ext cx="10513080" cy="1323000"/>
+            <a:ext cx="10512720" cy="1322640"/>
           </a:xfrm>
           <a:prstGeom prst="rect">
             <a:avLst/>
@@ -14911,14 +15775,14 @@
       </p:sp>
       <p:sp>
         <p:nvSpPr>
-          <p:cNvPr id="138" name="Google Shape;93;p 6"/>
+          <p:cNvPr id="136" name="Google Shape;93;p 6"/>
           <p:cNvSpPr/>
           <p:nvPr/>
         </p:nvSpPr>
         <p:spPr>
           <a:xfrm>
             <a:off x="0" y="5396760"/>
-            <a:ext cx="3045600" cy="1458720"/>
+            <a:ext cx="3045240" cy="1458360"/>
           </a:xfrm>
           <a:prstGeom prst="rtTriangle">
             <a:avLst/>
@@ -14942,14 +15806,14 @@
       </p:sp>
       <p:sp>
         <p:nvSpPr>
-          <p:cNvPr id="139" name="Google Shape;94;p 6"/>
+          <p:cNvPr id="137" name="Google Shape;94;p 6"/>
           <p:cNvSpPr/>
           <p:nvPr/>
         </p:nvSpPr>
         <p:spPr>
           <a:xfrm>
             <a:off x="837720" y="1968120"/>
-            <a:ext cx="10517400" cy="2467080"/>
+            <a:ext cx="10517040" cy="1736280"/>
           </a:xfrm>
           <a:prstGeom prst="rect">
             <a:avLst/>
@@ -14992,12 +15856,12 @@
             <a:r>
               <a:rPr b="0" lang="en-US" sz="2400" spc="-1" strike="noStrike">
                 <a:solidFill>
-                  <a:srgbClr val="000000"/>
+                  <a:srgbClr val="7d330d"/>
                 </a:solidFill>
                 <a:latin typeface="Arial"/>
                 <a:ea typeface="Arial"/>
               </a:rPr>
-              <a:t> </a:t>
+              <a:t> </a:t>
             </a:r>
             <a:r>
               <a:rPr b="0" lang="en-US" sz="2400" spc="-1" strike="noStrike">
@@ -15007,14 +15871,14 @@
                 <a:latin typeface="Arial"/>
                 <a:ea typeface="Arial"/>
               </a:rPr>
-              <a:t>Originally from thermodynamics</a:t>
+              <a:t>Introduced to Machine Learning only recently (Ho et al., 2020), but has become the standard for image generation beating former SOTA technology (Dhariwal et al., 2021)</a:t>
             </a:r>
             <a:endParaRPr b="0" lang="de-DE" sz="2400" spc="-1" strike="noStrike">
               <a:latin typeface="Arial"/>
             </a:endParaRPr>
           </a:p>
           <a:p>
-            <a:pPr>
+            <a:pPr marL="285840" indent="-171360">
               <a:lnSpc>
                 <a:spcPct val="100000"/>
               </a:lnSpc>
@@ -15023,22 +15887,12 @@
                 <a:tab algn="l" pos="0"/>
               </a:tabLst>
             </a:pPr>
-            <a:r>
-              <a:rPr b="0" lang="en-US" sz="2400" spc="-1" strike="noStrike">
-                <a:solidFill>
-                  <a:srgbClr val="000000"/>
-                </a:solidFill>
-                <a:latin typeface="Arial"/>
-                <a:ea typeface="Arial"/>
-              </a:rPr>
-              <a:t>    </a:t>
-            </a:r>
-            <a:endParaRPr b="0" lang="de-DE" sz="2400" spc="-1" strike="noStrike">
-              <a:latin typeface="Arial"/>
-            </a:endParaRPr>
-          </a:p>
-          <a:p>
-            <a:pPr>
+            <a:endParaRPr b="0" lang="de-DE" sz="1800" spc="-1" strike="noStrike">
+              <a:latin typeface="Arial"/>
+            </a:endParaRPr>
+          </a:p>
+          <a:p>
+            <a:pPr marL="285840" indent="-171360">
               <a:lnSpc>
                 <a:spcPct val="100000"/>
               </a:lnSpc>
@@ -15047,80 +15901,22 @@
                 <a:tab algn="l" pos="0"/>
               </a:tabLst>
             </a:pPr>
-            <a:r>
-              <a:rPr b="0" lang="en-US" sz="2400" spc="-1" strike="noStrike">
-                <a:solidFill>
-                  <a:srgbClr val="c25014"/>
-                </a:solidFill>
-                <a:latin typeface="Arial"/>
-                <a:ea typeface="Arial"/>
-              </a:rPr>
-              <a:t>►</a:t>
-            </a:r>
-            <a:r>
-              <a:rPr b="0" lang="en-US" sz="2400" spc="-1" strike="noStrike">
-                <a:solidFill>
-                  <a:srgbClr val="7d330d"/>
-                </a:solidFill>
-                <a:latin typeface="Arial"/>
-                <a:ea typeface="Arial"/>
-              </a:rPr>
-              <a:t> </a:t>
-            </a:r>
-            <a:r>
-              <a:rPr b="0" lang="en-US" sz="2400" spc="-1" strike="noStrike">
-                <a:solidFill>
-                  <a:srgbClr val="000000"/>
-                </a:solidFill>
-                <a:latin typeface="Arial"/>
-                <a:ea typeface="Arial"/>
-              </a:rPr>
-              <a:t>Introduced to Machine Learning only recently (Ho et al., 2020), but has become the standard for image generation beating former SOTA technology (Dhariwal et al., 2021)</a:t>
-            </a:r>
-            <a:endParaRPr b="0" lang="de-DE" sz="2400" spc="-1" strike="noStrike">
-              <a:latin typeface="Arial"/>
-            </a:endParaRPr>
-          </a:p>
-          <a:p>
-            <a:pPr marL="285840" indent="-171360">
-              <a:lnSpc>
-                <a:spcPct val="100000"/>
-              </a:lnSpc>
-              <a:buNone/>
-              <a:tabLst>
-                <a:tab algn="l" pos="0"/>
-              </a:tabLst>
-            </a:pPr>
             <a:endParaRPr b="0" lang="de-DE" sz="1800" spc="-1" strike="noStrike">
               <a:latin typeface="Arial"/>
             </a:endParaRPr>
           </a:p>
-          <a:p>
-            <a:pPr marL="285840" indent="-171360">
-              <a:lnSpc>
-                <a:spcPct val="100000"/>
-              </a:lnSpc>
-              <a:buNone/>
-              <a:tabLst>
-                <a:tab algn="l" pos="0"/>
-              </a:tabLst>
-            </a:pPr>
-            <a:endParaRPr b="0" lang="de-DE" sz="1800" spc="-1" strike="noStrike">
-              <a:latin typeface="Arial"/>
-            </a:endParaRPr>
-          </a:p>
-        </p:txBody>
-      </p:sp>
-      <p:sp>
-        <p:nvSpPr>
-          <p:cNvPr id="140" name="Google Shape;97;p 6"/>
+        </p:txBody>
+      </p:sp>
+      <p:sp>
+        <p:nvSpPr>
+          <p:cNvPr id="138" name="Google Shape;97;p 6"/>
           <p:cNvSpPr/>
           <p:nvPr/>
         </p:nvSpPr>
         <p:spPr>
           <a:xfrm>
             <a:off x="0" y="0"/>
-            <a:ext cx="7768080" cy="365760"/>
+            <a:ext cx="7767720" cy="365760"/>
           </a:xfrm>
           <a:prstGeom prst="rect">
             <a:avLst/>
@@ -15168,7 +15964,7 @@
       </p:sp>
       <p:pic>
         <p:nvPicPr>
-          <p:cNvPr id="141" name="" descr=""/>
+          <p:cNvPr id="139" name="" descr=""/>
           <p:cNvPicPr/>
           <p:nvPr/>
         </p:nvPicPr>
@@ -15178,8 +15974,8 @@
         </p:blipFill>
         <p:spPr>
           <a:xfrm>
-            <a:off x="5220000" y="3600000"/>
-            <a:ext cx="5973480" cy="1485720"/>
+            <a:off x="3240000" y="3060000"/>
+            <a:ext cx="8100000" cy="2014200"/>
           </a:xfrm>
           <a:prstGeom prst="rect">
             <a:avLst/>
@@ -15191,7 +15987,7 @@
       </p:pic>
       <p:pic>
         <p:nvPicPr>
-          <p:cNvPr id="142" name="" descr=""/>
+          <p:cNvPr id="140" name="" descr=""/>
           <p:cNvPicPr/>
           <p:nvPr/>
         </p:nvPicPr>
@@ -15201,8 +15997,8 @@
         </p:blipFill>
         <p:spPr>
           <a:xfrm>
-            <a:off x="3240000" y="5475600"/>
-            <a:ext cx="6479640" cy="1103760"/>
+            <a:off x="2976840" y="5301000"/>
+            <a:ext cx="6923160" cy="1179000"/>
           </a:xfrm>
           <a:prstGeom prst="rect">
             <a:avLst/>
@@ -15214,28 +16010,40 @@
       </p:pic>
       <p:sp>
         <p:nvSpPr>
-          <p:cNvPr id="143" name=""/>
-          <p:cNvSpPr txBox="1"/>
+          <p:cNvPr id="141" name=""/>
+          <p:cNvSpPr/>
           <p:nvPr/>
         </p:nvSpPr>
         <p:spPr>
           <a:xfrm>
             <a:off x="0" y="6511680"/>
-            <a:ext cx="752400" cy="346320"/>
-          </a:xfrm>
-          <a:prstGeom prst="rect">
-            <a:avLst/>
-          </a:prstGeom>
-          <a:noFill/>
-          <a:ln w="0">
-            <a:noFill/>
-          </a:ln>
-        </p:spPr>
+            <a:ext cx="752040" cy="345960"/>
+          </a:xfrm>
+          <a:prstGeom prst="rect">
+            <a:avLst/>
+          </a:prstGeom>
+          <a:noFill/>
+          <a:ln w="0">
+            <a:noFill/>
+          </a:ln>
+        </p:spPr>
+        <p:style>
+          <a:lnRef idx="0"/>
+          <a:fillRef idx="0"/>
+          <a:effectRef idx="0"/>
+          <a:fontRef idx="minor"/>
+        </p:style>
         <p:txBody>
           <a:bodyPr lIns="90000" rIns="90000" tIns="45000" bIns="45000" anchor="t">
             <a:noAutofit/>
           </a:bodyPr>
           <a:p>
+            <a:pPr>
+              <a:lnSpc>
+                <a:spcPct val="100000"/>
+              </a:lnSpc>
+              <a:buNone/>
+            </a:pPr>
             <a:r>
               <a:rPr b="0" lang="de-DE" sz="1800" spc="-1" strike="noStrike">
                 <a:latin typeface="Arial"/>
@@ -15250,28 +16058,40 @@
       </p:sp>
       <p:sp>
         <p:nvSpPr>
-          <p:cNvPr id="144" name=""/>
-          <p:cNvSpPr txBox="1"/>
+          <p:cNvPr id="142" name=""/>
+          <p:cNvSpPr/>
           <p:nvPr/>
         </p:nvSpPr>
         <p:spPr>
           <a:xfrm>
-            <a:off x="10080000" y="5085720"/>
-            <a:ext cx="1000800" cy="232200"/>
-          </a:xfrm>
-          <a:prstGeom prst="rect">
-            <a:avLst/>
-          </a:prstGeom>
-          <a:noFill/>
-          <a:ln w="0">
-            <a:noFill/>
-          </a:ln>
-        </p:spPr>
+            <a:off x="10260000" y="4988160"/>
+            <a:ext cx="1000440" cy="231840"/>
+          </a:xfrm>
+          <a:prstGeom prst="rect">
+            <a:avLst/>
+          </a:prstGeom>
+          <a:noFill/>
+          <a:ln w="0">
+            <a:noFill/>
+          </a:ln>
+        </p:spPr>
+        <p:style>
+          <a:lnRef idx="0"/>
+          <a:fillRef idx="0"/>
+          <a:effectRef idx="0"/>
+          <a:fontRef idx="minor"/>
+        </p:style>
         <p:txBody>
           <a:bodyPr lIns="90000" rIns="90000" tIns="45000" bIns="45000" anchor="t">
             <a:noAutofit/>
           </a:bodyPr>
           <a:p>
+            <a:pPr>
+              <a:lnSpc>
+                <a:spcPct val="100000"/>
+              </a:lnSpc>
+              <a:buNone/>
+            </a:pPr>
             <a:r>
               <a:rPr b="0" lang="de-DE" sz="1000" spc="-1" strike="noStrike">
                 <a:solidFill>
@@ -15289,28 +16109,40 @@
       </p:sp>
       <p:sp>
         <p:nvSpPr>
-          <p:cNvPr id="145" name=""/>
-          <p:cNvSpPr txBox="1"/>
+          <p:cNvPr id="143" name=""/>
+          <p:cNvSpPr/>
           <p:nvPr/>
         </p:nvSpPr>
         <p:spPr>
           <a:xfrm>
             <a:off x="8640000" y="6480000"/>
-            <a:ext cx="1000800" cy="232200"/>
-          </a:xfrm>
-          <a:prstGeom prst="rect">
-            <a:avLst/>
-          </a:prstGeom>
-          <a:noFill/>
-          <a:ln w="0">
-            <a:noFill/>
-          </a:ln>
-        </p:spPr>
+            <a:ext cx="1000440" cy="231840"/>
+          </a:xfrm>
+          <a:prstGeom prst="rect">
+            <a:avLst/>
+          </a:prstGeom>
+          <a:noFill/>
+          <a:ln w="0">
+            <a:noFill/>
+          </a:ln>
+        </p:spPr>
+        <p:style>
+          <a:lnRef idx="0"/>
+          <a:fillRef idx="0"/>
+          <a:effectRef idx="0"/>
+          <a:fontRef idx="minor"/>
+        </p:style>
         <p:txBody>
           <a:bodyPr lIns="90000" rIns="90000" tIns="45000" bIns="45000" anchor="t">
             <a:noAutofit/>
           </a:bodyPr>
           <a:p>
+            <a:pPr>
+              <a:lnSpc>
+                <a:spcPct val="100000"/>
+              </a:lnSpc>
+              <a:buNone/>
+            </a:pPr>
             <a:r>
               <a:rPr b="0" lang="de-DE" sz="1000" spc="-1" strike="noStrike">
                 <a:solidFill>

--- a/presentation.pptx
+++ b/presentation.pptx
@@ -87,7 +87,7 @@
         <p:txBody>
           <a:bodyPr/>
           <a:p>
-            <a:fld id="{3B0B7038-D557-4CCB-82A0-7CC63AC1D681}" type="slidenum">
+            <a:fld id="{367C07E6-D948-45DB-B2F7-20FF0F9F4B43}" type="slidenum">
               <a:t>&lt;#&gt;</a:t>
             </a:fld>
           </a:p>
@@ -275,7 +275,7 @@
         <p:txBody>
           <a:bodyPr/>
           <a:p>
-            <a:fld id="{D28E943E-113A-4FA3-83FE-11B1CBF049B9}" type="slidenum">
+            <a:fld id="{F1FE3FD7-61C9-4A68-8C82-858F919BAF83}" type="slidenum">
               <a:t>&lt;#&gt;</a:t>
             </a:fld>
           </a:p>
@@ -531,7 +531,7 @@
         <p:txBody>
           <a:bodyPr/>
           <a:p>
-            <a:fld id="{4F5A8B5C-D807-4064-AA5E-3DB0B2F8790B}" type="slidenum">
+            <a:fld id="{E90EC367-11EB-4F93-8DCF-780CB964969B}" type="slidenum">
               <a:t>&lt;#&gt;</a:t>
             </a:fld>
           </a:p>
@@ -855,7 +855,7 @@
         <p:txBody>
           <a:bodyPr/>
           <a:p>
-            <a:fld id="{3E4E1079-A4A9-435F-AEBD-67EFD1D17F87}" type="slidenum">
+            <a:fld id="{1EF1389B-C5E0-4827-8D02-3F3B2AA6CC44}" type="slidenum">
               <a:t>&lt;#&gt;</a:t>
             </a:fld>
           </a:p>
@@ -938,7 +938,7 @@
         <p:txBody>
           <a:bodyPr/>
           <a:p>
-            <a:fld id="{005D35EA-BEF4-4B8D-B516-52DC4A654AB9}" type="slidenum">
+            <a:fld id="{3B6EAD5F-E775-4566-A9F7-C1AF49D27400}" type="slidenum">
               <a:t>&lt;#&gt;</a:t>
             </a:fld>
           </a:p>
@@ -1095,7 +1095,7 @@
         <p:txBody>
           <a:bodyPr/>
           <a:p>
-            <a:fld id="{6D6831FE-151C-4090-BAA2-DA8B3CF50658}" type="slidenum">
+            <a:fld id="{DFFDFE7B-C6D8-4DCD-BC91-B55B0C5AEA1F}" type="slidenum">
               <a:t>&lt;#&gt;</a:t>
             </a:fld>
           </a:p>
@@ -1249,7 +1249,7 @@
         <p:txBody>
           <a:bodyPr/>
           <a:p>
-            <a:fld id="{1DA59995-753E-491B-B140-289B7FE4FBDC}" type="slidenum">
+            <a:fld id="{A7103D4C-66EC-4193-B09D-B36AEB28F798}" type="slidenum">
               <a:t>&lt;#&gt;</a:t>
             </a:fld>
           </a:p>
@@ -1437,7 +1437,7 @@
         <p:txBody>
           <a:bodyPr/>
           <a:p>
-            <a:fld id="{2BA77ECA-C5C4-4D90-9CE2-D7BFC4E04175}" type="slidenum">
+            <a:fld id="{5F4E0D49-EACE-4D0B-B55D-8942816D62AF}" type="slidenum">
               <a:t>&lt;#&gt;</a:t>
             </a:fld>
           </a:p>
@@ -1557,7 +1557,7 @@
         <p:txBody>
           <a:bodyPr/>
           <a:p>
-            <a:fld id="{E7A43D6D-A1AB-4FF0-B1AD-00FF3C751CA9}" type="slidenum">
+            <a:fld id="{B5E34C12-8E10-480C-A3CD-1DFDDF19A1E1}" type="slidenum">
               <a:t>&lt;#&gt;</a:t>
             </a:fld>
           </a:p>
@@ -1677,7 +1677,7 @@
         <p:txBody>
           <a:bodyPr/>
           <a:p>
-            <a:fld id="{4B328457-BD9A-4A49-B3E8-5D1B422C2730}" type="slidenum">
+            <a:fld id="{B211AD3C-1DBD-426B-B95C-C44CFAD49140}" type="slidenum">
               <a:t>&lt;#&gt;</a:t>
             </a:fld>
           </a:p>
@@ -1899,7 +1899,7 @@
         <p:txBody>
           <a:bodyPr/>
           <a:p>
-            <a:fld id="{18706981-030D-428F-84AB-098A09A76E0C}" type="slidenum">
+            <a:fld id="{F3BB6AF3-A0E2-4C88-A004-2C3C5B122690}" type="slidenum">
               <a:t>&lt;#&gt;</a:t>
             </a:fld>
           </a:p>
@@ -2056,7 +2056,7 @@
         <p:txBody>
           <a:bodyPr/>
           <a:p>
-            <a:fld id="{4253B78F-40CF-4ABB-A8A0-EBA347A9DC96}" type="slidenum">
+            <a:fld id="{14CFA3A7-489F-4BDD-9949-EA64B5AEE3B2}" type="slidenum">
               <a:t>&lt;#&gt;</a:t>
             </a:fld>
           </a:p>
@@ -2278,7 +2278,7 @@
         <p:txBody>
           <a:bodyPr/>
           <a:p>
-            <a:fld id="{00D418C3-A08E-4D5E-9C4A-343BFED53E14}" type="slidenum">
+            <a:fld id="{2CC19B8F-BBE7-4208-921A-C4D3C3368C68}" type="slidenum">
               <a:t>&lt;#&gt;</a:t>
             </a:fld>
           </a:p>
@@ -2500,7 +2500,7 @@
         <p:txBody>
           <a:bodyPr/>
           <a:p>
-            <a:fld id="{FBD93156-211E-4C0F-92F1-4AE563677951}" type="slidenum">
+            <a:fld id="{07F815AA-6C67-4D6B-A5C6-7A1E0A9AF111}" type="slidenum">
               <a:t>&lt;#&gt;</a:t>
             </a:fld>
           </a:p>
@@ -2688,7 +2688,7 @@
         <p:txBody>
           <a:bodyPr/>
           <a:p>
-            <a:fld id="{A038BC4B-0FDA-4287-A8B2-598BAC01BD82}" type="slidenum">
+            <a:fld id="{CEF85A48-88AE-4F81-8D4B-876890739741}" type="slidenum">
               <a:t>&lt;#&gt;</a:t>
             </a:fld>
           </a:p>
@@ -2944,7 +2944,7 @@
         <p:txBody>
           <a:bodyPr/>
           <a:p>
-            <a:fld id="{7177D5AF-31B8-400F-B2BB-4F72EAE2899B}" type="slidenum">
+            <a:fld id="{117E097C-3B00-4DB5-A86C-CA5D0FECCF3B}" type="slidenum">
               <a:t>&lt;#&gt;</a:t>
             </a:fld>
           </a:p>
@@ -3268,7 +3268,7 @@
         <p:txBody>
           <a:bodyPr/>
           <a:p>
-            <a:fld id="{581D94B8-DD41-4B19-BCA8-1348B59F6F54}" type="slidenum">
+            <a:fld id="{32DD22C6-C46E-49C7-9E32-A5379B86E465}" type="slidenum">
               <a:t>&lt;#&gt;</a:t>
             </a:fld>
           </a:p>
@@ -3422,7 +3422,7 @@
         <p:txBody>
           <a:bodyPr/>
           <a:p>
-            <a:fld id="{3B203484-6E41-4903-A244-178F8B632973}" type="slidenum">
+            <a:fld id="{D63717B9-6E95-4C61-BE1F-780CFEAEA322}" type="slidenum">
               <a:t>&lt;#&gt;</a:t>
             </a:fld>
           </a:p>
@@ -3610,7 +3610,7 @@
         <p:txBody>
           <a:bodyPr/>
           <a:p>
-            <a:fld id="{CBC249F8-EC73-491D-8770-763040BFEBD1}" type="slidenum">
+            <a:fld id="{5172D66C-F733-4AE1-A2B9-E6E071705F45}" type="slidenum">
               <a:t>&lt;#&gt;</a:t>
             </a:fld>
           </a:p>
@@ -3730,7 +3730,7 @@
         <p:txBody>
           <a:bodyPr/>
           <a:p>
-            <a:fld id="{EF1DCA5B-9D9D-4D6A-8F7F-39B7A04D412E}" type="slidenum">
+            <a:fld id="{CD768BD6-D406-4EEC-BFCE-E74312282ADD}" type="slidenum">
               <a:t>&lt;#&gt;</a:t>
             </a:fld>
           </a:p>
@@ -3850,7 +3850,7 @@
         <p:txBody>
           <a:bodyPr/>
           <a:p>
-            <a:fld id="{3098AE76-D1E0-4792-8362-353E2AB28BCB}" type="slidenum">
+            <a:fld id="{8FF49ABB-7EC8-4966-931A-310716E5E45C}" type="slidenum">
               <a:t>&lt;#&gt;</a:t>
             </a:fld>
           </a:p>
@@ -4072,7 +4072,7 @@
         <p:txBody>
           <a:bodyPr/>
           <a:p>
-            <a:fld id="{E167D219-5D11-4C00-8B41-4B4C327C89D6}" type="slidenum">
+            <a:fld id="{AE9E61CF-53EA-4B65-A3C0-0A6B8EE39A71}" type="slidenum">
               <a:t>&lt;#&gt;</a:t>
             </a:fld>
           </a:p>
@@ -4294,7 +4294,7 @@
         <p:txBody>
           <a:bodyPr/>
           <a:p>
-            <a:fld id="{66DDC9F2-A23A-4965-95E7-B131896B33A5}" type="slidenum">
+            <a:fld id="{1DE5E199-33CE-4CF4-BF38-73C1C86BF5CE}" type="slidenum">
               <a:t>&lt;#&gt;</a:t>
             </a:fld>
           </a:p>
@@ -4516,7 +4516,7 @@
         <p:txBody>
           <a:bodyPr/>
           <a:p>
-            <a:fld id="{2A3CC2AB-173F-4E7A-B0C8-5DEAAFC4C248}" type="slidenum">
+            <a:fld id="{87FCA928-D514-4C2B-8170-7F6049BFC36E}" type="slidenum">
               <a:t>&lt;#&gt;</a:t>
             </a:fld>
           </a:p>
@@ -4684,7 +4684,7 @@
                 <a:tab algn="l" pos="0"/>
               </a:tabLst>
             </a:pPr>
-            <a:fld id="{92663F84-10E9-4EFC-8A97-5C946AC2CF4E}" type="slidenum">
+            <a:fld id="{AD52911E-510E-4E87-BC3C-FEA78E8C1535}" type="slidenum">
               <a:rPr b="0" lang="en-US" sz="1200" spc="-1" strike="noStrike">
                 <a:solidFill>
                   <a:srgbClr val="757575"/>
@@ -5129,7 +5129,7 @@
                 <a:tab algn="l" pos="0"/>
               </a:tabLst>
             </a:pPr>
-            <a:fld id="{07F6870B-7C96-4FFA-8796-7C699FC73E58}" type="slidenum">
+            <a:fld id="{A43C3983-ED39-4D57-9057-EADA07B67357}" type="slidenum">
               <a:rPr b="0" lang="en-US" sz="1200" spc="-1" strike="noStrike">
                 <a:solidFill>
                   <a:srgbClr val="757575"/>
@@ -9406,7 +9406,7 @@
         <p:spPr>
           <a:xfrm>
             <a:off x="837720" y="1968120"/>
-            <a:ext cx="10517040" cy="3381480"/>
+            <a:ext cx="10517040" cy="2284920"/>
           </a:xfrm>
           <a:prstGeom prst="rect">
             <a:avLst/>
@@ -9465,64 +9465,6 @@
                 <a:ea typeface="Arial"/>
               </a:rPr>
               <a:t>The paper compares multiple State-Of-The-Art models with DDMs</a:t>
-            </a:r>
-            <a:endParaRPr b="0" lang="de-DE" sz="2400" spc="-1" strike="noStrike">
-              <a:latin typeface="Arial"/>
-            </a:endParaRPr>
-          </a:p>
-          <a:p>
-            <a:pPr>
-              <a:lnSpc>
-                <a:spcPct val="100000"/>
-              </a:lnSpc>
-              <a:buNone/>
-              <a:tabLst>
-                <a:tab algn="l" pos="0"/>
-              </a:tabLst>
-            </a:pPr>
-            <a:endParaRPr b="0" lang="de-DE" sz="2400" spc="-1" strike="noStrike">
-              <a:latin typeface="Arial"/>
-            </a:endParaRPr>
-          </a:p>
-          <a:p>
-            <a:pPr>
-              <a:lnSpc>
-                <a:spcPct val="100000"/>
-              </a:lnSpc>
-              <a:buNone/>
-              <a:tabLst>
-                <a:tab algn="l" pos="0"/>
-              </a:tabLst>
-            </a:pPr>
-            <a:r>
-              <a:rPr b="0" lang="en-US" sz="2400" spc="-1" strike="noStrike">
-                <a:solidFill>
-                  <a:srgbClr val="c25014"/>
-                </a:solidFill>
-                <a:latin typeface="Arial"/>
-                <a:ea typeface="Arial"/>
-              </a:rPr>
-              <a:t>►</a:t>
-            </a:r>
-            <a:r>
-              <a:rPr b="0" lang="en-US" sz="2400" spc="-1" strike="noStrike">
-                <a:solidFill>
-                  <a:srgbClr val="000000"/>
-                </a:solidFill>
-                <a:latin typeface="Arial"/>
-                <a:ea typeface="Arial"/>
-              </a:rPr>
-              <a:t> </a:t>
-            </a:r>
-            <a:r>
-              <a:rPr b="0" lang="en-US" sz="2400" spc="-1" strike="noStrike">
-                <a:solidFill>
-                  <a:srgbClr val="000000"/>
-                </a:solidFill>
-                <a:latin typeface="Arial"/>
-                <a:ea typeface="Arial"/>
-              </a:rPr>
-              <a:t>The hyperparameters of the DDM were obtained by 10-fold cross validation</a:t>
             </a:r>
             <a:endParaRPr b="0" lang="de-DE" sz="2400" spc="-1" strike="noStrike">
               <a:latin typeface="Arial"/>
@@ -11455,7 +11397,7 @@
                 <a:latin typeface="Arial"/>
                 <a:ea typeface="Arial"/>
               </a:rPr>
-              <a:t>The benchmarks are remarkable</a:t>
+              <a:t>As mentioned, the technology introduced holds great potential for the future </a:t>
             </a:r>
             <a:endParaRPr b="0" lang="de-DE" sz="2400" spc="-1" strike="noStrike">
               <a:latin typeface="Arial"/>
@@ -11513,7 +11455,7 @@
                 <a:latin typeface="Arial"/>
                 <a:ea typeface="Arial"/>
               </a:rPr>
-              <a:t>As mentioned, the technology introduced holds great potential for the future </a:t>
+              <a:t>The benchmarks are remarkable</a:t>
             </a:r>
             <a:endParaRPr b="0" lang="de-DE" sz="2400" spc="-1" strike="noStrike">
               <a:latin typeface="Arial"/>
@@ -12443,257 +12385,7 @@
                 <a:latin typeface="Play"/>
                 <a:ea typeface="Play"/>
               </a:rPr>
-              <a:t>1 </a:t>
-            </a:r>
-            <a:r>
-              <a:rPr b="0" lang="en-US" sz="4400" spc="-1" strike="noStrike">
-                <a:solidFill>
-                  <a:srgbClr val="000000"/>
-                </a:solidFill>
-                <a:latin typeface="Play"/>
-                <a:ea typeface="Play"/>
-              </a:rPr>
-              <a:t>W</a:t>
-            </a:r>
-            <a:r>
-              <a:rPr b="0" lang="en-US" sz="4400" spc="-1" strike="noStrike">
-                <a:solidFill>
-                  <a:srgbClr val="000000"/>
-                </a:solidFill>
-                <a:latin typeface="Play"/>
-                <a:ea typeface="Play"/>
-              </a:rPr>
-              <a:t>h</a:t>
-            </a:r>
-            <a:r>
-              <a:rPr b="0" lang="en-US" sz="4400" spc="-1" strike="noStrike">
-                <a:solidFill>
-                  <a:srgbClr val="000000"/>
-                </a:solidFill>
-                <a:latin typeface="Play"/>
-                <a:ea typeface="Play"/>
-              </a:rPr>
-              <a:t>at </a:t>
-            </a:r>
-            <a:r>
-              <a:rPr b="0" lang="en-US" sz="4400" spc="-1" strike="noStrike">
-                <a:solidFill>
-                  <a:srgbClr val="000000"/>
-                </a:solidFill>
-                <a:latin typeface="Play"/>
-                <a:ea typeface="Play"/>
-              </a:rPr>
-              <a:t>is </a:t>
-            </a:r>
-            <a:r>
-              <a:rPr b="0" lang="en-US" sz="4400" spc="-1" strike="noStrike">
-                <a:solidFill>
-                  <a:srgbClr val="000000"/>
-                </a:solidFill>
-                <a:latin typeface="Play"/>
-                <a:ea typeface="Play"/>
-              </a:rPr>
-              <a:t>G</a:t>
-            </a:r>
-            <a:r>
-              <a:rPr b="0" lang="en-US" sz="4400" spc="-1" strike="noStrike">
-                <a:solidFill>
-                  <a:srgbClr val="000000"/>
-                </a:solidFill>
-                <a:latin typeface="Play"/>
-                <a:ea typeface="Play"/>
-              </a:rPr>
-              <a:t>ra</a:t>
-            </a:r>
-            <a:r>
-              <a:rPr b="0" lang="en-US" sz="4400" spc="-1" strike="noStrike">
-                <a:solidFill>
-                  <a:srgbClr val="000000"/>
-                </a:solidFill>
-                <a:latin typeface="Play"/>
-                <a:ea typeface="Play"/>
-              </a:rPr>
-              <a:t>p</a:t>
-            </a:r>
-            <a:r>
-              <a:rPr b="0" lang="en-US" sz="4400" spc="-1" strike="noStrike">
-                <a:solidFill>
-                  <a:srgbClr val="000000"/>
-                </a:solidFill>
-                <a:latin typeface="Play"/>
-                <a:ea typeface="Play"/>
-              </a:rPr>
-              <a:t>h </a:t>
-            </a:r>
-            <a:r>
-              <a:rPr b="0" lang="en-US" sz="4400" spc="-1" strike="noStrike">
-                <a:solidFill>
-                  <a:srgbClr val="000000"/>
-                </a:solidFill>
-                <a:latin typeface="Play"/>
-                <a:ea typeface="Play"/>
-              </a:rPr>
-              <a:t>R</a:t>
-            </a:r>
-            <a:r>
-              <a:rPr b="0" lang="en-US" sz="4400" spc="-1" strike="noStrike">
-                <a:solidFill>
-                  <a:srgbClr val="000000"/>
-                </a:solidFill>
-                <a:latin typeface="Play"/>
-                <a:ea typeface="Play"/>
-              </a:rPr>
-              <a:t>e</a:t>
-            </a:r>
-            <a:r>
-              <a:rPr b="0" lang="en-US" sz="4400" spc="-1" strike="noStrike">
-                <a:solidFill>
-                  <a:srgbClr val="000000"/>
-                </a:solidFill>
-                <a:latin typeface="Play"/>
-                <a:ea typeface="Play"/>
-              </a:rPr>
-              <a:t>pr</a:t>
-            </a:r>
-            <a:r>
-              <a:rPr b="0" lang="en-US" sz="4400" spc="-1" strike="noStrike">
-                <a:solidFill>
-                  <a:srgbClr val="000000"/>
-                </a:solidFill>
-                <a:latin typeface="Play"/>
-                <a:ea typeface="Play"/>
-              </a:rPr>
-              <a:t>e</a:t>
-            </a:r>
-            <a:r>
-              <a:rPr b="0" lang="en-US" sz="4400" spc="-1" strike="noStrike">
-                <a:solidFill>
-                  <a:srgbClr val="000000"/>
-                </a:solidFill>
-                <a:latin typeface="Play"/>
-                <a:ea typeface="Play"/>
-              </a:rPr>
-              <a:t>s</a:t>
-            </a:r>
-            <a:r>
-              <a:rPr b="0" lang="en-US" sz="4400" spc="-1" strike="noStrike">
-                <a:solidFill>
-                  <a:srgbClr val="000000"/>
-                </a:solidFill>
-                <a:latin typeface="Play"/>
-                <a:ea typeface="Play"/>
-              </a:rPr>
-              <a:t>e</a:t>
-            </a:r>
-            <a:r>
-              <a:rPr b="0" lang="en-US" sz="4400" spc="-1" strike="noStrike">
-                <a:solidFill>
-                  <a:srgbClr val="000000"/>
-                </a:solidFill>
-                <a:latin typeface="Play"/>
-                <a:ea typeface="Play"/>
-              </a:rPr>
-              <a:t>nt</a:t>
-            </a:r>
-            <a:r>
-              <a:rPr b="0" lang="en-US" sz="4400" spc="-1" strike="noStrike">
-                <a:solidFill>
-                  <a:srgbClr val="000000"/>
-                </a:solidFill>
-                <a:latin typeface="Play"/>
-                <a:ea typeface="Play"/>
-              </a:rPr>
-              <a:t>at</a:t>
-            </a:r>
-            <a:r>
-              <a:rPr b="0" lang="en-US" sz="4400" spc="-1" strike="noStrike">
-                <a:solidFill>
-                  <a:srgbClr val="000000"/>
-                </a:solidFill>
-                <a:latin typeface="Play"/>
-                <a:ea typeface="Play"/>
-              </a:rPr>
-              <a:t>io</a:t>
-            </a:r>
-            <a:r>
-              <a:rPr b="0" lang="en-US" sz="4400" spc="-1" strike="noStrike">
-                <a:solidFill>
-                  <a:srgbClr val="000000"/>
-                </a:solidFill>
-                <a:latin typeface="Play"/>
-                <a:ea typeface="Play"/>
-              </a:rPr>
-              <a:t>n </a:t>
-            </a:r>
-            <a:r>
-              <a:rPr b="0" lang="en-US" sz="4400" spc="-1" strike="noStrike">
-                <a:solidFill>
-                  <a:srgbClr val="000000"/>
-                </a:solidFill>
-                <a:latin typeface="Play"/>
-                <a:ea typeface="Play"/>
-              </a:rPr>
-              <a:t>L</a:t>
-            </a:r>
-            <a:r>
-              <a:rPr b="0" lang="en-US" sz="4400" spc="-1" strike="noStrike">
-                <a:solidFill>
-                  <a:srgbClr val="000000"/>
-                </a:solidFill>
-                <a:latin typeface="Play"/>
-                <a:ea typeface="Play"/>
-              </a:rPr>
-              <a:t>e</a:t>
-            </a:r>
-            <a:r>
-              <a:rPr b="0" lang="en-US" sz="4400" spc="-1" strike="noStrike">
-                <a:solidFill>
-                  <a:srgbClr val="000000"/>
-                </a:solidFill>
-                <a:latin typeface="Play"/>
-                <a:ea typeface="Play"/>
-              </a:rPr>
-              <a:t>ar</a:t>
-            </a:r>
-            <a:r>
-              <a:rPr b="0" lang="en-US" sz="4400" spc="-1" strike="noStrike">
-                <a:solidFill>
-                  <a:srgbClr val="000000"/>
-                </a:solidFill>
-                <a:latin typeface="Play"/>
-                <a:ea typeface="Play"/>
-              </a:rPr>
-              <a:t>ni</a:t>
-            </a:r>
-            <a:r>
-              <a:rPr b="0" lang="en-US" sz="4400" spc="-1" strike="noStrike">
-                <a:solidFill>
-                  <a:srgbClr val="000000"/>
-                </a:solidFill>
-                <a:latin typeface="Play"/>
-                <a:ea typeface="Play"/>
-              </a:rPr>
-              <a:t>n</a:t>
-            </a:r>
-            <a:r>
-              <a:rPr b="0" lang="en-US" sz="4400" spc="-1" strike="noStrike">
-                <a:solidFill>
-                  <a:srgbClr val="000000"/>
-                </a:solidFill>
-                <a:latin typeface="Play"/>
-                <a:ea typeface="Play"/>
-              </a:rPr>
-              <a:t>g</a:t>
-            </a:r>
-            <a:r>
-              <a:rPr b="0" lang="en-US" sz="4400" spc="-1" strike="noStrike">
-                <a:solidFill>
-                  <a:srgbClr val="000000"/>
-                </a:solidFill>
-                <a:latin typeface="Play"/>
-                <a:ea typeface="Play"/>
-              </a:rPr>
-              <a:t>?</a:t>
+              <a:t>1 What is Graph Representation Learning?</a:t>
             </a:r>
             <a:endParaRPr b="0" lang="de-DE" sz="4400" spc="-1" strike="noStrike">
               <a:latin typeface="Arial"/>
@@ -15271,217 +14963,7 @@
                 <a:latin typeface="Play"/>
                 <a:ea typeface="Play"/>
               </a:rPr>
-              <a:t>2 </a:t>
-            </a:r>
-            <a:r>
-              <a:rPr b="0" lang="en-US" sz="4400" spc="-1" strike="noStrike">
-                <a:solidFill>
-                  <a:srgbClr val="000000"/>
-                </a:solidFill>
-                <a:latin typeface="Play"/>
-                <a:ea typeface="Play"/>
-              </a:rPr>
-              <a:t>T</a:t>
-            </a:r>
-            <a:r>
-              <a:rPr b="0" lang="en-US" sz="4400" spc="-1" strike="noStrike">
-                <a:solidFill>
-                  <a:srgbClr val="000000"/>
-                </a:solidFill>
-                <a:latin typeface="Play"/>
-                <a:ea typeface="Play"/>
-              </a:rPr>
-              <a:t>h</a:t>
-            </a:r>
-            <a:r>
-              <a:rPr b="0" lang="en-US" sz="4400" spc="-1" strike="noStrike">
-                <a:solidFill>
-                  <a:srgbClr val="000000"/>
-                </a:solidFill>
-                <a:latin typeface="Play"/>
-                <a:ea typeface="Play"/>
-              </a:rPr>
-              <a:t>e </a:t>
-            </a:r>
-            <a:r>
-              <a:rPr b="0" lang="en-US" sz="4400" spc="-1" strike="noStrike">
-                <a:solidFill>
-                  <a:srgbClr val="000000"/>
-                </a:solidFill>
-                <a:latin typeface="Play"/>
-                <a:ea typeface="Play"/>
-              </a:rPr>
-              <a:t>S</a:t>
-            </a:r>
-            <a:r>
-              <a:rPr b="0" lang="en-US" sz="4400" spc="-1" strike="noStrike">
-                <a:solidFill>
-                  <a:srgbClr val="000000"/>
-                </a:solidFill>
-                <a:latin typeface="Play"/>
-                <a:ea typeface="Play"/>
-              </a:rPr>
-              <a:t>u</a:t>
-            </a:r>
-            <a:r>
-              <a:rPr b="0" lang="en-US" sz="4400" spc="-1" strike="noStrike">
-                <a:solidFill>
-                  <a:srgbClr val="000000"/>
-                </a:solidFill>
-                <a:latin typeface="Play"/>
-                <a:ea typeface="Play"/>
-              </a:rPr>
-              <a:t>c</a:t>
-            </a:r>
-            <a:r>
-              <a:rPr b="0" lang="en-US" sz="4400" spc="-1" strike="noStrike">
-                <a:solidFill>
-                  <a:srgbClr val="000000"/>
-                </a:solidFill>
-                <a:latin typeface="Play"/>
-                <a:ea typeface="Play"/>
-              </a:rPr>
-              <a:t>c</a:t>
-            </a:r>
-            <a:r>
-              <a:rPr b="0" lang="en-US" sz="4400" spc="-1" strike="noStrike">
-                <a:solidFill>
-                  <a:srgbClr val="000000"/>
-                </a:solidFill>
-                <a:latin typeface="Play"/>
-                <a:ea typeface="Play"/>
-              </a:rPr>
-              <a:t>e</a:t>
-            </a:r>
-            <a:r>
-              <a:rPr b="0" lang="en-US" sz="4400" spc="-1" strike="noStrike">
-                <a:solidFill>
-                  <a:srgbClr val="000000"/>
-                </a:solidFill>
-                <a:latin typeface="Play"/>
-                <a:ea typeface="Play"/>
-              </a:rPr>
-              <a:t>s</a:t>
-            </a:r>
-            <a:r>
-              <a:rPr b="0" lang="en-US" sz="4400" spc="-1" strike="noStrike">
-                <a:solidFill>
-                  <a:srgbClr val="000000"/>
-                </a:solidFill>
-                <a:latin typeface="Play"/>
-                <a:ea typeface="Play"/>
-              </a:rPr>
-              <a:t>sf</a:t>
-            </a:r>
-            <a:r>
-              <a:rPr b="0" lang="en-US" sz="4400" spc="-1" strike="noStrike">
-                <a:solidFill>
-                  <a:srgbClr val="000000"/>
-                </a:solidFill>
-                <a:latin typeface="Play"/>
-                <a:ea typeface="Play"/>
-              </a:rPr>
-              <a:t>ul </a:t>
-            </a:r>
-            <a:r>
-              <a:rPr b="0" lang="en-US" sz="4400" spc="-1" strike="noStrike">
-                <a:solidFill>
-                  <a:srgbClr val="000000"/>
-                </a:solidFill>
-                <a:latin typeface="Play"/>
-                <a:ea typeface="Play"/>
-              </a:rPr>
-              <a:t>D</a:t>
-            </a:r>
-            <a:r>
-              <a:rPr b="0" lang="en-US" sz="4400" spc="-1" strike="noStrike">
-                <a:solidFill>
-                  <a:srgbClr val="000000"/>
-                </a:solidFill>
-                <a:latin typeface="Play"/>
-                <a:ea typeface="Play"/>
-              </a:rPr>
-              <a:t>iff</a:t>
-            </a:r>
-            <a:r>
-              <a:rPr b="0" lang="en-US" sz="4400" spc="-1" strike="noStrike">
-                <a:solidFill>
-                  <a:srgbClr val="000000"/>
-                </a:solidFill>
-                <a:latin typeface="Play"/>
-                <a:ea typeface="Play"/>
-              </a:rPr>
-              <a:t>u</a:t>
-            </a:r>
-            <a:r>
-              <a:rPr b="0" lang="en-US" sz="4400" spc="-1" strike="noStrike">
-                <a:solidFill>
-                  <a:srgbClr val="000000"/>
-                </a:solidFill>
-                <a:latin typeface="Play"/>
-                <a:ea typeface="Play"/>
-              </a:rPr>
-              <a:t>si</a:t>
-            </a:r>
-            <a:r>
-              <a:rPr b="0" lang="en-US" sz="4400" spc="-1" strike="noStrike">
-                <a:solidFill>
-                  <a:srgbClr val="000000"/>
-                </a:solidFill>
-                <a:latin typeface="Play"/>
-                <a:ea typeface="Play"/>
-              </a:rPr>
-              <a:t>o</a:t>
-            </a:r>
-            <a:r>
-              <a:rPr b="0" lang="en-US" sz="4400" spc="-1" strike="noStrike">
-                <a:solidFill>
-                  <a:srgbClr val="000000"/>
-                </a:solidFill>
-                <a:latin typeface="Play"/>
-                <a:ea typeface="Play"/>
-              </a:rPr>
-              <a:t>n </a:t>
-            </a:r>
-            <a:r>
-              <a:rPr b="0" lang="en-US" sz="4400" spc="-1" strike="noStrike">
-                <a:solidFill>
-                  <a:srgbClr val="000000"/>
-                </a:solidFill>
-                <a:latin typeface="Play"/>
-                <a:ea typeface="Play"/>
-              </a:rPr>
-              <a:t>M</a:t>
-            </a:r>
-            <a:r>
-              <a:rPr b="0" lang="en-US" sz="4400" spc="-1" strike="noStrike">
-                <a:solidFill>
-                  <a:srgbClr val="000000"/>
-                </a:solidFill>
-                <a:latin typeface="Play"/>
-                <a:ea typeface="Play"/>
-              </a:rPr>
-              <a:t>o</a:t>
-            </a:r>
-            <a:r>
-              <a:rPr b="0" lang="en-US" sz="4400" spc="-1" strike="noStrike">
-                <a:solidFill>
-                  <a:srgbClr val="000000"/>
-                </a:solidFill>
-                <a:latin typeface="Play"/>
-                <a:ea typeface="Play"/>
-              </a:rPr>
-              <a:t>d</a:t>
-            </a:r>
-            <a:r>
-              <a:rPr b="0" lang="en-US" sz="4400" spc="-1" strike="noStrike">
-                <a:solidFill>
-                  <a:srgbClr val="000000"/>
-                </a:solidFill>
-                <a:latin typeface="Play"/>
-                <a:ea typeface="Play"/>
-              </a:rPr>
-              <a:t>el</a:t>
+              <a:t>2 The Successful Diffusion Model</a:t>
             </a:r>
             <a:endParaRPr b="0" lang="de-DE" sz="4400" spc="-1" strike="noStrike">
               <a:latin typeface="Arial"/>
@@ -15974,7 +15456,7 @@
         </p:blipFill>
         <p:spPr>
           <a:xfrm>
-            <a:off x="3240000" y="3060000"/>
+            <a:off x="3254760" y="3240000"/>
             <a:ext cx="8100000" cy="2014200"/>
           </a:xfrm>
           <a:prstGeom prst="rect">
@@ -16064,7 +15546,7 @@
         </p:nvSpPr>
         <p:spPr>
           <a:xfrm>
-            <a:off x="10260000" y="4988160"/>
+            <a:off x="10260000" y="5168160"/>
             <a:ext cx="1000440" cy="231840"/>
           </a:xfrm>
           <a:prstGeom prst="rect">
